--- a/教案/第05章.贪心算法.pptx
+++ b/教案/第05章.贪心算法.pptx
@@ -5,30 +5,31 @@
     <p:sldMasterId id="2147483677" r:id="rId1"/>
   </p:sldMasterIdLst>
   <p:notesMasterIdLst>
-    <p:notesMasterId r:id="rId23"/>
+    <p:notesMasterId r:id="rId24"/>
   </p:notesMasterIdLst>
   <p:sldIdLst>
     <p:sldId id="256" r:id="rId2"/>
     <p:sldId id="257" r:id="rId3"/>
-    <p:sldId id="258" r:id="rId4"/>
-    <p:sldId id="259" r:id="rId5"/>
-    <p:sldId id="260" r:id="rId6"/>
-    <p:sldId id="261" r:id="rId7"/>
-    <p:sldId id="262" r:id="rId8"/>
-    <p:sldId id="263" r:id="rId9"/>
-    <p:sldId id="264" r:id="rId10"/>
-    <p:sldId id="265" r:id="rId11"/>
-    <p:sldId id="266" r:id="rId12"/>
-    <p:sldId id="267" r:id="rId13"/>
-    <p:sldId id="268" r:id="rId14"/>
-    <p:sldId id="269" r:id="rId15"/>
-    <p:sldId id="270" r:id="rId16"/>
-    <p:sldId id="271" r:id="rId17"/>
-    <p:sldId id="272" r:id="rId18"/>
-    <p:sldId id="273" r:id="rId19"/>
-    <p:sldId id="274" r:id="rId20"/>
-    <p:sldId id="275" r:id="rId21"/>
-    <p:sldId id="276" r:id="rId22"/>
+    <p:sldId id="262" r:id="rId4"/>
+    <p:sldId id="277" r:id="rId5"/>
+    <p:sldId id="258" r:id="rId6"/>
+    <p:sldId id="259" r:id="rId7"/>
+    <p:sldId id="260" r:id="rId8"/>
+    <p:sldId id="261" r:id="rId9"/>
+    <p:sldId id="263" r:id="rId10"/>
+    <p:sldId id="264" r:id="rId11"/>
+    <p:sldId id="265" r:id="rId12"/>
+    <p:sldId id="266" r:id="rId13"/>
+    <p:sldId id="267" r:id="rId14"/>
+    <p:sldId id="268" r:id="rId15"/>
+    <p:sldId id="269" r:id="rId16"/>
+    <p:sldId id="270" r:id="rId17"/>
+    <p:sldId id="271" r:id="rId18"/>
+    <p:sldId id="272" r:id="rId19"/>
+    <p:sldId id="273" r:id="rId20"/>
+    <p:sldId id="274" r:id="rId21"/>
+    <p:sldId id="275" r:id="rId22"/>
+    <p:sldId id="276" r:id="rId23"/>
   </p:sldIdLst>
   <p:sldSz cx="12192000" cy="6858000"/>
   <p:notesSz cx="6858000" cy="9144000"/>
@@ -928,7 +929,7 @@
                 <a:latin typeface="Arial" panose="020B0604020202020204" pitchFamily="34" charset="0"/>
               </a:rPr>
               <a:pPr eaLnBrk="1" hangingPunct="1"/>
-              <a:t>14</a:t>
+              <a:t>15</a:t>
             </a:fld>
             <a:endParaRPr lang="en-US" altLang="zh-CN">
               <a:latin typeface="Arial" panose="020B0604020202020204" pitchFamily="34" charset="0"/>
@@ -9688,6 +9689,262 @@
       </p:grpSpPr>
       <p:sp>
         <p:nvSpPr>
+          <p:cNvPr id="11266" name="Rectangle 2">
+            <a:extLst>
+              <a:ext uri="{FF2B5EF4-FFF2-40B4-BE49-F238E27FC236}">
+                <a16:creationId xmlns:a16="http://schemas.microsoft.com/office/drawing/2014/main" id="{1371F073-C0BF-4338-A381-6A8CA406F5B0}"/>
+              </a:ext>
+            </a:extLst>
+          </p:cNvPr>
+          <p:cNvSpPr>
+            <a:spLocks noGrp="1" noChangeArrowheads="1"/>
+          </p:cNvSpPr>
+          <p:nvPr>
+            <p:ph type="title"/>
+          </p:nvPr>
+        </p:nvSpPr>
+        <p:spPr/>
+        <p:txBody>
+          <a:bodyPr/>
+          <a:lstStyle/>
+          <a:p>
+            <a:pPr eaLnBrk="1" hangingPunct="1"/>
+            <a:r>
+              <a:rPr lang="en-US" altLang="zh-CN"/>
+              <a:t>0-1</a:t>
+            </a:r>
+            <a:r>
+              <a:rPr lang="zh-CN" altLang="en-US"/>
+              <a:t>背包问题</a:t>
+            </a:r>
+          </a:p>
+        </p:txBody>
+      </p:sp>
+      <p:sp>
+        <p:nvSpPr>
+          <p:cNvPr id="11267" name="Rectangle 3">
+            <a:extLst>
+              <a:ext uri="{FF2B5EF4-FFF2-40B4-BE49-F238E27FC236}">
+                <a16:creationId xmlns:a16="http://schemas.microsoft.com/office/drawing/2014/main" id="{A229BE97-8F93-4FED-BBC5-21687C2E1BAB}"/>
+              </a:ext>
+            </a:extLst>
+          </p:cNvPr>
+          <p:cNvSpPr>
+            <a:spLocks noGrp="1" noChangeArrowheads="1"/>
+          </p:cNvSpPr>
+          <p:nvPr>
+            <p:ph idx="1"/>
+          </p:nvPr>
+        </p:nvSpPr>
+        <p:spPr/>
+        <p:txBody>
+          <a:bodyPr>
+            <a:normAutofit fontScale="55000" lnSpcReduction="20000"/>
+          </a:bodyPr>
+          <a:lstStyle/>
+          <a:p>
+            <a:pPr eaLnBrk="1" hangingPunct="1"/>
+            <a:r>
+              <a:rPr lang="zh-CN" altLang="en-US" sz="2800" dirty="0"/>
+              <a:t>有一容量为</a:t>
+            </a:r>
+            <a:r>
+              <a:rPr lang="en-US" altLang="zh-CN" sz="2800" dirty="0"/>
+              <a:t>W</a:t>
+            </a:r>
+            <a:r>
+              <a:rPr lang="zh-CN" altLang="en-US" sz="2800" dirty="0"/>
+              <a:t>的背包，和一批体积分别为</a:t>
+            </a:r>
+            <a:r>
+              <a:rPr lang="en-US" altLang="zh-CN" sz="2800" dirty="0" err="1"/>
+              <a:t>w</a:t>
+            </a:r>
+            <a:r>
+              <a:rPr lang="en-US" altLang="zh-CN" sz="2800" baseline="-25000" dirty="0" err="1"/>
+              <a:t>i</a:t>
+            </a:r>
+            <a:r>
+              <a:rPr lang="zh-CN" altLang="en-US" sz="2800" dirty="0"/>
+              <a:t>，价值为</a:t>
+            </a:r>
+            <a:r>
+              <a:rPr lang="en-US" altLang="zh-CN" sz="2800" dirty="0"/>
+              <a:t>v</a:t>
+            </a:r>
+            <a:r>
+              <a:rPr lang="en-US" altLang="zh-CN" sz="2800" baseline="-25000" dirty="0"/>
+              <a:t>i</a:t>
+            </a:r>
+            <a:r>
+              <a:rPr lang="zh-CN" altLang="en-US" sz="2800" dirty="0"/>
+              <a:t>的物品， </a:t>
+            </a:r>
+            <a:r>
+              <a:rPr lang="en-US" altLang="zh-CN" sz="2800" dirty="0"/>
+              <a:t>i=0</a:t>
+            </a:r>
+            <a:r>
+              <a:rPr lang="en-US" altLang="zh-CN" sz="2800" dirty="0">
+                <a:latin typeface="Arial" panose="020B0604020202020204" pitchFamily="34" charset="0"/>
+              </a:rPr>
+              <a:t>…</a:t>
+            </a:r>
+            <a:r>
+              <a:rPr lang="en-US" altLang="zh-CN" sz="2800" dirty="0"/>
+              <a:t>n-1</a:t>
+            </a:r>
+            <a:r>
+              <a:rPr lang="zh-CN" altLang="en-US" sz="2800" dirty="0"/>
+              <a:t>；问将哪些物品装入背包，使得背包中的总价值最大？</a:t>
+            </a:r>
+          </a:p>
+          <a:p>
+            <a:pPr eaLnBrk="1" hangingPunct="1"/>
+            <a:r>
+              <a:rPr lang="en-US" altLang="zh-CN" sz="2800" dirty="0"/>
+              <a:t>0-1</a:t>
+            </a:r>
+            <a:r>
+              <a:rPr lang="zh-CN" altLang="en-US" sz="2800" dirty="0"/>
+              <a:t>背包问题不满足最优子结构性质，不能用贪心法来求解，而应用分治法求解。分治规则为：</a:t>
+            </a:r>
+            <a:br>
+              <a:rPr lang="zh-CN" altLang="en-US" sz="2800" dirty="0"/>
+            </a:br>
+            <a:r>
+              <a:rPr lang="en-US" altLang="zh-CN" sz="2400" b="1" dirty="0"/>
+              <a:t>S(w</a:t>
+            </a:r>
+            <a:r>
+              <a:rPr lang="en-US" altLang="zh-CN" sz="2400" b="1" baseline="-25000" dirty="0"/>
+              <a:t>0..n-1</a:t>
+            </a:r>
+            <a:r>
+              <a:rPr lang="en-US" altLang="zh-CN" sz="2400" b="1" dirty="0"/>
+              <a:t>, v</a:t>
+            </a:r>
+            <a:r>
+              <a:rPr lang="en-US" altLang="zh-CN" sz="2400" b="1" baseline="-25000" dirty="0"/>
+              <a:t>0..n-1</a:t>
+            </a:r>
+            <a:r>
+              <a:rPr lang="en-US" altLang="zh-CN" sz="2400" b="1" dirty="0"/>
+              <a:t>, W) = </a:t>
+            </a:r>
+            <a:br>
+              <a:rPr lang="en-US" altLang="zh-CN" sz="2400" b="1" dirty="0"/>
+            </a:br>
+            <a:r>
+              <a:rPr lang="en-US" altLang="zh-CN" sz="2400" b="1" dirty="0"/>
+              <a:t>max</a:t>
+            </a:r>
+            <a:br>
+              <a:rPr lang="en-US" altLang="zh-CN" sz="2400" b="1" dirty="0"/>
+            </a:br>
+            <a:r>
+              <a:rPr lang="en-US" altLang="zh-CN" sz="2400" b="1" dirty="0"/>
+              <a:t>{</a:t>
+            </a:r>
+            <a:br>
+              <a:rPr lang="en-US" altLang="zh-CN" sz="2400" b="1" dirty="0"/>
+            </a:br>
+            <a:r>
+              <a:rPr lang="en-US" altLang="zh-CN" sz="2400" b="1" dirty="0"/>
+              <a:t>	S(w</a:t>
+            </a:r>
+            <a:r>
+              <a:rPr lang="en-US" altLang="zh-CN" sz="2400" b="1" baseline="-25000" dirty="0"/>
+              <a:t>0..n-2</a:t>
+            </a:r>
+            <a:r>
+              <a:rPr lang="en-US" altLang="zh-CN" sz="2400" b="1" dirty="0"/>
+              <a:t>, v</a:t>
+            </a:r>
+            <a:r>
+              <a:rPr lang="en-US" altLang="zh-CN" sz="2400" b="1" baseline="-25000" dirty="0"/>
+              <a:t>0..n-2</a:t>
+            </a:r>
+            <a:r>
+              <a:rPr lang="en-US" altLang="zh-CN" sz="2400" b="1" dirty="0"/>
+              <a:t>, W-w</a:t>
+            </a:r>
+            <a:r>
+              <a:rPr lang="en-US" altLang="zh-CN" sz="2400" b="1" baseline="-25000" dirty="0"/>
+              <a:t>n-1</a:t>
+            </a:r>
+            <a:r>
+              <a:rPr lang="en-US" altLang="zh-CN" sz="2400" b="1" dirty="0"/>
+              <a:t>)+v</a:t>
+            </a:r>
+            <a:r>
+              <a:rPr lang="en-US" altLang="zh-CN" sz="2400" b="1" baseline="-25000" dirty="0"/>
+              <a:t>n-1</a:t>
+            </a:r>
+            <a:r>
+              <a:rPr lang="en-US" altLang="zh-CN" sz="2400" b="1" dirty="0"/>
+              <a:t>, </a:t>
+            </a:r>
+            <a:br>
+              <a:rPr lang="en-US" altLang="zh-CN" sz="2400" b="1" dirty="0"/>
+            </a:br>
+            <a:r>
+              <a:rPr lang="en-US" altLang="zh-CN" sz="2400" b="1" dirty="0"/>
+              <a:t>	S(w</a:t>
+            </a:r>
+            <a:r>
+              <a:rPr lang="en-US" altLang="zh-CN" sz="2400" b="1" baseline="-25000" dirty="0"/>
+              <a:t>0..n-2</a:t>
+            </a:r>
+            <a:r>
+              <a:rPr lang="en-US" altLang="zh-CN" sz="2400" b="1" dirty="0"/>
+              <a:t>, v</a:t>
+            </a:r>
+            <a:r>
+              <a:rPr lang="en-US" altLang="zh-CN" sz="2400" b="1" baseline="-25000" dirty="0"/>
+              <a:t>0..n-2</a:t>
+            </a:r>
+            <a:r>
+              <a:rPr lang="en-US" altLang="zh-CN" sz="2400" b="1" dirty="0"/>
+              <a:t>, W)</a:t>
+            </a:r>
+            <a:br>
+              <a:rPr lang="en-US" altLang="zh-CN" sz="2400" b="1" dirty="0"/>
+            </a:br>
+            <a:r>
+              <a:rPr lang="en-US" altLang="zh-CN" sz="2400" b="1" dirty="0"/>
+              <a:t>}</a:t>
+            </a:r>
+          </a:p>
+        </p:txBody>
+      </p:sp>
+    </p:spTree>
+  </p:cSld>
+  <p:clrMapOvr>
+    <a:masterClrMapping/>
+  </p:clrMapOvr>
+</p:sld>
+</file>
+
+<file path=ppt/slides/slide11.xml><?xml version="1.0" encoding="utf-8"?>
+<p:sld xmlns:a="http://schemas.openxmlformats.org/drawingml/2006/main" xmlns:r="http://schemas.openxmlformats.org/officeDocument/2006/relationships" xmlns:p="http://schemas.openxmlformats.org/presentationml/2006/main">
+  <p:cSld>
+    <p:spTree>
+      <p:nvGrpSpPr>
+        <p:cNvPr id="1" name=""/>
+        <p:cNvGrpSpPr/>
+        <p:nvPr/>
+      </p:nvGrpSpPr>
+      <p:grpSpPr>
+        <a:xfrm>
+          <a:off x="0" y="0"/>
+          <a:ext cx="0" cy="0"/>
+          <a:chOff x="0" y="0"/>
+          <a:chExt cx="0" cy="0"/>
+        </a:xfrm>
+      </p:grpSpPr>
+      <p:sp>
+        <p:nvSpPr>
           <p:cNvPr id="12290" name="Rectangle 2">
             <a:extLst>
               <a:ext uri="{FF2B5EF4-FFF2-40B4-BE49-F238E27FC236}">
@@ -9834,7 +10091,7 @@
 </p:sld>
 </file>
 
-<file path=ppt/slides/slide11.xml><?xml version="1.0" encoding="utf-8"?>
+<file path=ppt/slides/slide12.xml><?xml version="1.0" encoding="utf-8"?>
 <p:sld xmlns:a="http://schemas.openxmlformats.org/drawingml/2006/main" xmlns:r="http://schemas.openxmlformats.org/officeDocument/2006/relationships" xmlns:p="http://schemas.openxmlformats.org/presentationml/2006/main">
   <p:cSld>
     <p:spTree>
@@ -10068,7 +10325,7 @@
 </p:sld>
 </file>
 
-<file path=ppt/slides/slide12.xml><?xml version="1.0" encoding="utf-8"?>
+<file path=ppt/slides/slide13.xml><?xml version="1.0" encoding="utf-8"?>
 <p:sld xmlns:a="http://schemas.openxmlformats.org/drawingml/2006/main" xmlns:r="http://schemas.openxmlformats.org/officeDocument/2006/relationships" xmlns:p="http://schemas.openxmlformats.org/presentationml/2006/main">
   <p:cSld>
     <p:spTree>
@@ -12325,7 +12582,7 @@
 </p:sld>
 </file>
 
-<file path=ppt/slides/slide13.xml><?xml version="1.0" encoding="utf-8"?>
+<file path=ppt/slides/slide14.xml><?xml version="1.0" encoding="utf-8"?>
 <p:sld xmlns:a="http://schemas.openxmlformats.org/drawingml/2006/main" xmlns:r="http://schemas.openxmlformats.org/officeDocument/2006/relationships" xmlns:p="http://schemas.openxmlformats.org/presentationml/2006/main">
   <p:cSld>
     <p:spTree>
@@ -12540,7 +12797,7 @@
 </p:sld>
 </file>
 
-<file path=ppt/slides/slide14.xml><?xml version="1.0" encoding="utf-8"?>
+<file path=ppt/slides/slide15.xml><?xml version="1.0" encoding="utf-8"?>
 <p:sld xmlns:a="http://schemas.openxmlformats.org/drawingml/2006/main" xmlns:r="http://schemas.openxmlformats.org/officeDocument/2006/relationships" xmlns:p="http://schemas.openxmlformats.org/presentationml/2006/main">
   <p:cSld>
     <p:spTree>
@@ -12850,7 +13107,7 @@
 </p:sld>
 </file>
 
-<file path=ppt/slides/slide15.xml><?xml version="1.0" encoding="utf-8"?>
+<file path=ppt/slides/slide16.xml><?xml version="1.0" encoding="utf-8"?>
 <p:sld xmlns:a="http://schemas.openxmlformats.org/drawingml/2006/main" xmlns:r="http://schemas.openxmlformats.org/officeDocument/2006/relationships" xmlns:p="http://schemas.openxmlformats.org/presentationml/2006/main">
   <p:cSld>
     <p:spTree>
@@ -13076,7 +13333,7 @@
 </p:sld>
 </file>
 
-<file path=ppt/slides/slide16.xml><?xml version="1.0" encoding="utf-8"?>
+<file path=ppt/slides/slide17.xml><?xml version="1.0" encoding="utf-8"?>
 <p:sld xmlns:a="http://schemas.openxmlformats.org/drawingml/2006/main" xmlns:r="http://schemas.openxmlformats.org/officeDocument/2006/relationships" xmlns:p="http://schemas.openxmlformats.org/presentationml/2006/main">
   <p:cSld>
     <p:spTree>
@@ -13312,7 +13569,7 @@
 </p:sld>
 </file>
 
-<file path=ppt/slides/slide17.xml><?xml version="1.0" encoding="utf-8"?>
+<file path=ppt/slides/slide18.xml><?xml version="1.0" encoding="utf-8"?>
 <p:sld xmlns:a="http://schemas.openxmlformats.org/drawingml/2006/main" xmlns:r="http://schemas.openxmlformats.org/officeDocument/2006/relationships" xmlns:p="http://schemas.openxmlformats.org/presentationml/2006/main">
   <p:cSld>
     <p:spTree>
@@ -13638,7 +13895,7 @@
 </p:sld>
 </file>
 
-<file path=ppt/slides/slide18.xml><?xml version="1.0" encoding="utf-8"?>
+<file path=ppt/slides/slide19.xml><?xml version="1.0" encoding="utf-8"?>
 <p:sld xmlns:a="http://schemas.openxmlformats.org/drawingml/2006/main" xmlns:r="http://schemas.openxmlformats.org/officeDocument/2006/relationships" xmlns:p="http://schemas.openxmlformats.org/presentationml/2006/main">
   <p:cSld>
     <p:spTree>
@@ -13973,169 +14230,6 @@
             <a:r>
               <a:rPr lang="zh-CN" altLang="en-US" sz="2400" dirty="0"/>
               <a:t>综上所述，可推知对带权拟阵用贪心算法可以求得其最优子集；</a:t>
-            </a:r>
-          </a:p>
-        </p:txBody>
-      </p:sp>
-    </p:spTree>
-  </p:cSld>
-  <p:clrMapOvr>
-    <a:masterClrMapping/>
-  </p:clrMapOvr>
-</p:sld>
-</file>
-
-<file path=ppt/slides/slide19.xml><?xml version="1.0" encoding="utf-8"?>
-<p:sld xmlns:a="http://schemas.openxmlformats.org/drawingml/2006/main" xmlns:r="http://schemas.openxmlformats.org/officeDocument/2006/relationships" xmlns:p="http://schemas.openxmlformats.org/presentationml/2006/main">
-  <p:cSld>
-    <p:spTree>
-      <p:nvGrpSpPr>
-        <p:cNvPr id="1" name=""/>
-        <p:cNvGrpSpPr/>
-        <p:nvPr/>
-      </p:nvGrpSpPr>
-      <p:grpSpPr>
-        <a:xfrm>
-          <a:off x="0" y="0"/>
-          <a:ext cx="0" cy="0"/>
-          <a:chOff x="0" y="0"/>
-          <a:chExt cx="0" cy="0"/>
-        </a:xfrm>
-      </p:grpSpPr>
-      <p:sp>
-        <p:nvSpPr>
-          <p:cNvPr id="21506" name="Rectangle 2">
-            <a:extLst>
-              <a:ext uri="{FF2B5EF4-FFF2-40B4-BE49-F238E27FC236}">
-                <a16:creationId xmlns:a16="http://schemas.microsoft.com/office/drawing/2014/main" id="{72AEE723-DD89-40BF-8F4D-F0801AA336C3}"/>
-              </a:ext>
-            </a:extLst>
-          </p:cNvPr>
-          <p:cNvSpPr>
-            <a:spLocks noGrp="1" noChangeArrowheads="1"/>
-          </p:cNvSpPr>
-          <p:nvPr>
-            <p:ph type="title"/>
-          </p:nvPr>
-        </p:nvSpPr>
-        <p:spPr/>
-        <p:txBody>
-          <a:bodyPr/>
-          <a:lstStyle/>
-          <a:p>
-            <a:pPr eaLnBrk="1" hangingPunct="1"/>
-            <a:r>
-              <a:rPr lang="zh-CN" altLang="en-US"/>
-              <a:t>任务时间表问题</a:t>
-            </a:r>
-          </a:p>
-        </p:txBody>
-      </p:sp>
-      <p:sp>
-        <p:nvSpPr>
-          <p:cNvPr id="21507" name="Rectangle 3">
-            <a:extLst>
-              <a:ext uri="{FF2B5EF4-FFF2-40B4-BE49-F238E27FC236}">
-                <a16:creationId xmlns:a16="http://schemas.microsoft.com/office/drawing/2014/main" id="{B449C51D-6961-4F1A-9153-1F595B510086}"/>
-              </a:ext>
-            </a:extLst>
-          </p:cNvPr>
-          <p:cNvSpPr>
-            <a:spLocks noGrp="1" noChangeArrowheads="1"/>
-          </p:cNvSpPr>
-          <p:nvPr>
-            <p:ph idx="1"/>
-          </p:nvPr>
-        </p:nvSpPr>
-        <p:spPr>
-          <a:xfrm>
-            <a:off x="2640014" y="2060576"/>
-            <a:ext cx="7342187" cy="4392613"/>
-          </a:xfrm>
-        </p:spPr>
-        <p:txBody>
-          <a:bodyPr>
-            <a:normAutofit fontScale="77500" lnSpcReduction="20000"/>
-          </a:bodyPr>
-          <a:lstStyle/>
-          <a:p>
-            <a:pPr eaLnBrk="1" hangingPunct="1"/>
-            <a:r>
-              <a:rPr lang="zh-CN" altLang="en-US" sz="2400" dirty="0"/>
-              <a:t>问题：有一组单位时间任务</a:t>
-            </a:r>
-            <a:r>
-              <a:rPr lang="en-US" altLang="zh-CN" sz="2400" dirty="0"/>
-              <a:t>S={1,2,</a:t>
-            </a:r>
-            <a:r>
-              <a:rPr lang="en-US" altLang="zh-CN" sz="2400" dirty="0">
-                <a:latin typeface="Arial" panose="020B0604020202020204" pitchFamily="34" charset="0"/>
-              </a:rPr>
-              <a:t>…</a:t>
-            </a:r>
-            <a:r>
-              <a:rPr lang="en-US" altLang="zh-CN" sz="2400" dirty="0"/>
-              <a:t>,n}</a:t>
-            </a:r>
-            <a:r>
-              <a:rPr lang="zh-CN" altLang="en-US" sz="2400" dirty="0"/>
-              <a:t>，每个任务</a:t>
-            </a:r>
-            <a:r>
-              <a:rPr lang="en-US" altLang="zh-CN" sz="2400" dirty="0"/>
-              <a:t>i</a:t>
-            </a:r>
-            <a:r>
-              <a:rPr lang="zh-CN" altLang="en-US" sz="2400" dirty="0"/>
-              <a:t>有指定的要求完成时间</a:t>
-            </a:r>
-            <a:r>
-              <a:rPr lang="en-US" altLang="zh-CN" sz="2400" dirty="0"/>
-              <a:t>d</a:t>
-            </a:r>
-            <a:r>
-              <a:rPr lang="en-US" altLang="zh-CN" sz="2400" baseline="-25000" dirty="0"/>
-              <a:t>i</a:t>
-            </a:r>
-            <a:r>
-              <a:rPr lang="zh-CN" altLang="en-US" sz="2400" dirty="0"/>
-              <a:t>，若任务</a:t>
-            </a:r>
-            <a:r>
-              <a:rPr lang="en-US" altLang="zh-CN" sz="2400" dirty="0"/>
-              <a:t>i</a:t>
-            </a:r>
-            <a:r>
-              <a:rPr lang="zh-CN" altLang="en-US" sz="2400" dirty="0"/>
-              <a:t>在指定完成时间之后完成，则将受到误时惩罚</a:t>
-            </a:r>
-            <a:r>
-              <a:rPr lang="en-US" altLang="zh-CN" sz="2400" dirty="0" err="1"/>
-              <a:t>ω</a:t>
-            </a:r>
-            <a:r>
-              <a:rPr lang="en-US" altLang="zh-CN" sz="2400" baseline="-25000" dirty="0" err="1"/>
-              <a:t>i</a:t>
-            </a:r>
-            <a:r>
-              <a:rPr lang="zh-CN" altLang="en-US" sz="2400" dirty="0"/>
-              <a:t>；要求安排活动的时间表，使得总的误时惩罚最小；</a:t>
-            </a:r>
-          </a:p>
-          <a:p>
-            <a:pPr eaLnBrk="1" hangingPunct="1"/>
-            <a:r>
-              <a:rPr lang="zh-CN" altLang="en-US" sz="2400" dirty="0"/>
-              <a:t>分析：由于误时任务不会因为误时时间的延长而加大惩罚，因此，问题等价于确定</a:t>
-            </a:r>
-            <a:r>
-              <a:rPr lang="en-US" altLang="zh-CN" sz="2400" dirty="0"/>
-              <a:t>S</a:t>
-            </a:r>
-            <a:r>
-              <a:rPr lang="zh-CN" altLang="en-US" sz="2400" dirty="0"/>
-              <a:t>的一个最优及时任务子集；将最优子集中的活动按完成时间排序，再排列所有误时任务，即得到所需的任务时间表；</a:t>
             </a:r>
           </a:p>
         </p:txBody>
@@ -14262,6 +14356,169 @@
       </p:grpSpPr>
       <p:sp>
         <p:nvSpPr>
+          <p:cNvPr id="21506" name="Rectangle 2">
+            <a:extLst>
+              <a:ext uri="{FF2B5EF4-FFF2-40B4-BE49-F238E27FC236}">
+                <a16:creationId xmlns:a16="http://schemas.microsoft.com/office/drawing/2014/main" id="{72AEE723-DD89-40BF-8F4D-F0801AA336C3}"/>
+              </a:ext>
+            </a:extLst>
+          </p:cNvPr>
+          <p:cNvSpPr>
+            <a:spLocks noGrp="1" noChangeArrowheads="1"/>
+          </p:cNvSpPr>
+          <p:nvPr>
+            <p:ph type="title"/>
+          </p:nvPr>
+        </p:nvSpPr>
+        <p:spPr/>
+        <p:txBody>
+          <a:bodyPr/>
+          <a:lstStyle/>
+          <a:p>
+            <a:pPr eaLnBrk="1" hangingPunct="1"/>
+            <a:r>
+              <a:rPr lang="zh-CN" altLang="en-US"/>
+              <a:t>任务时间表问题</a:t>
+            </a:r>
+          </a:p>
+        </p:txBody>
+      </p:sp>
+      <p:sp>
+        <p:nvSpPr>
+          <p:cNvPr id="21507" name="Rectangle 3">
+            <a:extLst>
+              <a:ext uri="{FF2B5EF4-FFF2-40B4-BE49-F238E27FC236}">
+                <a16:creationId xmlns:a16="http://schemas.microsoft.com/office/drawing/2014/main" id="{B449C51D-6961-4F1A-9153-1F595B510086}"/>
+              </a:ext>
+            </a:extLst>
+          </p:cNvPr>
+          <p:cNvSpPr>
+            <a:spLocks noGrp="1" noChangeArrowheads="1"/>
+          </p:cNvSpPr>
+          <p:nvPr>
+            <p:ph idx="1"/>
+          </p:nvPr>
+        </p:nvSpPr>
+        <p:spPr>
+          <a:xfrm>
+            <a:off x="2640014" y="2060576"/>
+            <a:ext cx="7342187" cy="4392613"/>
+          </a:xfrm>
+        </p:spPr>
+        <p:txBody>
+          <a:bodyPr>
+            <a:normAutofit fontScale="77500" lnSpcReduction="20000"/>
+          </a:bodyPr>
+          <a:lstStyle/>
+          <a:p>
+            <a:pPr eaLnBrk="1" hangingPunct="1"/>
+            <a:r>
+              <a:rPr lang="zh-CN" altLang="en-US" sz="2400" dirty="0"/>
+              <a:t>问题：有一组单位时间任务</a:t>
+            </a:r>
+            <a:r>
+              <a:rPr lang="en-US" altLang="zh-CN" sz="2400" dirty="0"/>
+              <a:t>S={0,1,</a:t>
+            </a:r>
+            <a:r>
+              <a:rPr lang="en-US" altLang="zh-CN" sz="2400" dirty="0">
+                <a:latin typeface="Arial" panose="020B0604020202020204" pitchFamily="34" charset="0"/>
+              </a:rPr>
+              <a:t>…</a:t>
+            </a:r>
+            <a:r>
+              <a:rPr lang="en-US" altLang="zh-CN" sz="2400" dirty="0"/>
+              <a:t>,n-1}</a:t>
+            </a:r>
+            <a:r>
+              <a:rPr lang="zh-CN" altLang="en-US" sz="2400" dirty="0"/>
+              <a:t>，每个任务</a:t>
+            </a:r>
+            <a:r>
+              <a:rPr lang="en-US" altLang="zh-CN" sz="2400" dirty="0"/>
+              <a:t>i</a:t>
+            </a:r>
+            <a:r>
+              <a:rPr lang="zh-CN" altLang="en-US" sz="2400" dirty="0"/>
+              <a:t>有指定的要求完成时间</a:t>
+            </a:r>
+            <a:r>
+              <a:rPr lang="en-US" altLang="zh-CN" sz="2400" dirty="0"/>
+              <a:t>d</a:t>
+            </a:r>
+            <a:r>
+              <a:rPr lang="en-US" altLang="zh-CN" sz="2400" baseline="-25000" dirty="0"/>
+              <a:t>i</a:t>
+            </a:r>
+            <a:r>
+              <a:rPr lang="zh-CN" altLang="en-US" sz="2400" dirty="0"/>
+              <a:t>，若任务</a:t>
+            </a:r>
+            <a:r>
+              <a:rPr lang="en-US" altLang="zh-CN" sz="2400" dirty="0"/>
+              <a:t>i</a:t>
+            </a:r>
+            <a:r>
+              <a:rPr lang="zh-CN" altLang="en-US" sz="2400" dirty="0"/>
+              <a:t>在指定完成时间之后完成，则将受到误时惩罚</a:t>
+            </a:r>
+            <a:r>
+              <a:rPr lang="en-US" altLang="zh-CN" sz="2400" dirty="0" err="1"/>
+              <a:t>ω</a:t>
+            </a:r>
+            <a:r>
+              <a:rPr lang="en-US" altLang="zh-CN" sz="2400" baseline="-25000" dirty="0" err="1"/>
+              <a:t>i</a:t>
+            </a:r>
+            <a:r>
+              <a:rPr lang="zh-CN" altLang="en-US" sz="2400" dirty="0"/>
+              <a:t>；要求安排活动的时间表，使得总的误时惩罚最小；</a:t>
+            </a:r>
+          </a:p>
+          <a:p>
+            <a:pPr eaLnBrk="1" hangingPunct="1"/>
+            <a:r>
+              <a:rPr lang="zh-CN" altLang="en-US" sz="2400" dirty="0"/>
+              <a:t>分析：由于误时任务不会因为误时时间的延长而加大惩罚，因此，问题等价于确定</a:t>
+            </a:r>
+            <a:r>
+              <a:rPr lang="en-US" altLang="zh-CN" sz="2400" dirty="0"/>
+              <a:t>S</a:t>
+            </a:r>
+            <a:r>
+              <a:rPr lang="zh-CN" altLang="en-US" sz="2400" dirty="0"/>
+              <a:t>的一个最优及时任务子集；将最优子集中的活动按完成时间排序，再排列所有误时任务，即得到所需的任务时间表；</a:t>
+            </a:r>
+          </a:p>
+        </p:txBody>
+      </p:sp>
+    </p:spTree>
+  </p:cSld>
+  <p:clrMapOvr>
+    <a:masterClrMapping/>
+  </p:clrMapOvr>
+</p:sld>
+</file>
+
+<file path=ppt/slides/slide21.xml><?xml version="1.0" encoding="utf-8"?>
+<p:sld xmlns:a="http://schemas.openxmlformats.org/drawingml/2006/main" xmlns:r="http://schemas.openxmlformats.org/officeDocument/2006/relationships" xmlns:p="http://schemas.openxmlformats.org/presentationml/2006/main">
+  <p:cSld>
+    <p:spTree>
+      <p:nvGrpSpPr>
+        <p:cNvPr id="1" name=""/>
+        <p:cNvGrpSpPr/>
+        <p:nvPr/>
+      </p:nvGrpSpPr>
+      <p:grpSpPr>
+        <a:xfrm>
+          <a:off x="0" y="0"/>
+          <a:ext cx="0" cy="0"/>
+          <a:chOff x="0" y="0"/>
+          <a:chExt cx="0" cy="0"/>
+        </a:xfrm>
+      </p:grpSpPr>
+      <p:sp>
+        <p:nvSpPr>
           <p:cNvPr id="22530" name="Rectangle 2">
             <a:extLst>
               <a:ext uri="{FF2B5EF4-FFF2-40B4-BE49-F238E27FC236}">
@@ -14543,7 +14800,7 @@
 </p:sld>
 </file>
 
-<file path=ppt/slides/slide21.xml><?xml version="1.0" encoding="utf-8"?>
+<file path=ppt/slides/slide22.xml><?xml version="1.0" encoding="utf-8"?>
 <p:sld xmlns:a="http://schemas.openxmlformats.org/drawingml/2006/main" xmlns:r="http://schemas.openxmlformats.org/officeDocument/2006/relationships" xmlns:p="http://schemas.openxmlformats.org/presentationml/2006/main">
   <p:cSld>
     <p:spTree>
@@ -14744,7 +15001,13 @@
           <p:cNvGraphicFramePr>
             <a:graphicFrameLocks noGrp="1"/>
           </p:cNvGraphicFramePr>
-          <p:nvPr/>
+          <p:nvPr>
+            <p:extLst>
+              <p:ext uri="{D42A27DB-BD31-4B8C-83A1-F6EECF244321}">
+                <p14:modId xmlns:p14="http://schemas.microsoft.com/office/powerpoint/2010/main" val="1296685144"/>
+              </p:ext>
+            </p:extLst>
+          </p:nvPr>
         </p:nvGraphicFramePr>
         <p:xfrm>
           <a:off x="3719513" y="4797426"/>
@@ -14924,7 +15187,7 @@
                         <a:tabLst/>
                       </a:pPr>
                       <a:r>
-                        <a:rPr kumimoji="0" lang="en-US" altLang="zh-CN" sz="1800" b="1" i="0" u="none" strike="noStrike" cap="none" normalizeH="0" baseline="0">
+                        <a:rPr kumimoji="0" lang="en-US" altLang="zh-CN" sz="1800" b="1" i="0" u="none" strike="noStrike" cap="none" normalizeH="0" baseline="0" dirty="0">
                           <a:ln>
                             <a:noFill/>
                           </a:ln>
@@ -14935,7 +15198,7 @@
                           <a:latin typeface="Tahoma" pitchFamily="34" charset="0"/>
                           <a:ea typeface="楷体_GB2312" pitchFamily="49" charset="-122"/>
                         </a:rPr>
-                        <a:t>1</a:t>
+                        <a:t>0</a:t>
                       </a:r>
                     </a:p>
                   </a:txBody>
@@ -15011,7 +15274,7 @@
                         <a:tabLst/>
                       </a:pPr>
                       <a:r>
-                        <a:rPr kumimoji="0" lang="en-US" altLang="zh-CN" sz="1800" b="1" i="0" u="none" strike="noStrike" cap="none" normalizeH="0" baseline="0">
+                        <a:rPr kumimoji="0" lang="en-US" altLang="zh-CN" sz="1800" b="1" i="0" u="none" strike="noStrike" cap="none" normalizeH="0" baseline="0" dirty="0">
                           <a:ln>
                             <a:noFill/>
                           </a:ln>
@@ -15022,7 +15285,7 @@
                           <a:latin typeface="Tahoma" pitchFamily="34" charset="0"/>
                           <a:ea typeface="楷体_GB2312" pitchFamily="49" charset="-122"/>
                         </a:rPr>
-                        <a:t>2</a:t>
+                        <a:t>1</a:t>
                       </a:r>
                     </a:p>
                   </a:txBody>
@@ -15098,7 +15361,7 @@
                         <a:tabLst/>
                       </a:pPr>
                       <a:r>
-                        <a:rPr kumimoji="0" lang="en-US" altLang="zh-CN" sz="1800" b="1" i="0" u="none" strike="noStrike" cap="none" normalizeH="0" baseline="0">
+                        <a:rPr kumimoji="0" lang="en-US" altLang="zh-CN" sz="1800" b="1" i="0" u="none" strike="noStrike" cap="none" normalizeH="0" baseline="0" dirty="0">
                           <a:ln>
                             <a:noFill/>
                           </a:ln>
@@ -15109,7 +15372,7 @@
                           <a:latin typeface="Tahoma" pitchFamily="34" charset="0"/>
                           <a:ea typeface="楷体_GB2312" pitchFamily="49" charset="-122"/>
                         </a:rPr>
-                        <a:t>3</a:t>
+                        <a:t>2</a:t>
                       </a:r>
                     </a:p>
                   </a:txBody>
@@ -15185,7 +15448,7 @@
                         <a:tabLst/>
                       </a:pPr>
                       <a:r>
-                        <a:rPr kumimoji="0" lang="en-US" altLang="zh-CN" sz="1800" b="1" i="0" u="none" strike="noStrike" cap="none" normalizeH="0" baseline="0">
+                        <a:rPr kumimoji="0" lang="en-US" altLang="zh-CN" sz="1800" b="1" i="0" u="none" strike="noStrike" cap="none" normalizeH="0" baseline="0" dirty="0">
                           <a:ln>
                             <a:noFill/>
                           </a:ln>
@@ -15196,7 +15459,7 @@
                           <a:latin typeface="Tahoma" pitchFamily="34" charset="0"/>
                           <a:ea typeface="楷体_GB2312" pitchFamily="49" charset="-122"/>
                         </a:rPr>
-                        <a:t>4</a:t>
+                        <a:t>3</a:t>
                       </a:r>
                     </a:p>
                   </a:txBody>
@@ -15272,7 +15535,7 @@
                         <a:tabLst/>
                       </a:pPr>
                       <a:r>
-                        <a:rPr kumimoji="0" lang="en-US" altLang="zh-CN" sz="1800" b="1" i="0" u="none" strike="noStrike" cap="none" normalizeH="0" baseline="0">
+                        <a:rPr kumimoji="0" lang="en-US" altLang="zh-CN" sz="1800" b="1" i="0" u="none" strike="noStrike" cap="none" normalizeH="0" baseline="0" dirty="0">
                           <a:ln>
                             <a:noFill/>
                           </a:ln>
@@ -15283,7 +15546,7 @@
                           <a:latin typeface="Tahoma" pitchFamily="34" charset="0"/>
                           <a:ea typeface="楷体_GB2312" pitchFamily="49" charset="-122"/>
                         </a:rPr>
-                        <a:t>5</a:t>
+                        <a:t>4</a:t>
                       </a:r>
                     </a:p>
                   </a:txBody>
@@ -15359,7 +15622,7 @@
                         <a:tabLst/>
                       </a:pPr>
                       <a:r>
-                        <a:rPr kumimoji="0" lang="en-US" altLang="zh-CN" sz="1800" b="1" i="0" u="none" strike="noStrike" cap="none" normalizeH="0" baseline="0">
+                        <a:rPr kumimoji="0" lang="en-US" altLang="zh-CN" sz="1800" b="1" i="0" u="none" strike="noStrike" cap="none" normalizeH="0" baseline="0" dirty="0">
                           <a:ln>
                             <a:noFill/>
                           </a:ln>
@@ -15370,7 +15633,7 @@
                           <a:latin typeface="Tahoma" pitchFamily="34" charset="0"/>
                           <a:ea typeface="楷体_GB2312" pitchFamily="49" charset="-122"/>
                         </a:rPr>
-                        <a:t>6</a:t>
+                        <a:t>5</a:t>
                       </a:r>
                     </a:p>
                   </a:txBody>
@@ -15446,7 +15709,7 @@
                         <a:tabLst/>
                       </a:pPr>
                       <a:r>
-                        <a:rPr kumimoji="0" lang="en-US" altLang="zh-CN" sz="1800" b="1" i="0" u="none" strike="noStrike" cap="none" normalizeH="0" baseline="0">
+                        <a:rPr kumimoji="0" lang="en-US" altLang="zh-CN" sz="1800" b="1" i="0" u="none" strike="noStrike" cap="none" normalizeH="0" baseline="0" dirty="0">
                           <a:ln>
                             <a:noFill/>
                           </a:ln>
@@ -15457,7 +15720,7 @@
                           <a:latin typeface="Tahoma" pitchFamily="34" charset="0"/>
                           <a:ea typeface="楷体_GB2312" pitchFamily="49" charset="-122"/>
                         </a:rPr>
-                        <a:t>7</a:t>
+                        <a:t>6</a:t>
                       </a:r>
                     </a:p>
                   </a:txBody>
@@ -17578,7 +17841,7 @@
                         <a:buNone/>
                         <a:tabLst/>
                       </a:pPr>
-                      <a:endParaRPr kumimoji="0" lang="zh-CN" altLang="zh-CN" sz="1800" b="1" i="0" u="none" strike="noStrike" cap="none" normalizeH="0" baseline="0">
+                      <a:endParaRPr kumimoji="0" lang="zh-CN" altLang="zh-CN" sz="1800" b="1" i="0" u="none" strike="noStrike" cap="none" normalizeH="0" baseline="0" dirty="0">
                         <a:ln>
                           <a:noFill/>
                         </a:ln>
@@ -17823,102 +18086,102 @@
               </a:spcBef>
             </a:pPr>
             <a:r>
-              <a:rPr kumimoji="1" lang="zh-CN" altLang="en-US" sz="2000">
+              <a:rPr kumimoji="1" lang="zh-CN" altLang="en-US" sz="2000" dirty="0">
                 <a:latin typeface="Times New Roman" panose="02020603050405020304" pitchFamily="18" charset="0"/>
                 <a:ea typeface="楷体_GB2312" pitchFamily="49" charset="-122"/>
               </a:rPr>
               <a:t>结论：</a:t>
             </a:r>
             <a:r>
-              <a:rPr kumimoji="1" lang="en-US" altLang="zh-CN" sz="2000">
+              <a:rPr kumimoji="1" lang="en-US" altLang="zh-CN" sz="2000" dirty="0">
+                <a:latin typeface="Times New Roman" panose="02020603050405020304" pitchFamily="18" charset="0"/>
+                <a:ea typeface="楷体_GB2312" pitchFamily="49" charset="-122"/>
+              </a:rPr>
+              <a:t>1</a:t>
+            </a:r>
+            <a:r>
+              <a:rPr kumimoji="1" lang="zh-CN" altLang="en-US" sz="2000" dirty="0">
+                <a:latin typeface="Times New Roman" panose="02020603050405020304" pitchFamily="18" charset="0"/>
+                <a:ea typeface="楷体_GB2312" pitchFamily="49" charset="-122"/>
+              </a:rPr>
+              <a:t>，</a:t>
+            </a:r>
+            <a:r>
+              <a:rPr kumimoji="1" lang="en-US" altLang="zh-CN" sz="2000" dirty="0">
+                <a:latin typeface="Times New Roman" panose="02020603050405020304" pitchFamily="18" charset="0"/>
+                <a:ea typeface="楷体_GB2312" pitchFamily="49" charset="-122"/>
+              </a:rPr>
+              <a:t>3</a:t>
+            </a:r>
+            <a:r>
+              <a:rPr kumimoji="1" lang="zh-CN" altLang="en-US" sz="2000" dirty="0">
+                <a:latin typeface="Times New Roman" panose="02020603050405020304" pitchFamily="18" charset="0"/>
+                <a:ea typeface="楷体_GB2312" pitchFamily="49" charset="-122"/>
+              </a:rPr>
+              <a:t>，</a:t>
+            </a:r>
+            <a:r>
+              <a:rPr kumimoji="1" lang="en-US" altLang="zh-CN" sz="2000" dirty="0">
+                <a:latin typeface="Times New Roman" panose="02020603050405020304" pitchFamily="18" charset="0"/>
+                <a:ea typeface="楷体_GB2312" pitchFamily="49" charset="-122"/>
+              </a:rPr>
+              <a:t>0</a:t>
+            </a:r>
+            <a:r>
+              <a:rPr kumimoji="1" lang="zh-CN" altLang="en-US" sz="2000" dirty="0">
+                <a:latin typeface="Times New Roman" panose="02020603050405020304" pitchFamily="18" charset="0"/>
+                <a:ea typeface="楷体_GB2312" pitchFamily="49" charset="-122"/>
+              </a:rPr>
+              <a:t>，</a:t>
+            </a:r>
+            <a:r>
+              <a:rPr kumimoji="1" lang="en-US" altLang="zh-CN" sz="2000" dirty="0">
                 <a:latin typeface="Times New Roman" panose="02020603050405020304" pitchFamily="18" charset="0"/>
                 <a:ea typeface="楷体_GB2312" pitchFamily="49" charset="-122"/>
               </a:rPr>
               <a:t>2</a:t>
             </a:r>
             <a:r>
-              <a:rPr kumimoji="1" lang="zh-CN" altLang="en-US" sz="2000">
+              <a:rPr kumimoji="1" lang="zh-CN" altLang="en-US" sz="2000" dirty="0">
                 <a:latin typeface="Times New Roman" panose="02020603050405020304" pitchFamily="18" charset="0"/>
                 <a:ea typeface="楷体_GB2312" pitchFamily="49" charset="-122"/>
               </a:rPr>
               <a:t>，</a:t>
             </a:r>
             <a:r>
-              <a:rPr kumimoji="1" lang="en-US" altLang="zh-CN" sz="2000">
+              <a:rPr kumimoji="1" lang="en-US" altLang="zh-CN" sz="2000" dirty="0">
+                <a:latin typeface="Times New Roman" panose="02020603050405020304" pitchFamily="18" charset="0"/>
+                <a:ea typeface="楷体_GB2312" pitchFamily="49" charset="-122"/>
+              </a:rPr>
+              <a:t>6</a:t>
+            </a:r>
+            <a:r>
+              <a:rPr kumimoji="1" lang="zh-CN" altLang="en-US" sz="2000" dirty="0">
+                <a:latin typeface="Times New Roman" panose="02020603050405020304" pitchFamily="18" charset="0"/>
+                <a:ea typeface="楷体_GB2312" pitchFamily="49" charset="-122"/>
+              </a:rPr>
+              <a:t>，</a:t>
+            </a:r>
+            <a:r>
+              <a:rPr kumimoji="1" lang="en-US" altLang="zh-CN" sz="2000" dirty="0">
                 <a:latin typeface="Times New Roman" panose="02020603050405020304" pitchFamily="18" charset="0"/>
                 <a:ea typeface="楷体_GB2312" pitchFamily="49" charset="-122"/>
               </a:rPr>
               <a:t>4</a:t>
             </a:r>
             <a:r>
-              <a:rPr kumimoji="1" lang="zh-CN" altLang="en-US" sz="2000">
+              <a:rPr kumimoji="1" lang="zh-CN" altLang="en-US" sz="2000" dirty="0">
                 <a:latin typeface="Times New Roman" panose="02020603050405020304" pitchFamily="18" charset="0"/>
                 <a:ea typeface="楷体_GB2312" pitchFamily="49" charset="-122"/>
               </a:rPr>
               <a:t>，</a:t>
             </a:r>
             <a:r>
-              <a:rPr kumimoji="1" lang="en-US" altLang="zh-CN" sz="2000">
-                <a:latin typeface="Times New Roman" panose="02020603050405020304" pitchFamily="18" charset="0"/>
-                <a:ea typeface="楷体_GB2312" pitchFamily="49" charset="-122"/>
-              </a:rPr>
-              <a:t>1</a:t>
-            </a:r>
-            <a:r>
-              <a:rPr kumimoji="1" lang="zh-CN" altLang="en-US" sz="2000">
-                <a:latin typeface="Times New Roman" panose="02020603050405020304" pitchFamily="18" charset="0"/>
-                <a:ea typeface="楷体_GB2312" pitchFamily="49" charset="-122"/>
-              </a:rPr>
-              <a:t>，</a:t>
-            </a:r>
-            <a:r>
-              <a:rPr kumimoji="1" lang="en-US" altLang="zh-CN" sz="2000">
-                <a:latin typeface="Times New Roman" panose="02020603050405020304" pitchFamily="18" charset="0"/>
-                <a:ea typeface="楷体_GB2312" pitchFamily="49" charset="-122"/>
-              </a:rPr>
-              <a:t>3</a:t>
-            </a:r>
-            <a:r>
-              <a:rPr kumimoji="1" lang="zh-CN" altLang="en-US" sz="2000">
-                <a:latin typeface="Times New Roman" panose="02020603050405020304" pitchFamily="18" charset="0"/>
-                <a:ea typeface="楷体_GB2312" pitchFamily="49" charset="-122"/>
-              </a:rPr>
-              <a:t>，</a:t>
-            </a:r>
-            <a:r>
-              <a:rPr kumimoji="1" lang="en-US" altLang="zh-CN" sz="2000">
-                <a:latin typeface="Times New Roman" panose="02020603050405020304" pitchFamily="18" charset="0"/>
-                <a:ea typeface="楷体_GB2312" pitchFamily="49" charset="-122"/>
-              </a:rPr>
-              <a:t>7</a:t>
-            </a:r>
-            <a:r>
-              <a:rPr kumimoji="1" lang="zh-CN" altLang="en-US" sz="2000">
-                <a:latin typeface="Times New Roman" panose="02020603050405020304" pitchFamily="18" charset="0"/>
-                <a:ea typeface="楷体_GB2312" pitchFamily="49" charset="-122"/>
-              </a:rPr>
-              <a:t>，</a:t>
-            </a:r>
-            <a:r>
-              <a:rPr kumimoji="1" lang="en-US" altLang="zh-CN" sz="2000">
+              <a:rPr kumimoji="1" lang="en-US" altLang="zh-CN" sz="2000" dirty="0">
                 <a:latin typeface="Times New Roman" panose="02020603050405020304" pitchFamily="18" charset="0"/>
                 <a:ea typeface="楷体_GB2312" pitchFamily="49" charset="-122"/>
               </a:rPr>
               <a:t>5</a:t>
-            </a:r>
-            <a:r>
-              <a:rPr kumimoji="1" lang="zh-CN" altLang="en-US" sz="2000">
-                <a:latin typeface="Times New Roman" panose="02020603050405020304" pitchFamily="18" charset="0"/>
-                <a:ea typeface="楷体_GB2312" pitchFamily="49" charset="-122"/>
-              </a:rPr>
-              <a:t>，</a:t>
-            </a:r>
-            <a:r>
-              <a:rPr kumimoji="1" lang="en-US" altLang="zh-CN" sz="2000">
-                <a:latin typeface="Times New Roman" panose="02020603050405020304" pitchFamily="18" charset="0"/>
-                <a:ea typeface="楷体_GB2312" pitchFamily="49" charset="-122"/>
-              </a:rPr>
-              <a:t>6</a:t>
             </a:r>
           </a:p>
         </p:txBody>
@@ -19899,6 +20162,266 @@
       </p:grpSpPr>
       <p:sp>
         <p:nvSpPr>
+          <p:cNvPr id="9218" name="Rectangle 2">
+            <a:extLst>
+              <a:ext uri="{FF2B5EF4-FFF2-40B4-BE49-F238E27FC236}">
+                <a16:creationId xmlns:a16="http://schemas.microsoft.com/office/drawing/2014/main" id="{792AB71D-4C74-4FE5-850F-07CE2511E26D}"/>
+              </a:ext>
+            </a:extLst>
+          </p:cNvPr>
+          <p:cNvSpPr>
+            <a:spLocks noGrp="1" noChangeArrowheads="1"/>
+          </p:cNvSpPr>
+          <p:nvPr>
+            <p:ph type="title"/>
+          </p:nvPr>
+        </p:nvSpPr>
+        <p:spPr/>
+        <p:txBody>
+          <a:bodyPr/>
+          <a:lstStyle/>
+          <a:p>
+            <a:pPr eaLnBrk="1" hangingPunct="1"/>
+            <a:r>
+              <a:rPr lang="zh-CN" altLang="en-US"/>
+              <a:t>贪心算法的基本要素</a:t>
+            </a:r>
+          </a:p>
+        </p:txBody>
+      </p:sp>
+      <p:sp>
+        <p:nvSpPr>
+          <p:cNvPr id="9219" name="Rectangle 3">
+            <a:extLst>
+              <a:ext uri="{FF2B5EF4-FFF2-40B4-BE49-F238E27FC236}">
+                <a16:creationId xmlns:a16="http://schemas.microsoft.com/office/drawing/2014/main" id="{6D12825D-5A8B-4127-A967-1A390B4DDD97}"/>
+              </a:ext>
+            </a:extLst>
+          </p:cNvPr>
+          <p:cNvSpPr>
+            <a:spLocks noGrp="1" noChangeArrowheads="1"/>
+          </p:cNvSpPr>
+          <p:nvPr>
+            <p:ph idx="1"/>
+          </p:nvPr>
+        </p:nvSpPr>
+        <p:spPr/>
+        <p:txBody>
+          <a:bodyPr>
+            <a:normAutofit fontScale="62500" lnSpcReduction="20000"/>
+          </a:bodyPr>
+          <a:lstStyle/>
+          <a:p>
+            <a:pPr eaLnBrk="1" hangingPunct="1">
+              <a:lnSpc>
+                <a:spcPct val="210000"/>
+              </a:lnSpc>
+            </a:pPr>
+            <a:r>
+              <a:rPr lang="en-US" altLang="zh-CN" sz="2400" dirty="0"/>
+              <a:t>1</a:t>
+            </a:r>
+            <a:r>
+              <a:rPr lang="zh-CN" altLang="en-US" sz="2400" dirty="0"/>
+              <a:t>、贪心选择性质</a:t>
+            </a:r>
+          </a:p>
+          <a:p>
+            <a:pPr lvl="1" eaLnBrk="1" hangingPunct="1">
+              <a:lnSpc>
+                <a:spcPct val="210000"/>
+              </a:lnSpc>
+            </a:pPr>
+            <a:r>
+              <a:rPr lang="zh-CN" altLang="en-US" sz="2000" dirty="0"/>
+              <a:t>所求问题的整体最优解可由一系列局部最优选择得到；</a:t>
+            </a:r>
+          </a:p>
+          <a:p>
+            <a:pPr lvl="1" eaLnBrk="1" hangingPunct="1">
+              <a:lnSpc>
+                <a:spcPct val="210000"/>
+              </a:lnSpc>
+            </a:pPr>
+            <a:r>
+              <a:rPr lang="zh-CN" altLang="en-US" sz="2000" dirty="0"/>
+              <a:t>动态规划是由子问题的解得到当前问题的解；</a:t>
+            </a:r>
+            <a:br>
+              <a:rPr lang="zh-CN" altLang="en-US" sz="2000" dirty="0"/>
+            </a:br>
+            <a:r>
+              <a:rPr lang="zh-CN" altLang="en-US" sz="2000" dirty="0"/>
+              <a:t>贪心算法则是由当前问题的局部最优解导出子问题；</a:t>
+            </a:r>
+          </a:p>
+          <a:p>
+            <a:pPr lvl="1" eaLnBrk="1" hangingPunct="1">
+              <a:lnSpc>
+                <a:spcPct val="210000"/>
+              </a:lnSpc>
+            </a:pPr>
+            <a:r>
+              <a:rPr lang="zh-CN" altLang="en-US" sz="2000" dirty="0"/>
+              <a:t>确定一个问题是否具有贪心选择性质，需要证明问题的一个整体最优解是从贪心选择开始的；</a:t>
+            </a:r>
+          </a:p>
+          <a:p>
+            <a:pPr eaLnBrk="1" hangingPunct="1">
+              <a:lnSpc>
+                <a:spcPct val="210000"/>
+              </a:lnSpc>
+            </a:pPr>
+            <a:r>
+              <a:rPr lang="en-US" altLang="zh-CN" sz="2400" dirty="0"/>
+              <a:t>2</a:t>
+            </a:r>
+            <a:r>
+              <a:rPr lang="zh-CN" altLang="en-US" sz="2400" dirty="0"/>
+              <a:t>、最优子结构性质</a:t>
+            </a:r>
+          </a:p>
+          <a:p>
+            <a:pPr lvl="1" eaLnBrk="1" hangingPunct="1">
+              <a:lnSpc>
+                <a:spcPct val="210000"/>
+              </a:lnSpc>
+            </a:pPr>
+            <a:r>
+              <a:rPr lang="zh-CN" altLang="en-US" sz="2000" dirty="0"/>
+              <a:t>通过局部最优选择，原问题将被化简为类似的子问题；亦即是说，整体最优解中包含了子问题的最优解；</a:t>
+            </a:r>
+          </a:p>
+        </p:txBody>
+      </p:sp>
+    </p:spTree>
+  </p:cSld>
+  <p:clrMapOvr>
+    <a:masterClrMapping/>
+  </p:clrMapOvr>
+</p:sld>
+</file>
+
+<file path=ppt/slides/slide4.xml><?xml version="1.0" encoding="utf-8"?>
+<p:sld xmlns:a="http://schemas.openxmlformats.org/drawingml/2006/main" xmlns:r="http://schemas.openxmlformats.org/officeDocument/2006/relationships" xmlns:p="http://schemas.openxmlformats.org/presentationml/2006/main">
+  <p:cSld>
+    <p:spTree>
+      <p:nvGrpSpPr>
+        <p:cNvPr id="1" name=""/>
+        <p:cNvGrpSpPr/>
+        <p:nvPr/>
+      </p:nvGrpSpPr>
+      <p:grpSpPr>
+        <a:xfrm>
+          <a:off x="0" y="0"/>
+          <a:ext cx="0" cy="0"/>
+          <a:chOff x="0" y="0"/>
+          <a:chExt cx="0" cy="0"/>
+        </a:xfrm>
+      </p:grpSpPr>
+      <p:sp>
+        <p:nvSpPr>
+          <p:cNvPr id="2" name="标题 1">
+            <a:extLst>
+              <a:ext uri="{FF2B5EF4-FFF2-40B4-BE49-F238E27FC236}">
+                <a16:creationId xmlns:a16="http://schemas.microsoft.com/office/drawing/2014/main" id="{0C05EAAA-4E7C-4639-9687-6D8CE33D62C8}"/>
+              </a:ext>
+            </a:extLst>
+          </p:cNvPr>
+          <p:cNvSpPr>
+            <a:spLocks noGrp="1"/>
+          </p:cNvSpPr>
+          <p:nvPr>
+            <p:ph type="title"/>
+          </p:nvPr>
+        </p:nvSpPr>
+        <p:spPr/>
+        <p:txBody>
+          <a:bodyPr/>
+          <a:lstStyle/>
+          <a:p>
+            <a:r>
+              <a:rPr lang="zh-CN" altLang="en-US" dirty="0"/>
+              <a:t>应用模式</a:t>
+            </a:r>
+          </a:p>
+        </p:txBody>
+      </p:sp>
+      <p:sp>
+        <p:nvSpPr>
+          <p:cNvPr id="3" name="内容占位符 2">
+            <a:extLst>
+              <a:ext uri="{FF2B5EF4-FFF2-40B4-BE49-F238E27FC236}">
+                <a16:creationId xmlns:a16="http://schemas.microsoft.com/office/drawing/2014/main" id="{3A2B91BC-3FC2-448F-988B-56EE489F9771}"/>
+              </a:ext>
+            </a:extLst>
+          </p:cNvPr>
+          <p:cNvSpPr>
+            <a:spLocks noGrp="1"/>
+          </p:cNvSpPr>
+          <p:nvPr>
+            <p:ph idx="1"/>
+          </p:nvPr>
+        </p:nvSpPr>
+        <p:spPr/>
+        <p:txBody>
+          <a:bodyPr/>
+          <a:lstStyle/>
+          <a:p>
+            <a:r>
+              <a:rPr lang="zh-CN" altLang="en-US" dirty="0"/>
+              <a:t>如果问题存在应用分治策略的可能，并考虑采用局部定解方法来设计分解策略时，尝试直接对局部进行定解，而不采用穷举的方式进行局部定解</a:t>
+            </a:r>
+            <a:r>
+              <a:rPr lang="en-US" altLang="zh-CN" dirty="0"/>
+              <a:t>——</a:t>
+            </a:r>
+            <a:r>
+              <a:rPr lang="zh-CN" altLang="en-US" dirty="0"/>
+              <a:t>贪心选择。</a:t>
+            </a:r>
+            <a:endParaRPr lang="en-US" altLang="zh-CN" dirty="0"/>
+          </a:p>
+          <a:p>
+            <a:r>
+              <a:rPr lang="zh-CN" altLang="en-US" dirty="0"/>
+              <a:t>证明贪心选择性质和最优子结构性质是否成立。</a:t>
+            </a:r>
+          </a:p>
+        </p:txBody>
+      </p:sp>
+    </p:spTree>
+    <p:extLst>
+      <p:ext uri="{BB962C8B-B14F-4D97-AF65-F5344CB8AC3E}">
+        <p14:creationId xmlns:p14="http://schemas.microsoft.com/office/powerpoint/2010/main" val="1640814238"/>
+      </p:ext>
+    </p:extLst>
+  </p:cSld>
+  <p:clrMapOvr>
+    <a:masterClrMapping/>
+  </p:clrMapOvr>
+</p:sld>
+</file>
+
+<file path=ppt/slides/slide5.xml><?xml version="1.0" encoding="utf-8"?>
+<p:sld xmlns:a="http://schemas.openxmlformats.org/drawingml/2006/main" xmlns:r="http://schemas.openxmlformats.org/officeDocument/2006/relationships" xmlns:p="http://schemas.openxmlformats.org/presentationml/2006/main">
+  <p:cSld>
+    <p:spTree>
+      <p:nvGrpSpPr>
+        <p:cNvPr id="1" name=""/>
+        <p:cNvGrpSpPr/>
+        <p:nvPr/>
+      </p:nvGrpSpPr>
+      <p:grpSpPr>
+        <a:xfrm>
+          <a:off x="0" y="0"/>
+          <a:ext cx="0" cy="0"/>
+          <a:chOff x="0" y="0"/>
+          <a:chExt cx="0" cy="0"/>
+        </a:xfrm>
+      </p:grpSpPr>
+      <p:sp>
+        <p:nvSpPr>
           <p:cNvPr id="5122" name="Rectangle 2">
             <a:extLst>
               <a:ext uri="{FF2B5EF4-FFF2-40B4-BE49-F238E27FC236}">
@@ -19971,6 +20494,22 @@
             </a:r>
             <a:r>
               <a:rPr lang="en-US" altLang="zh-CN" baseline="-25000" dirty="0"/>
+              <a:t>0</a:t>
+            </a:r>
+            <a:r>
+              <a:rPr lang="en-US" altLang="zh-CN" dirty="0"/>
+              <a:t>,</a:t>
+            </a:r>
+            <a:r>
+              <a:rPr lang="zh-CN" altLang="en-US" dirty="0"/>
+              <a:t> </a:t>
+            </a:r>
+            <a:r>
+              <a:rPr lang="en-US" altLang="zh-CN" dirty="0"/>
+              <a:t>e</a:t>
+            </a:r>
+            <a:r>
+              <a:rPr lang="en-US" altLang="zh-CN" baseline="-25000" dirty="0"/>
               <a:t>1</a:t>
             </a:r>
             <a:r>
@@ -19993,15 +20532,11 @@
             </a:r>
             <a:r>
               <a:rPr lang="en-US" altLang="zh-CN" dirty="0"/>
-              <a:t>, </a:t>
-            </a:r>
-            <a:r>
-              <a:rPr lang="en-US" altLang="zh-CN" dirty="0" err="1"/>
-              <a:t>e</a:t>
-            </a:r>
-            <a:r>
-              <a:rPr lang="en-US" altLang="zh-CN" baseline="-25000" dirty="0" err="1"/>
-              <a:t>n</a:t>
+              <a:t>, e</a:t>
+            </a:r>
+            <a:r>
+              <a:rPr lang="en-US" altLang="zh-CN" baseline="-25000" dirty="0"/>
+              <a:t>n-1</a:t>
             </a:r>
             <a:r>
               <a:rPr lang="en-US" altLang="zh-CN" dirty="0"/>
@@ -20142,7 +20677,7 @@
 </p:sld>
 </file>
 
-<file path=ppt/slides/slide4.xml><?xml version="1.0" encoding="utf-8"?>
+<file path=ppt/slides/slide6.xml><?xml version="1.0" encoding="utf-8"?>
 <p:sld xmlns:a="http://schemas.openxmlformats.org/drawingml/2006/main" xmlns:r="http://schemas.openxmlformats.org/officeDocument/2006/relationships" xmlns:p="http://schemas.openxmlformats.org/presentationml/2006/main">
   <p:cSld>
     <p:spTree>
@@ -20211,7 +20746,7 @@
           <a:p>
             <a:pPr marL="609600" indent="-609600" eaLnBrk="1" hangingPunct="1"/>
             <a:r>
-              <a:rPr lang="zh-CN" altLang="en-US"/>
+              <a:rPr lang="zh-CN" altLang="en-US" dirty="0"/>
               <a:t>贪心解法：</a:t>
             </a:r>
           </a:p>
@@ -20221,45 +20756,53 @@
               <a:buAutoNum type="arabicPeriod"/>
             </a:pPr>
             <a:r>
-              <a:rPr lang="zh-CN" altLang="en-US"/>
+              <a:rPr lang="zh-CN" altLang="en-US" dirty="0"/>
               <a:t>将所有活动按结束时间排序，得到活动集合</a:t>
             </a:r>
             <a:r>
-              <a:rPr lang="en-US" altLang="zh-CN"/>
+              <a:rPr lang="en-US" altLang="zh-CN" dirty="0"/>
               <a:t>E={e</a:t>
             </a:r>
             <a:r>
-              <a:rPr lang="en-US" altLang="zh-CN" baseline="-25000"/>
+              <a:rPr lang="en-US" altLang="zh-CN" baseline="-25000" dirty="0"/>
+              <a:t>0</a:t>
+            </a:r>
+            <a:r>
+              <a:rPr lang="en-US" altLang="zh-CN" dirty="0"/>
+              <a:t>,e</a:t>
+            </a:r>
+            <a:r>
+              <a:rPr lang="en-US" altLang="zh-CN" baseline="-25000" dirty="0"/>
               <a:t>1</a:t>
             </a:r>
             <a:r>
-              <a:rPr lang="en-US" altLang="zh-CN"/>
+              <a:rPr lang="en-US" altLang="zh-CN" dirty="0"/>
               <a:t>,e</a:t>
             </a:r>
             <a:r>
-              <a:rPr lang="en-US" altLang="zh-CN" baseline="-25000"/>
+              <a:rPr lang="en-US" altLang="zh-CN" baseline="-25000" dirty="0"/>
               <a:t>2</a:t>
             </a:r>
             <a:r>
-              <a:rPr lang="en-US" altLang="zh-CN">
+              <a:rPr lang="en-US" altLang="zh-CN" dirty="0">
                 <a:latin typeface="Arial" panose="020B0604020202020204" pitchFamily="34" charset="0"/>
               </a:rPr>
               <a:t>…</a:t>
             </a:r>
             <a:r>
-              <a:rPr lang="en-US" altLang="zh-CN"/>
+              <a:rPr lang="en-US" altLang="zh-CN" dirty="0"/>
               <a:t>e</a:t>
             </a:r>
             <a:r>
-              <a:rPr lang="en-US" altLang="zh-CN" baseline="-25000"/>
-              <a:t>n</a:t>
-            </a:r>
-            <a:r>
-              <a:rPr lang="en-US" altLang="zh-CN"/>
+              <a:rPr lang="en-US" altLang="zh-CN" baseline="-25000" dirty="0"/>
+              <a:t>n-1</a:t>
+            </a:r>
+            <a:r>
+              <a:rPr lang="en-US" altLang="zh-CN" dirty="0"/>
               <a:t>}</a:t>
             </a:r>
             <a:r>
-              <a:rPr lang="zh-CN" altLang="en-US"/>
+              <a:rPr lang="zh-CN" altLang="en-US" dirty="0"/>
               <a:t>；</a:t>
             </a:r>
           </a:p>
@@ -20269,43 +20812,43 @@
               <a:buAutoNum type="arabicPeriod"/>
             </a:pPr>
             <a:r>
-              <a:rPr lang="zh-CN" altLang="en-US"/>
+              <a:rPr lang="zh-CN" altLang="en-US" dirty="0"/>
               <a:t>先将</a:t>
             </a:r>
             <a:r>
-              <a:rPr lang="en-US" altLang="zh-CN"/>
+              <a:rPr lang="en-US" altLang="zh-CN" dirty="0"/>
               <a:t>e</a:t>
             </a:r>
             <a:r>
-              <a:rPr lang="en-US" altLang="zh-CN" baseline="-25000"/>
-              <a:t>1</a:t>
-            </a:r>
-            <a:r>
-              <a:rPr lang="zh-CN" altLang="en-US"/>
+              <a:rPr lang="en-US" altLang="zh-CN" baseline="-25000" dirty="0"/>
+              <a:t>0</a:t>
+            </a:r>
+            <a:r>
+              <a:rPr lang="zh-CN" altLang="en-US" dirty="0"/>
               <a:t>选入结果集合</a:t>
             </a:r>
             <a:r>
-              <a:rPr lang="en-US" altLang="zh-CN"/>
+              <a:rPr lang="en-US" altLang="zh-CN" dirty="0"/>
               <a:t>A</a:t>
             </a:r>
             <a:r>
-              <a:rPr lang="zh-CN" altLang="en-US"/>
+              <a:rPr lang="zh-CN" altLang="en-US" dirty="0"/>
               <a:t>中，即</a:t>
             </a:r>
             <a:r>
-              <a:rPr lang="en-US" altLang="zh-CN"/>
+              <a:rPr lang="en-US" altLang="zh-CN" dirty="0"/>
               <a:t>A={e</a:t>
             </a:r>
             <a:r>
-              <a:rPr lang="en-US" altLang="zh-CN" baseline="-25000"/>
-              <a:t>1</a:t>
-            </a:r>
-            <a:r>
-              <a:rPr lang="en-US" altLang="zh-CN"/>
+              <a:rPr lang="en-US" altLang="zh-CN" baseline="-25000" dirty="0"/>
+              <a:t>0</a:t>
+            </a:r>
+            <a:r>
+              <a:rPr lang="en-US" altLang="zh-CN" dirty="0"/>
               <a:t>}</a:t>
             </a:r>
             <a:r>
-              <a:rPr lang="zh-CN" altLang="en-US"/>
+              <a:rPr lang="zh-CN" altLang="en-US" dirty="0"/>
               <a:t>；</a:t>
             </a:r>
           </a:p>
@@ -20315,19 +20858,19 @@
               <a:buAutoNum type="arabicPeriod"/>
             </a:pPr>
             <a:r>
-              <a:rPr lang="zh-CN" altLang="en-US"/>
+              <a:rPr lang="zh-CN" altLang="en-US" dirty="0"/>
               <a:t>依次扫描每一个活动</a:t>
             </a:r>
             <a:r>
-              <a:rPr lang="en-US" altLang="zh-CN"/>
+              <a:rPr lang="en-US" altLang="zh-CN" dirty="0" err="1"/>
               <a:t>e</a:t>
             </a:r>
             <a:r>
-              <a:rPr lang="en-US" altLang="zh-CN" baseline="-25000"/>
+              <a:rPr lang="en-US" altLang="zh-CN" baseline="-25000" dirty="0" err="1"/>
               <a:t>i</a:t>
             </a:r>
             <a:r>
-              <a:rPr lang="zh-CN" altLang="en-US"/>
+              <a:rPr lang="zh-CN" altLang="en-US" dirty="0"/>
               <a:t>：</a:t>
             </a:r>
           </a:p>
@@ -20336,71 +20879,71 @@
               <a:buNone/>
             </a:pPr>
             <a:r>
-              <a:rPr lang="zh-CN" altLang="en-US"/>
+              <a:rPr lang="zh-CN" altLang="en-US" dirty="0"/>
               <a:t>如果</a:t>
             </a:r>
             <a:r>
-              <a:rPr lang="en-US" altLang="zh-CN"/>
+              <a:rPr lang="en-US" altLang="zh-CN" dirty="0" err="1"/>
               <a:t>e</a:t>
             </a:r>
             <a:r>
-              <a:rPr lang="en-US" altLang="zh-CN" baseline="-25000"/>
+              <a:rPr lang="en-US" altLang="zh-CN" baseline="-25000" dirty="0" err="1"/>
               <a:t>i</a:t>
             </a:r>
             <a:r>
-              <a:rPr lang="zh-CN" altLang="en-US"/>
+              <a:rPr lang="zh-CN" altLang="en-US" dirty="0"/>
               <a:t>的开始时间晚于最后一个选入</a:t>
             </a:r>
             <a:r>
-              <a:rPr lang="en-US" altLang="zh-CN"/>
+              <a:rPr lang="en-US" altLang="zh-CN" dirty="0"/>
               <a:t>A</a:t>
             </a:r>
             <a:r>
-              <a:rPr lang="zh-CN" altLang="en-US"/>
+              <a:rPr lang="zh-CN" altLang="en-US" dirty="0"/>
               <a:t>的活动</a:t>
             </a:r>
             <a:r>
-              <a:rPr lang="en-US" altLang="zh-CN"/>
+              <a:rPr lang="en-US" altLang="zh-CN" dirty="0" err="1"/>
               <a:t>e</a:t>
             </a:r>
             <a:r>
-              <a:rPr lang="en-US" altLang="zh-CN" baseline="-25000"/>
+              <a:rPr lang="en-US" altLang="zh-CN" baseline="-25000" dirty="0" err="1"/>
               <a:t>j</a:t>
             </a:r>
             <a:r>
-              <a:rPr lang="zh-CN" altLang="en-US"/>
+              <a:rPr lang="zh-CN" altLang="en-US" dirty="0"/>
               <a:t>的结束时间，则将</a:t>
             </a:r>
             <a:r>
-              <a:rPr lang="en-US" altLang="zh-CN"/>
+              <a:rPr lang="en-US" altLang="zh-CN" dirty="0" err="1"/>
               <a:t>e</a:t>
             </a:r>
             <a:r>
-              <a:rPr lang="en-US" altLang="zh-CN" baseline="-25000"/>
+              <a:rPr lang="en-US" altLang="zh-CN" baseline="-25000" dirty="0" err="1"/>
               <a:t>i</a:t>
             </a:r>
             <a:r>
-              <a:rPr lang="zh-CN" altLang="en-US"/>
+              <a:rPr lang="zh-CN" altLang="en-US" dirty="0"/>
               <a:t>选入</a:t>
             </a:r>
             <a:r>
-              <a:rPr lang="en-US" altLang="zh-CN"/>
+              <a:rPr lang="en-US" altLang="zh-CN" dirty="0"/>
               <a:t>A</a:t>
             </a:r>
             <a:r>
-              <a:rPr lang="zh-CN" altLang="en-US"/>
+              <a:rPr lang="zh-CN" altLang="en-US" dirty="0"/>
               <a:t>中，否则放弃</a:t>
             </a:r>
             <a:r>
-              <a:rPr lang="en-US" altLang="zh-CN"/>
+              <a:rPr lang="en-US" altLang="zh-CN" dirty="0" err="1"/>
               <a:t>e</a:t>
             </a:r>
             <a:r>
-              <a:rPr lang="en-US" altLang="zh-CN" baseline="-25000"/>
+              <a:rPr lang="en-US" altLang="zh-CN" baseline="-25000" dirty="0" err="1"/>
               <a:t>i</a:t>
             </a:r>
             <a:r>
-              <a:rPr lang="zh-CN" altLang="en-US"/>
+              <a:rPr lang="zh-CN" altLang="en-US" dirty="0"/>
               <a:t>；</a:t>
             </a:r>
           </a:p>
@@ -20414,7 +20957,7 @@
 </p:sld>
 </file>
 
-<file path=ppt/slides/slide5.xml><?xml version="1.0" encoding="utf-8"?>
+<file path=ppt/slides/slide7.xml><?xml version="1.0" encoding="utf-8"?>
 <p:sld xmlns:a="http://schemas.openxmlformats.org/drawingml/2006/main" xmlns:r="http://schemas.openxmlformats.org/officeDocument/2006/relationships" xmlns:p="http://schemas.openxmlformats.org/presentationml/2006/main">
   <p:cSld>
     <p:spTree>
@@ -20483,131 +21026,150 @@
           <a:p>
             <a:pPr eaLnBrk="1" hangingPunct="1"/>
             <a:r>
-              <a:rPr lang="zh-CN" altLang="en-US"/>
-              <a:t>解法证明：</a:t>
+              <a:rPr lang="zh-CN" altLang="en-US" dirty="0"/>
+              <a:t>贪心选择性质证明：</a:t>
             </a:r>
           </a:p>
           <a:p>
             <a:pPr lvl="1" eaLnBrk="1" hangingPunct="1"/>
             <a:r>
-              <a:rPr lang="zh-CN" altLang="en-US"/>
+              <a:rPr lang="zh-CN" altLang="en-US" dirty="0"/>
               <a:t>若</a:t>
             </a:r>
             <a:r>
-              <a:rPr lang="en-US" altLang="zh-CN"/>
+              <a:rPr lang="en-US" altLang="zh-CN" dirty="0"/>
               <a:t>E={e</a:t>
             </a:r>
             <a:r>
-              <a:rPr lang="en-US" altLang="zh-CN" baseline="-25000"/>
+              <a:rPr lang="en-US" altLang="zh-CN" baseline="-25000" dirty="0"/>
+              <a:t>0</a:t>
+            </a:r>
+            <a:r>
+              <a:rPr lang="en-US" altLang="zh-CN" dirty="0"/>
+              <a:t>,e</a:t>
+            </a:r>
+            <a:r>
+              <a:rPr lang="en-US" altLang="zh-CN" baseline="-25000" dirty="0"/>
               <a:t>1</a:t>
             </a:r>
             <a:r>
-              <a:rPr lang="en-US" altLang="zh-CN"/>
+              <a:rPr lang="en-US" altLang="zh-CN" dirty="0"/>
               <a:t>,e</a:t>
             </a:r>
             <a:r>
-              <a:rPr lang="en-US" altLang="zh-CN" baseline="-25000"/>
+              <a:rPr lang="en-US" altLang="zh-CN" baseline="-25000" dirty="0"/>
               <a:t>2</a:t>
             </a:r>
             <a:r>
-              <a:rPr lang="en-US" altLang="zh-CN">
+              <a:rPr lang="en-US" altLang="zh-CN" dirty="0">
                 <a:latin typeface="Arial" panose="020B0604020202020204" pitchFamily="34" charset="0"/>
               </a:rPr>
               <a:t>…</a:t>
             </a:r>
             <a:r>
-              <a:rPr lang="en-US" altLang="zh-CN"/>
+              <a:rPr lang="en-US" altLang="zh-CN" dirty="0" err="1"/>
               <a:t>e</a:t>
             </a:r>
             <a:r>
-              <a:rPr lang="en-US" altLang="zh-CN" baseline="-25000"/>
+              <a:rPr lang="en-US" altLang="zh-CN" baseline="-25000" dirty="0" err="1"/>
               <a:t>n</a:t>
             </a:r>
             <a:r>
-              <a:rPr lang="en-US" altLang="zh-CN"/>
+              <a:rPr lang="en-US" altLang="zh-CN" dirty="0"/>
               <a:t>}</a:t>
             </a:r>
             <a:r>
-              <a:rPr lang="zh-CN" altLang="en-US"/>
+              <a:rPr lang="zh-CN" altLang="en-US" dirty="0"/>
               <a:t>是按结束时间排序的活动集合，则</a:t>
             </a:r>
             <a:r>
-              <a:rPr lang="en-US" altLang="zh-CN"/>
+              <a:rPr lang="en-US" altLang="zh-CN" dirty="0"/>
               <a:t>e</a:t>
             </a:r>
             <a:r>
-              <a:rPr lang="en-US" altLang="zh-CN" baseline="-25000"/>
-              <a:t>1</a:t>
-            </a:r>
-            <a:r>
-              <a:rPr lang="zh-CN" altLang="en-US"/>
+              <a:rPr lang="en-US" altLang="zh-CN" baseline="-25000" dirty="0"/>
+              <a:t>0</a:t>
+            </a:r>
+            <a:r>
+              <a:rPr lang="zh-CN" altLang="en-US" dirty="0"/>
               <a:t>具有最早的结束时间，设存在一个最优安排</a:t>
             </a:r>
             <a:r>
-              <a:rPr lang="en-US" altLang="zh-CN"/>
+              <a:rPr lang="en-US" altLang="zh-CN" dirty="0"/>
               <a:t>A</a:t>
             </a:r>
             <a:r>
-              <a:rPr lang="zh-CN" altLang="en-US"/>
+              <a:rPr lang="zh-CN" altLang="en-US" dirty="0"/>
               <a:t>不包含</a:t>
             </a:r>
             <a:r>
-              <a:rPr lang="en-US" altLang="zh-CN"/>
+              <a:rPr lang="en-US" altLang="zh-CN" dirty="0"/>
               <a:t>e</a:t>
             </a:r>
             <a:r>
-              <a:rPr lang="en-US" altLang="zh-CN" baseline="-25000"/>
-              <a:t>1</a:t>
-            </a:r>
-            <a:r>
-              <a:rPr lang="zh-CN" altLang="en-US"/>
+              <a:rPr lang="en-US" altLang="zh-CN" baseline="-25000" dirty="0"/>
+              <a:t>0</a:t>
+            </a:r>
+            <a:r>
+              <a:rPr lang="zh-CN" altLang="en-US" dirty="0"/>
               <a:t>，并以</a:t>
             </a:r>
             <a:r>
-              <a:rPr lang="en-US" altLang="zh-CN"/>
+              <a:rPr lang="en-US" altLang="zh-CN" dirty="0" err="1"/>
               <a:t>e</a:t>
             </a:r>
             <a:r>
-              <a:rPr lang="en-US" altLang="zh-CN" baseline="-25000"/>
+              <a:rPr lang="en-US" altLang="zh-CN" baseline="-25000" dirty="0" err="1"/>
               <a:t>i</a:t>
             </a:r>
             <a:r>
-              <a:rPr lang="zh-CN" altLang="en-US"/>
+              <a:rPr lang="zh-CN" altLang="en-US" dirty="0"/>
               <a:t>开始，则易见：</a:t>
             </a:r>
             <a:br>
-              <a:rPr lang="zh-CN" altLang="en-US"/>
+              <a:rPr lang="zh-CN" altLang="en-US" dirty="0"/>
             </a:br>
             <a:r>
-              <a:rPr lang="en-US" altLang="zh-CN"/>
-              <a:t>A-{e</a:t>
-            </a:r>
-            <a:r>
-              <a:rPr lang="en-US" altLang="zh-CN" baseline="-25000"/>
+              <a:rPr lang="en-US" altLang="zh-CN" dirty="0"/>
+              <a:t>A-{</a:t>
+            </a:r>
+            <a:r>
+              <a:rPr lang="en-US" altLang="zh-CN" dirty="0" err="1"/>
+              <a:t>e</a:t>
+            </a:r>
+            <a:r>
+              <a:rPr lang="en-US" altLang="zh-CN" baseline="-25000" dirty="0" err="1"/>
               <a:t>i</a:t>
             </a:r>
             <a:r>
-              <a:rPr lang="en-US" altLang="zh-CN"/>
+              <a:rPr lang="en-US" altLang="zh-CN" dirty="0"/>
               <a:t>}∪{e</a:t>
             </a:r>
             <a:r>
-              <a:rPr lang="en-US" altLang="zh-CN" baseline="-25000"/>
-              <a:t>1</a:t>
-            </a:r>
-            <a:r>
-              <a:rPr lang="en-US" altLang="zh-CN"/>
+              <a:rPr lang="en-US" altLang="zh-CN" baseline="-25000" dirty="0"/>
+              <a:t>0</a:t>
+            </a:r>
+            <a:r>
+              <a:rPr lang="en-US" altLang="zh-CN" dirty="0"/>
               <a:t>}</a:t>
             </a:r>
             <a:r>
-              <a:rPr lang="zh-CN" altLang="en-US"/>
+              <a:rPr lang="zh-CN" altLang="en-US" dirty="0"/>
               <a:t>也是最优的活动安排；</a:t>
             </a:r>
             <a:br>
-              <a:rPr lang="zh-CN" altLang="en-US"/>
+              <a:rPr lang="zh-CN" altLang="en-US" dirty="0"/>
             </a:br>
             <a:r>
-              <a:rPr lang="zh-CN" altLang="en-US"/>
-              <a:t>依此类推。</a:t>
+              <a:rPr lang="zh-CN" altLang="en-US" dirty="0"/>
+              <a:t>贪心选择性质成立。</a:t>
+            </a:r>
+            <a:endParaRPr lang="en-US" altLang="zh-CN" dirty="0"/>
+          </a:p>
+          <a:p>
+            <a:r>
+              <a:rPr lang="zh-CN" altLang="en-US" dirty="0"/>
+              <a:t>最优子结构性质证明：</a:t>
             </a:r>
           </a:p>
         </p:txBody>
@@ -20620,7 +21182,7 @@
 </p:sld>
 </file>
 
-<file path=ppt/slides/slide6.xml><?xml version="1.0" encoding="utf-8"?>
+<file path=ppt/slides/slide8.xml><?xml version="1.0" encoding="utf-8"?>
 <p:sld xmlns:a="http://schemas.openxmlformats.org/drawingml/2006/main" xmlns:r="http://schemas.openxmlformats.org/officeDocument/2006/relationships" xmlns:p="http://schemas.openxmlformats.org/presentationml/2006/main">
   <p:cSld>
     <p:spTree>
@@ -20649,7 +21211,13 @@
           <p:cNvGraphicFramePr>
             <a:graphicFrameLocks noGrp="1"/>
           </p:cNvGraphicFramePr>
-          <p:nvPr/>
+          <p:nvPr>
+            <p:extLst>
+              <p:ext uri="{D42A27DB-BD31-4B8C-83A1-F6EECF244321}">
+                <p14:modId xmlns:p14="http://schemas.microsoft.com/office/powerpoint/2010/main" val="1044867225"/>
+              </p:ext>
+            </p:extLst>
+          </p:nvPr>
         </p:nvGraphicFramePr>
         <p:xfrm>
           <a:off x="2590800" y="609600"/>
@@ -21003,7 +21571,7 @@
                         <a:tabLst/>
                       </a:pPr>
                       <a:r>
-                        <a:rPr kumimoji="0" lang="en-US" altLang="zh-CN" sz="1800" b="1" i="0" u="none" strike="noStrike" cap="none" normalizeH="0" baseline="0">
+                        <a:rPr kumimoji="0" lang="en-US" altLang="zh-CN" sz="1800" b="1" i="0" u="none" strike="noStrike" cap="none" normalizeH="0" baseline="0" dirty="0">
                           <a:ln>
                             <a:noFill/>
                           </a:ln>
@@ -21014,7 +21582,7 @@
                           <a:latin typeface="Tahoma" pitchFamily="34" charset="0"/>
                           <a:ea typeface="楷体_GB2312" pitchFamily="49" charset="-122"/>
                         </a:rPr>
-                        <a:t>1</a:t>
+                        <a:t>0</a:t>
                       </a:r>
                     </a:p>
                   </a:txBody>
@@ -21271,7 +21839,7 @@
                         <a:tabLst/>
                       </a:pPr>
                       <a:r>
-                        <a:rPr kumimoji="0" lang="en-US" altLang="zh-CN" sz="1800" b="1" i="0" u="none" strike="noStrike" cap="none" normalizeH="0" baseline="0">
+                        <a:rPr kumimoji="0" lang="en-US" altLang="zh-CN" sz="1800" b="1" i="0" u="none" strike="noStrike" cap="none" normalizeH="0" baseline="0" dirty="0">
                           <a:ln>
                             <a:noFill/>
                           </a:ln>
@@ -21282,7 +21850,7 @@
                           <a:latin typeface="Tahoma" pitchFamily="34" charset="0"/>
                           <a:ea typeface="楷体_GB2312" pitchFamily="49" charset="-122"/>
                         </a:rPr>
-                        <a:t>2</a:t>
+                        <a:t>1</a:t>
                       </a:r>
                     </a:p>
                   </a:txBody>
@@ -21539,7 +22107,7 @@
                         <a:tabLst/>
                       </a:pPr>
                       <a:r>
-                        <a:rPr kumimoji="0" lang="en-US" altLang="zh-CN" sz="1800" b="1" i="0" u="none" strike="noStrike" cap="none" normalizeH="0" baseline="0">
+                        <a:rPr kumimoji="0" lang="en-US" altLang="zh-CN" sz="1800" b="1" i="0" u="none" strike="noStrike" cap="none" normalizeH="0" baseline="0" dirty="0">
                           <a:ln>
                             <a:noFill/>
                           </a:ln>
@@ -21550,7 +22118,7 @@
                           <a:latin typeface="Tahoma" pitchFamily="34" charset="0"/>
                           <a:ea typeface="楷体_GB2312" pitchFamily="49" charset="-122"/>
                         </a:rPr>
-                        <a:t>3</a:t>
+                        <a:t>2</a:t>
                       </a:r>
                     </a:p>
                   </a:txBody>
@@ -21807,7 +22375,7 @@
                         <a:tabLst/>
                       </a:pPr>
                       <a:r>
-                        <a:rPr kumimoji="0" lang="en-US" altLang="zh-CN" sz="1800" b="1" i="0" u="none" strike="noStrike" cap="none" normalizeH="0" baseline="0">
+                        <a:rPr kumimoji="0" lang="en-US" altLang="zh-CN" sz="1800" b="1" i="0" u="none" strike="noStrike" cap="none" normalizeH="0" baseline="0" dirty="0">
                           <a:ln>
                             <a:noFill/>
                           </a:ln>
@@ -21818,7 +22386,7 @@
                           <a:latin typeface="Tahoma" pitchFamily="34" charset="0"/>
                           <a:ea typeface="楷体_GB2312" pitchFamily="49" charset="-122"/>
                         </a:rPr>
-                        <a:t>4</a:t>
+                        <a:t>3</a:t>
                       </a:r>
                     </a:p>
                   </a:txBody>
@@ -22075,7 +22643,7 @@
                         <a:tabLst/>
                       </a:pPr>
                       <a:r>
-                        <a:rPr kumimoji="0" lang="en-US" altLang="zh-CN" sz="1800" b="1" i="0" u="none" strike="noStrike" cap="none" normalizeH="0" baseline="0">
+                        <a:rPr kumimoji="0" lang="en-US" altLang="zh-CN" sz="1800" b="1" i="0" u="none" strike="noStrike" cap="none" normalizeH="0" baseline="0" dirty="0">
                           <a:ln>
                             <a:noFill/>
                           </a:ln>
@@ -22086,7 +22654,7 @@
                           <a:latin typeface="Tahoma" pitchFamily="34" charset="0"/>
                           <a:ea typeface="楷体_GB2312" pitchFamily="49" charset="-122"/>
                         </a:rPr>
-                        <a:t>5</a:t>
+                        <a:t>4</a:t>
                       </a:r>
                     </a:p>
                   </a:txBody>
@@ -22343,7 +22911,7 @@
                         <a:tabLst/>
                       </a:pPr>
                       <a:r>
-                        <a:rPr kumimoji="0" lang="en-US" altLang="zh-CN" sz="1800" b="1" i="0" u="none" strike="noStrike" cap="none" normalizeH="0" baseline="0">
+                        <a:rPr kumimoji="0" lang="en-US" altLang="zh-CN" sz="1800" b="1" i="0" u="none" strike="noStrike" cap="none" normalizeH="0" baseline="0" dirty="0">
                           <a:ln>
                             <a:noFill/>
                           </a:ln>
@@ -22354,7 +22922,7 @@
                           <a:latin typeface="Tahoma" pitchFamily="34" charset="0"/>
                           <a:ea typeface="楷体_GB2312" pitchFamily="49" charset="-122"/>
                         </a:rPr>
-                        <a:t>6</a:t>
+                        <a:t>5</a:t>
                       </a:r>
                     </a:p>
                   </a:txBody>
@@ -22611,7 +23179,7 @@
                         <a:tabLst/>
                       </a:pPr>
                       <a:r>
-                        <a:rPr kumimoji="0" lang="en-US" altLang="zh-CN" sz="1800" b="1" i="0" u="none" strike="noStrike" cap="none" normalizeH="0" baseline="0">
+                        <a:rPr kumimoji="0" lang="en-US" altLang="zh-CN" sz="1800" b="1" i="0" u="none" strike="noStrike" cap="none" normalizeH="0" baseline="0" dirty="0">
                           <a:ln>
                             <a:noFill/>
                           </a:ln>
@@ -22622,7 +23190,7 @@
                           <a:latin typeface="Tahoma" pitchFamily="34" charset="0"/>
                           <a:ea typeface="楷体_GB2312" pitchFamily="49" charset="-122"/>
                         </a:rPr>
-                        <a:t>7</a:t>
+                        <a:t>6</a:t>
                       </a:r>
                     </a:p>
                   </a:txBody>
@@ -22879,7 +23447,7 @@
                         <a:tabLst/>
                       </a:pPr>
                       <a:r>
-                        <a:rPr kumimoji="0" lang="en-US" altLang="zh-CN" sz="1800" b="1" i="0" u="none" strike="noStrike" cap="none" normalizeH="0" baseline="0">
+                        <a:rPr kumimoji="0" lang="en-US" altLang="zh-CN" sz="1800" b="1" i="0" u="none" strike="noStrike" cap="none" normalizeH="0" baseline="0" dirty="0">
                           <a:ln>
                             <a:noFill/>
                           </a:ln>
@@ -22890,7 +23458,7 @@
                           <a:latin typeface="Tahoma" pitchFamily="34" charset="0"/>
                           <a:ea typeface="楷体_GB2312" pitchFamily="49" charset="-122"/>
                         </a:rPr>
-                        <a:t>8</a:t>
+                        <a:t>7</a:t>
                       </a:r>
                     </a:p>
                   </a:txBody>
@@ -23147,7 +23715,7 @@
                         <a:tabLst/>
                       </a:pPr>
                       <a:r>
-                        <a:rPr kumimoji="0" lang="en-US" altLang="zh-CN" sz="1800" b="1" i="0" u="none" strike="noStrike" cap="none" normalizeH="0" baseline="0">
+                        <a:rPr kumimoji="0" lang="en-US" altLang="zh-CN" sz="1800" b="1" i="0" u="none" strike="noStrike" cap="none" normalizeH="0" baseline="0" dirty="0">
                           <a:ln>
                             <a:noFill/>
                           </a:ln>
@@ -23158,7 +23726,7 @@
                           <a:latin typeface="Tahoma" pitchFamily="34" charset="0"/>
                           <a:ea typeface="楷体_GB2312" pitchFamily="49" charset="-122"/>
                         </a:rPr>
-                        <a:t>9</a:t>
+                        <a:t>8</a:t>
                       </a:r>
                     </a:p>
                   </a:txBody>
@@ -23415,7 +23983,7 @@
                         <a:tabLst/>
                       </a:pPr>
                       <a:r>
-                        <a:rPr kumimoji="0" lang="en-US" altLang="zh-CN" sz="1800" b="1" i="0" u="none" strike="noStrike" cap="none" normalizeH="0" baseline="0">
+                        <a:rPr kumimoji="0" lang="en-US" altLang="zh-CN" sz="1800" b="1" i="0" u="none" strike="noStrike" cap="none" normalizeH="0" baseline="0" dirty="0">
                           <a:ln>
                             <a:noFill/>
                           </a:ln>
@@ -23426,7 +23994,7 @@
                           <a:latin typeface="Tahoma" pitchFamily="34" charset="0"/>
                           <a:ea typeface="楷体_GB2312" pitchFamily="49" charset="-122"/>
                         </a:rPr>
-                        <a:t>10</a:t>
+                        <a:t>9</a:t>
                       </a:r>
                     </a:p>
                   </a:txBody>
@@ -23683,7 +24251,7 @@
                         <a:tabLst/>
                       </a:pPr>
                       <a:r>
-                        <a:rPr kumimoji="0" lang="en-US" altLang="zh-CN" sz="1800" b="1" i="0" u="none" strike="noStrike" cap="none" normalizeH="0" baseline="0">
+                        <a:rPr kumimoji="0" lang="en-US" altLang="zh-CN" sz="1800" b="1" i="0" u="none" strike="noStrike" cap="none" normalizeH="0" baseline="0" dirty="0">
                           <a:ln>
                             <a:noFill/>
                           </a:ln>
@@ -23694,7 +24262,7 @@
                           <a:latin typeface="Tahoma" pitchFamily="34" charset="0"/>
                           <a:ea typeface="楷体_GB2312" pitchFamily="49" charset="-122"/>
                         </a:rPr>
-                        <a:t>11</a:t>
+                        <a:t>10</a:t>
                       </a:r>
                     </a:p>
                   </a:txBody>
@@ -23857,7 +24425,7 @@
                         <a:tabLst/>
                       </a:pPr>
                       <a:r>
-                        <a:rPr kumimoji="0" lang="en-US" altLang="zh-CN" sz="1800" b="1" i="0" u="none" strike="noStrike" cap="none" normalizeH="0" baseline="0">
+                        <a:rPr kumimoji="0" lang="en-US" altLang="zh-CN" sz="1800" b="1" i="0" u="none" strike="noStrike" cap="none" normalizeH="0" baseline="0" dirty="0">
                           <a:ln>
                             <a:noFill/>
                           </a:ln>
@@ -38956,60 +39524,60 @@
           <a:p>
             <a:pPr algn="ctr" eaLnBrk="1" hangingPunct="1"/>
             <a:r>
-              <a:rPr lang="zh-CN" altLang="en-US" sz="2400" b="1">
+              <a:rPr lang="zh-CN" altLang="en-US" sz="2400" b="1" dirty="0">
                 <a:latin typeface="Courier New" panose="02070309020205020404" pitchFamily="49" charset="0"/>
                 <a:ea typeface="华文新魏" panose="02010800040101010101" pitchFamily="2" charset="-122"/>
               </a:rPr>
               <a:t>结果：选中的任务为：</a:t>
             </a:r>
             <a:r>
-              <a:rPr lang="en-US" altLang="zh-CN" sz="2400" b="1">
+              <a:rPr lang="en-US" altLang="zh-CN" sz="2400" b="1" dirty="0">
                 <a:latin typeface="Courier New" panose="02070309020205020404" pitchFamily="49" charset="0"/>
                 <a:ea typeface="华文新魏" panose="02010800040101010101" pitchFamily="2" charset="-122"/>
               </a:rPr>
-              <a:t>1</a:t>
-            </a:r>
-            <a:r>
-              <a:rPr lang="zh-CN" altLang="en-US" sz="2400" b="1">
+              <a:t>0</a:t>
+            </a:r>
+            <a:r>
+              <a:rPr lang="zh-CN" altLang="en-US" sz="2400" b="1" dirty="0">
                 <a:latin typeface="Courier New" panose="02070309020205020404" pitchFamily="49" charset="0"/>
                 <a:ea typeface="华文新魏" panose="02010800040101010101" pitchFamily="2" charset="-122"/>
               </a:rPr>
               <a:t>、</a:t>
             </a:r>
             <a:r>
-              <a:rPr lang="en-US" altLang="zh-CN" sz="2400" b="1">
+              <a:rPr lang="en-US" altLang="zh-CN" sz="2400" b="1" dirty="0">
                 <a:latin typeface="Courier New" panose="02070309020205020404" pitchFamily="49" charset="0"/>
                 <a:ea typeface="华文新魏" panose="02010800040101010101" pitchFamily="2" charset="-122"/>
               </a:rPr>
-              <a:t>4</a:t>
-            </a:r>
-            <a:r>
-              <a:rPr lang="zh-CN" altLang="en-US" sz="2400" b="1">
+              <a:t>3</a:t>
+            </a:r>
+            <a:r>
+              <a:rPr lang="zh-CN" altLang="en-US" sz="2400" b="1" dirty="0">
                 <a:latin typeface="Courier New" panose="02070309020205020404" pitchFamily="49" charset="0"/>
                 <a:ea typeface="华文新魏" panose="02010800040101010101" pitchFamily="2" charset="-122"/>
               </a:rPr>
               <a:t>、</a:t>
             </a:r>
             <a:r>
-              <a:rPr lang="en-US" altLang="zh-CN" sz="2400" b="1">
+              <a:rPr lang="en-US" altLang="zh-CN" sz="2400" b="1" dirty="0">
                 <a:latin typeface="Courier New" panose="02070309020205020404" pitchFamily="49" charset="0"/>
                 <a:ea typeface="华文新魏" panose="02010800040101010101" pitchFamily="2" charset="-122"/>
               </a:rPr>
-              <a:t>8</a:t>
-            </a:r>
-            <a:r>
-              <a:rPr lang="zh-CN" altLang="en-US" sz="2400" b="1">
+              <a:t>7</a:t>
+            </a:r>
+            <a:r>
+              <a:rPr lang="zh-CN" altLang="en-US" sz="2400" b="1" dirty="0">
                 <a:latin typeface="Courier New" panose="02070309020205020404" pitchFamily="49" charset="0"/>
                 <a:ea typeface="华文新魏" panose="02010800040101010101" pitchFamily="2" charset="-122"/>
               </a:rPr>
               <a:t>、</a:t>
             </a:r>
             <a:r>
-              <a:rPr lang="en-US" altLang="zh-CN" sz="2400" b="1">
+              <a:rPr lang="en-US" altLang="zh-CN" sz="2400" b="1" dirty="0">
                 <a:latin typeface="Courier New" panose="02070309020205020404" pitchFamily="49" charset="0"/>
                 <a:ea typeface="华文新魏" panose="02010800040101010101" pitchFamily="2" charset="-122"/>
               </a:rPr>
-              <a:t>11</a:t>
+              <a:t>10</a:t>
             </a:r>
           </a:p>
         </p:txBody>
@@ -39022,166 +39590,7 @@
 </p:sld>
 </file>
 
-<file path=ppt/slides/slide7.xml><?xml version="1.0" encoding="utf-8"?>
-<p:sld xmlns:a="http://schemas.openxmlformats.org/drawingml/2006/main" xmlns:r="http://schemas.openxmlformats.org/officeDocument/2006/relationships" xmlns:p="http://schemas.openxmlformats.org/presentationml/2006/main">
-  <p:cSld>
-    <p:spTree>
-      <p:nvGrpSpPr>
-        <p:cNvPr id="1" name=""/>
-        <p:cNvGrpSpPr/>
-        <p:nvPr/>
-      </p:nvGrpSpPr>
-      <p:grpSpPr>
-        <a:xfrm>
-          <a:off x="0" y="0"/>
-          <a:ext cx="0" cy="0"/>
-          <a:chOff x="0" y="0"/>
-          <a:chExt cx="0" cy="0"/>
-        </a:xfrm>
-      </p:grpSpPr>
-      <p:sp>
-        <p:nvSpPr>
-          <p:cNvPr id="9218" name="Rectangle 2">
-            <a:extLst>
-              <a:ext uri="{FF2B5EF4-FFF2-40B4-BE49-F238E27FC236}">
-                <a16:creationId xmlns:a16="http://schemas.microsoft.com/office/drawing/2014/main" id="{792AB71D-4C74-4FE5-850F-07CE2511E26D}"/>
-              </a:ext>
-            </a:extLst>
-          </p:cNvPr>
-          <p:cNvSpPr>
-            <a:spLocks noGrp="1" noChangeArrowheads="1"/>
-          </p:cNvSpPr>
-          <p:nvPr>
-            <p:ph type="title"/>
-          </p:nvPr>
-        </p:nvSpPr>
-        <p:spPr/>
-        <p:txBody>
-          <a:bodyPr/>
-          <a:lstStyle/>
-          <a:p>
-            <a:pPr eaLnBrk="1" hangingPunct="1"/>
-            <a:r>
-              <a:rPr lang="zh-CN" altLang="en-US"/>
-              <a:t>贪心算法的基本要素</a:t>
-            </a:r>
-          </a:p>
-        </p:txBody>
-      </p:sp>
-      <p:sp>
-        <p:nvSpPr>
-          <p:cNvPr id="9219" name="Rectangle 3">
-            <a:extLst>
-              <a:ext uri="{FF2B5EF4-FFF2-40B4-BE49-F238E27FC236}">
-                <a16:creationId xmlns:a16="http://schemas.microsoft.com/office/drawing/2014/main" id="{6D12825D-5A8B-4127-A967-1A390B4DDD97}"/>
-              </a:ext>
-            </a:extLst>
-          </p:cNvPr>
-          <p:cNvSpPr>
-            <a:spLocks noGrp="1" noChangeArrowheads="1"/>
-          </p:cNvSpPr>
-          <p:nvPr>
-            <p:ph idx="1"/>
-          </p:nvPr>
-        </p:nvSpPr>
-        <p:spPr/>
-        <p:txBody>
-          <a:bodyPr>
-            <a:normAutofit fontScale="62500" lnSpcReduction="20000"/>
-          </a:bodyPr>
-          <a:lstStyle/>
-          <a:p>
-            <a:pPr eaLnBrk="1" hangingPunct="1">
-              <a:lnSpc>
-                <a:spcPct val="210000"/>
-              </a:lnSpc>
-            </a:pPr>
-            <a:r>
-              <a:rPr lang="en-US" altLang="zh-CN" sz="2400" dirty="0"/>
-              <a:t>1</a:t>
-            </a:r>
-            <a:r>
-              <a:rPr lang="zh-CN" altLang="en-US" sz="2400" dirty="0"/>
-              <a:t>、贪心选择性质</a:t>
-            </a:r>
-          </a:p>
-          <a:p>
-            <a:pPr lvl="1" eaLnBrk="1" hangingPunct="1">
-              <a:lnSpc>
-                <a:spcPct val="210000"/>
-              </a:lnSpc>
-            </a:pPr>
-            <a:r>
-              <a:rPr lang="zh-CN" altLang="en-US" sz="2000" dirty="0"/>
-              <a:t>所求问题的整体最优解可由一系列局部最优选择得到；</a:t>
-            </a:r>
-          </a:p>
-          <a:p>
-            <a:pPr lvl="1" eaLnBrk="1" hangingPunct="1">
-              <a:lnSpc>
-                <a:spcPct val="210000"/>
-              </a:lnSpc>
-            </a:pPr>
-            <a:r>
-              <a:rPr lang="zh-CN" altLang="en-US" sz="2000" dirty="0"/>
-              <a:t>动态规划是由子问题的解得到当前问题的解；</a:t>
-            </a:r>
-            <a:br>
-              <a:rPr lang="zh-CN" altLang="en-US" sz="2000" dirty="0"/>
-            </a:br>
-            <a:r>
-              <a:rPr lang="zh-CN" altLang="en-US" sz="2000" dirty="0"/>
-              <a:t>贪心算法则是由当前问题的局部最优解导出子问题；</a:t>
-            </a:r>
-          </a:p>
-          <a:p>
-            <a:pPr lvl="1" eaLnBrk="1" hangingPunct="1">
-              <a:lnSpc>
-                <a:spcPct val="210000"/>
-              </a:lnSpc>
-            </a:pPr>
-            <a:r>
-              <a:rPr lang="zh-CN" altLang="en-US" sz="2000" dirty="0"/>
-              <a:t>确定一个问题是否具有贪心选择性质，需要证明问题的一个整体最优解是从贪心选择开始的；</a:t>
-            </a:r>
-          </a:p>
-          <a:p>
-            <a:pPr eaLnBrk="1" hangingPunct="1">
-              <a:lnSpc>
-                <a:spcPct val="210000"/>
-              </a:lnSpc>
-            </a:pPr>
-            <a:r>
-              <a:rPr lang="en-US" altLang="zh-CN" sz="2400" dirty="0"/>
-              <a:t>2</a:t>
-            </a:r>
-            <a:r>
-              <a:rPr lang="zh-CN" altLang="en-US" sz="2400" dirty="0"/>
-              <a:t>、最优子结构性质</a:t>
-            </a:r>
-          </a:p>
-          <a:p>
-            <a:pPr lvl="1" eaLnBrk="1" hangingPunct="1">
-              <a:lnSpc>
-                <a:spcPct val="210000"/>
-              </a:lnSpc>
-            </a:pPr>
-            <a:r>
-              <a:rPr lang="zh-CN" altLang="en-US" sz="2000" dirty="0"/>
-              <a:t>通过局部最优选择，原问题将被化简为类似的子问题；亦即是说，整体最优解中包含了子问题的最优解；</a:t>
-            </a:r>
-          </a:p>
-        </p:txBody>
-      </p:sp>
-    </p:spTree>
-  </p:cSld>
-  <p:clrMapOvr>
-    <a:masterClrMapping/>
-  </p:clrMapOvr>
-</p:sld>
-</file>
-
-<file path=ppt/slides/slide8.xml><?xml version="1.0" encoding="utf-8"?>
+<file path=ppt/slides/slide9.xml><?xml version="1.0" encoding="utf-8"?>
 <p:sld xmlns:a="http://schemas.openxmlformats.org/drawingml/2006/main" xmlns:r="http://schemas.openxmlformats.org/officeDocument/2006/relationships" xmlns:p="http://schemas.openxmlformats.org/presentationml/2006/main">
   <p:cSld>
     <p:spTree>
@@ -39298,7 +39707,7 @@
             </a:r>
             <a:r>
               <a:rPr lang="en-US" altLang="zh-CN" sz="2800" dirty="0"/>
-              <a:t>i=1</a:t>
+              <a:t>i=0</a:t>
             </a:r>
             <a:r>
               <a:rPr lang="en-US" altLang="zh-CN" sz="2800" dirty="0">
@@ -39308,7 +39717,7 @@
             </a:r>
             <a:r>
               <a:rPr lang="en-US" altLang="zh-CN" sz="2800" dirty="0"/>
-              <a:t>n</a:t>
+              <a:t>n-1</a:t>
             </a:r>
             <a:r>
               <a:rPr lang="zh-CN" altLang="en-US" sz="2800" dirty="0"/>
@@ -42068,270 +42477,6 @@
 </p:sld>
 </file>
 
-<file path=ppt/slides/slide9.xml><?xml version="1.0" encoding="utf-8"?>
-<p:sld xmlns:a="http://schemas.openxmlformats.org/drawingml/2006/main" xmlns:r="http://schemas.openxmlformats.org/officeDocument/2006/relationships" xmlns:p="http://schemas.openxmlformats.org/presentationml/2006/main">
-  <p:cSld>
-    <p:spTree>
-      <p:nvGrpSpPr>
-        <p:cNvPr id="1" name=""/>
-        <p:cNvGrpSpPr/>
-        <p:nvPr/>
-      </p:nvGrpSpPr>
-      <p:grpSpPr>
-        <a:xfrm>
-          <a:off x="0" y="0"/>
-          <a:ext cx="0" cy="0"/>
-          <a:chOff x="0" y="0"/>
-          <a:chExt cx="0" cy="0"/>
-        </a:xfrm>
-      </p:grpSpPr>
-      <p:sp>
-        <p:nvSpPr>
-          <p:cNvPr id="11266" name="Rectangle 2">
-            <a:extLst>
-              <a:ext uri="{FF2B5EF4-FFF2-40B4-BE49-F238E27FC236}">
-                <a16:creationId xmlns:a16="http://schemas.microsoft.com/office/drawing/2014/main" id="{1371F073-C0BF-4338-A381-6A8CA406F5B0}"/>
-              </a:ext>
-            </a:extLst>
-          </p:cNvPr>
-          <p:cNvSpPr>
-            <a:spLocks noGrp="1" noChangeArrowheads="1"/>
-          </p:cNvSpPr>
-          <p:nvPr>
-            <p:ph type="title"/>
-          </p:nvPr>
-        </p:nvSpPr>
-        <p:spPr/>
-        <p:txBody>
-          <a:bodyPr/>
-          <a:lstStyle/>
-          <a:p>
-            <a:pPr eaLnBrk="1" hangingPunct="1"/>
-            <a:r>
-              <a:rPr lang="en-US" altLang="zh-CN"/>
-              <a:t>0-1</a:t>
-            </a:r>
-            <a:r>
-              <a:rPr lang="zh-CN" altLang="en-US"/>
-              <a:t>背包问题</a:t>
-            </a:r>
-          </a:p>
-        </p:txBody>
-      </p:sp>
-      <p:sp>
-        <p:nvSpPr>
-          <p:cNvPr id="11267" name="Rectangle 3">
-            <a:extLst>
-              <a:ext uri="{FF2B5EF4-FFF2-40B4-BE49-F238E27FC236}">
-                <a16:creationId xmlns:a16="http://schemas.microsoft.com/office/drawing/2014/main" id="{A229BE97-8F93-4FED-BBC5-21687C2E1BAB}"/>
-              </a:ext>
-            </a:extLst>
-          </p:cNvPr>
-          <p:cNvSpPr>
-            <a:spLocks noGrp="1" noChangeArrowheads="1"/>
-          </p:cNvSpPr>
-          <p:nvPr>
-            <p:ph idx="1"/>
-          </p:nvPr>
-        </p:nvSpPr>
-        <p:spPr/>
-        <p:txBody>
-          <a:bodyPr>
-            <a:normAutofit fontScale="55000" lnSpcReduction="20000"/>
-          </a:bodyPr>
-          <a:lstStyle/>
-          <a:p>
-            <a:pPr eaLnBrk="1" hangingPunct="1"/>
-            <a:r>
-              <a:rPr lang="zh-CN" altLang="en-US" sz="2800" dirty="0"/>
-              <a:t>有一容量为</a:t>
-            </a:r>
-            <a:r>
-              <a:rPr lang="en-US" altLang="zh-CN" sz="2800" dirty="0"/>
-              <a:t>W</a:t>
-            </a:r>
-            <a:r>
-              <a:rPr lang="zh-CN" altLang="en-US" sz="2800" dirty="0"/>
-              <a:t>的背包，和一批体积分别为</a:t>
-            </a:r>
-            <a:r>
-              <a:rPr lang="en-US" altLang="zh-CN" sz="2800" dirty="0" err="1"/>
-              <a:t>w</a:t>
-            </a:r>
-            <a:r>
-              <a:rPr lang="en-US" altLang="zh-CN" sz="2800" baseline="-25000" dirty="0" err="1"/>
-              <a:t>i</a:t>
-            </a:r>
-            <a:r>
-              <a:rPr lang="zh-CN" altLang="en-US" sz="2800" dirty="0"/>
-              <a:t>，价值为</a:t>
-            </a:r>
-            <a:r>
-              <a:rPr lang="en-US" altLang="zh-CN" sz="2800" dirty="0"/>
-              <a:t>v</a:t>
-            </a:r>
-            <a:r>
-              <a:rPr lang="en-US" altLang="zh-CN" sz="2800" baseline="-25000" dirty="0"/>
-              <a:t>i</a:t>
-            </a:r>
-            <a:r>
-              <a:rPr lang="zh-CN" altLang="en-US" sz="2800" dirty="0"/>
-              <a:t>的物品， </a:t>
-            </a:r>
-            <a:r>
-              <a:rPr lang="en-US" altLang="zh-CN" sz="2800" dirty="0"/>
-              <a:t>i=1</a:t>
-            </a:r>
-            <a:r>
-              <a:rPr lang="en-US" altLang="zh-CN" sz="2800" dirty="0">
-                <a:latin typeface="Arial" panose="020B0604020202020204" pitchFamily="34" charset="0"/>
-              </a:rPr>
-              <a:t>…</a:t>
-            </a:r>
-            <a:r>
-              <a:rPr lang="en-US" altLang="zh-CN" sz="2800" dirty="0"/>
-              <a:t>n</a:t>
-            </a:r>
-            <a:r>
-              <a:rPr lang="zh-CN" altLang="en-US" sz="2800" dirty="0"/>
-              <a:t>；问将哪些物品装入背包，使得背包中的总价值最大？</a:t>
-            </a:r>
-          </a:p>
-          <a:p>
-            <a:pPr eaLnBrk="1" hangingPunct="1"/>
-            <a:r>
-              <a:rPr lang="en-US" altLang="zh-CN" sz="2800" dirty="0"/>
-              <a:t>0-1</a:t>
-            </a:r>
-            <a:r>
-              <a:rPr lang="zh-CN" altLang="en-US" sz="2800" dirty="0"/>
-              <a:t>背包问题不满足最优子结构性质，不能用贪心法来求解，而应用分治法求解。分治规则为：</a:t>
-            </a:r>
-            <a:br>
-              <a:rPr lang="zh-CN" altLang="en-US" sz="2800" dirty="0"/>
-            </a:br>
-            <a:r>
-              <a:rPr lang="en-US" altLang="zh-CN" sz="2400" b="1" dirty="0"/>
-              <a:t>S(w</a:t>
-            </a:r>
-            <a:r>
-              <a:rPr lang="en-US" altLang="zh-CN" sz="2400" b="1" baseline="-25000" dirty="0"/>
-              <a:t>1..n</a:t>
-            </a:r>
-            <a:r>
-              <a:rPr lang="en-US" altLang="zh-CN" sz="2400" b="1" dirty="0"/>
-              <a:t>, v</a:t>
-            </a:r>
-            <a:r>
-              <a:rPr lang="en-US" altLang="zh-CN" sz="2400" b="1" baseline="-25000" dirty="0"/>
-              <a:t>1..n</a:t>
-            </a:r>
-            <a:r>
-              <a:rPr lang="en-US" altLang="zh-CN" sz="2400" b="1" dirty="0"/>
-              <a:t>, W) = </a:t>
-            </a:r>
-            <a:br>
-              <a:rPr lang="en-US" altLang="zh-CN" sz="2400" b="1" dirty="0"/>
-            </a:br>
-            <a:r>
-              <a:rPr lang="en-US" altLang="zh-CN" sz="2400" b="1" dirty="0"/>
-              <a:t>max</a:t>
-            </a:r>
-            <a:br>
-              <a:rPr lang="en-US" altLang="zh-CN" sz="2400" b="1" dirty="0"/>
-            </a:br>
-            <a:r>
-              <a:rPr lang="en-US" altLang="zh-CN" sz="2400" b="1" dirty="0"/>
-              <a:t>{</a:t>
-            </a:r>
-            <a:br>
-              <a:rPr lang="en-US" altLang="zh-CN" sz="2400" b="1" dirty="0"/>
-            </a:br>
-            <a:r>
-              <a:rPr lang="en-US" altLang="zh-CN" sz="2400" b="1" dirty="0"/>
-              <a:t>	S(w</a:t>
-            </a:r>
-            <a:r>
-              <a:rPr lang="en-US" altLang="zh-CN" sz="2400" b="1" baseline="-25000" dirty="0"/>
-              <a:t>1..n-1</a:t>
-            </a:r>
-            <a:r>
-              <a:rPr lang="en-US" altLang="zh-CN" sz="2400" b="1" dirty="0"/>
-              <a:t>, v</a:t>
-            </a:r>
-            <a:r>
-              <a:rPr lang="en-US" altLang="zh-CN" sz="2400" b="1" baseline="-25000" dirty="0"/>
-              <a:t>1..n-1</a:t>
-            </a:r>
-            <a:r>
-              <a:rPr lang="en-US" altLang="zh-CN" sz="2400" b="1" dirty="0"/>
-              <a:t>, W-</a:t>
-            </a:r>
-            <a:r>
-              <a:rPr lang="en-US" altLang="zh-CN" sz="2400" b="1" dirty="0" err="1"/>
-              <a:t>w</a:t>
-            </a:r>
-            <a:r>
-              <a:rPr lang="en-US" altLang="zh-CN" sz="2400" b="1" baseline="-25000" dirty="0" err="1"/>
-              <a:t>n</a:t>
-            </a:r>
-            <a:r>
-              <a:rPr lang="en-US" altLang="zh-CN" sz="2400" b="1" dirty="0"/>
-              <a:t>)+</a:t>
-            </a:r>
-            <a:r>
-              <a:rPr lang="en-US" altLang="zh-CN" sz="2400" b="1" dirty="0" err="1"/>
-              <a:t>v</a:t>
-            </a:r>
-            <a:r>
-              <a:rPr lang="en-US" altLang="zh-CN" sz="2400" b="1" baseline="-25000" dirty="0" err="1"/>
-              <a:t>n</a:t>
-            </a:r>
-            <a:r>
-              <a:rPr lang="en-US" altLang="zh-CN" sz="2400" b="1" dirty="0"/>
-              <a:t>, </a:t>
-            </a:r>
-            <a:br>
-              <a:rPr lang="en-US" altLang="zh-CN" sz="2400" b="1" dirty="0"/>
-            </a:br>
-            <a:r>
-              <a:rPr lang="en-US" altLang="zh-CN" sz="2400" b="1" dirty="0"/>
-              <a:t>	S(w</a:t>
-            </a:r>
-            <a:r>
-              <a:rPr lang="en-US" altLang="zh-CN" sz="2400" b="1" baseline="-25000" dirty="0"/>
-              <a:t>1..n-1</a:t>
-            </a:r>
-            <a:r>
-              <a:rPr lang="en-US" altLang="zh-CN" sz="2400" b="1" dirty="0"/>
-              <a:t>, v</a:t>
-            </a:r>
-            <a:r>
-              <a:rPr lang="en-US" altLang="zh-CN" sz="2400" b="1" baseline="-25000" dirty="0"/>
-              <a:t>1..n-1</a:t>
-            </a:r>
-            <a:r>
-              <a:rPr lang="en-US" altLang="zh-CN" sz="2400" b="1" dirty="0"/>
-              <a:t>, W)</a:t>
-            </a:r>
-            <a:br>
-              <a:rPr lang="en-US" altLang="zh-CN" sz="2400" b="1" dirty="0"/>
-            </a:br>
-            <a:r>
-              <a:rPr lang="en-US" altLang="zh-CN" sz="2400" b="1" dirty="0"/>
-              <a:t>}</a:t>
-            </a:r>
-          </a:p>
-        </p:txBody>
-      </p:sp>
-    </p:spTree>
-  </p:cSld>
-  <p:clrMapOvr>
-    <a:masterClrMapping/>
-  </p:clrMapOvr>
-</p:sld>
-</file>
-
 <file path=ppt/theme/theme1.xml><?xml version="1.0" encoding="utf-8"?>
 <a:theme xmlns:a="http://schemas.openxmlformats.org/drawingml/2006/main" name="丝状">
   <a:themeElements>

--- a/教案/第05章.贪心算法.pptx
+++ b/教案/第05章.贪心算法.pptx
@@ -5,7 +5,7 @@
     <p:sldMasterId id="2147483677" r:id="rId1"/>
   </p:sldMasterIdLst>
   <p:notesMasterIdLst>
-    <p:notesMasterId r:id="rId25"/>
+    <p:notesMasterId r:id="rId26"/>
   </p:notesMasterIdLst>
   <p:sldIdLst>
     <p:sldId id="256" r:id="rId2"/>
@@ -31,6 +31,7 @@
     <p:sldId id="274" r:id="rId22"/>
     <p:sldId id="275" r:id="rId23"/>
     <p:sldId id="276" r:id="rId24"/>
+    <p:sldId id="279" r:id="rId25"/>
   </p:sldIdLst>
   <p:sldSz cx="12192000" cy="6858000"/>
   <p:notesSz cx="6858000" cy="9144000"/>
@@ -15613,13 +15614,13 @@
         </p:nvSpPr>
         <p:spPr>
           <a:xfrm>
-            <a:off x="2495550" y="2060576"/>
-            <a:ext cx="7486650" cy="4492625"/>
+            <a:off x="2495550" y="2060577"/>
+            <a:ext cx="7200850" cy="3672680"/>
           </a:xfrm>
         </p:spPr>
         <p:txBody>
           <a:bodyPr>
-            <a:normAutofit fontScale="62500" lnSpcReduction="20000"/>
+            <a:normAutofit fontScale="55000" lnSpcReduction="20000"/>
           </a:bodyPr>
           <a:lstStyle/>
           <a:p>
@@ -15828,13 +15829,13 @@
         </p:nvSpPr>
         <p:spPr>
           <a:xfrm>
-            <a:off x="2495550" y="2060576"/>
-            <a:ext cx="7486650" cy="4492625"/>
+            <a:off x="2495550" y="2060577"/>
+            <a:ext cx="6768802" cy="3456656"/>
           </a:xfrm>
         </p:spPr>
         <p:txBody>
           <a:bodyPr>
-            <a:normAutofit fontScale="70000" lnSpcReduction="20000"/>
+            <a:normAutofit fontScale="55000" lnSpcReduction="20000"/>
           </a:bodyPr>
           <a:lstStyle/>
           <a:p>
@@ -17537,7 +17538,7 @@
         </p:spPr>
         <p:txBody>
           <a:bodyPr>
-            <a:normAutofit fontScale="70000" lnSpcReduction="20000"/>
+            <a:normAutofit fontScale="62500" lnSpcReduction="20000"/>
           </a:bodyPr>
           <a:lstStyle/>
           <a:p>
@@ -17547,71 +17548,122 @@
               </a:lnSpc>
             </a:pPr>
             <a:r>
-              <a:rPr lang="zh-CN" altLang="en-US" sz="2000" dirty="0"/>
+              <a:rPr lang="zh-CN" altLang="en-US" sz="2000" dirty="0">
+                <a:latin typeface="Courier New" panose="02070309020205020404" pitchFamily="49" charset="0"/>
+                <a:cs typeface="Courier New" panose="02070309020205020404" pitchFamily="49" charset="0"/>
+              </a:rPr>
               <a:t>定义</a:t>
             </a:r>
             <a:r>
-              <a:rPr lang="en-US" altLang="zh-CN" sz="2000" dirty="0"/>
+              <a:rPr lang="en-US" altLang="zh-CN" sz="2000" dirty="0">
+                <a:latin typeface="Courier New" panose="02070309020205020404" pitchFamily="49" charset="0"/>
+                <a:cs typeface="Courier New" panose="02070309020205020404" pitchFamily="49" charset="0"/>
+              </a:rPr>
               <a:t>S</a:t>
             </a:r>
             <a:r>
-              <a:rPr lang="zh-CN" altLang="en-US" sz="2000" dirty="0"/>
+              <a:rPr lang="zh-CN" altLang="en-US" sz="2000" dirty="0">
+                <a:latin typeface="Courier New" panose="02070309020205020404" pitchFamily="49" charset="0"/>
+                <a:cs typeface="Courier New" panose="02070309020205020404" pitchFamily="49" charset="0"/>
+              </a:rPr>
               <a:t>的子集</a:t>
             </a:r>
             <a:r>
-              <a:rPr lang="en-US" altLang="zh-CN" sz="2000" dirty="0"/>
+              <a:rPr lang="en-US" altLang="zh-CN" sz="2000" dirty="0">
+                <a:latin typeface="Courier New" panose="02070309020205020404" pitchFamily="49" charset="0"/>
+                <a:cs typeface="Courier New" panose="02070309020205020404" pitchFamily="49" charset="0"/>
+              </a:rPr>
               <a:t>A</a:t>
             </a:r>
             <a:r>
-              <a:rPr lang="zh-CN" altLang="en-US" sz="2000" dirty="0"/>
+              <a:rPr lang="zh-CN" altLang="en-US" sz="2000" dirty="0">
+                <a:latin typeface="Courier New" panose="02070309020205020404" pitchFamily="49" charset="0"/>
+                <a:cs typeface="Courier New" panose="02070309020205020404" pitchFamily="49" charset="0"/>
+              </a:rPr>
               <a:t>，若</a:t>
             </a:r>
             <a:r>
-              <a:rPr lang="en-US" altLang="zh-CN" sz="2000" dirty="0"/>
+              <a:rPr lang="en-US" altLang="zh-CN" sz="2000" dirty="0">
+                <a:latin typeface="Courier New" panose="02070309020205020404" pitchFamily="49" charset="0"/>
+                <a:cs typeface="Courier New" panose="02070309020205020404" pitchFamily="49" charset="0"/>
+              </a:rPr>
               <a:t>A</a:t>
             </a:r>
             <a:r>
-              <a:rPr lang="zh-CN" altLang="en-US" sz="2000" dirty="0"/>
+              <a:rPr lang="zh-CN" altLang="en-US" sz="2000" dirty="0">
+                <a:latin typeface="Courier New" panose="02070309020205020404" pitchFamily="49" charset="0"/>
+                <a:cs typeface="Courier New" panose="02070309020205020404" pitchFamily="49" charset="0"/>
+              </a:rPr>
               <a:t>中的所有任务都是及时任务，则称</a:t>
             </a:r>
             <a:r>
-              <a:rPr lang="en-US" altLang="zh-CN" sz="2000" dirty="0"/>
+              <a:rPr lang="en-US" altLang="zh-CN" sz="2000" dirty="0">
+                <a:latin typeface="Courier New" panose="02070309020205020404" pitchFamily="49" charset="0"/>
+                <a:cs typeface="Courier New" panose="02070309020205020404" pitchFamily="49" charset="0"/>
+              </a:rPr>
               <a:t>A</a:t>
             </a:r>
             <a:r>
-              <a:rPr lang="zh-CN" altLang="en-US" sz="2000" dirty="0"/>
+              <a:rPr lang="zh-CN" altLang="en-US" sz="2000" dirty="0">
+                <a:latin typeface="Courier New" panose="02070309020205020404" pitchFamily="49" charset="0"/>
+                <a:cs typeface="Courier New" panose="02070309020205020404" pitchFamily="49" charset="0"/>
+              </a:rPr>
               <a:t>为</a:t>
             </a:r>
             <a:r>
-              <a:rPr lang="en-US" altLang="zh-CN" sz="2000" dirty="0"/>
+              <a:rPr lang="en-US" altLang="zh-CN" sz="2000" dirty="0">
+                <a:latin typeface="Courier New" panose="02070309020205020404" pitchFamily="49" charset="0"/>
+                <a:cs typeface="Courier New" panose="02070309020205020404" pitchFamily="49" charset="0"/>
+              </a:rPr>
               <a:t>S</a:t>
             </a:r>
             <a:r>
-              <a:rPr lang="zh-CN" altLang="en-US" sz="2000" dirty="0"/>
+              <a:rPr lang="zh-CN" altLang="en-US" sz="2000" dirty="0">
+                <a:latin typeface="Courier New" panose="02070309020205020404" pitchFamily="49" charset="0"/>
+                <a:cs typeface="Courier New" panose="02070309020205020404" pitchFamily="49" charset="0"/>
+              </a:rPr>
               <a:t>的一个独立任务子集；显然</a:t>
             </a:r>
             <a:r>
-              <a:rPr lang="en-US" altLang="zh-CN" sz="2000" dirty="0"/>
+              <a:rPr lang="en-US" altLang="zh-CN" sz="2000" dirty="0">
+                <a:latin typeface="Courier New" panose="02070309020205020404" pitchFamily="49" charset="0"/>
+                <a:cs typeface="Courier New" panose="02070309020205020404" pitchFamily="49" charset="0"/>
+              </a:rPr>
               <a:t>A</a:t>
             </a:r>
             <a:r>
-              <a:rPr lang="zh-CN" altLang="en-US" sz="2000" dirty="0"/>
+              <a:rPr lang="zh-CN" altLang="en-US" sz="2000" dirty="0">
+                <a:latin typeface="Courier New" panose="02070309020205020404" pitchFamily="49" charset="0"/>
+                <a:cs typeface="Courier New" panose="02070309020205020404" pitchFamily="49" charset="0"/>
+              </a:rPr>
               <a:t>是具有遗传性质的独立子集；定义</a:t>
             </a:r>
             <a:r>
-              <a:rPr lang="en-US" altLang="zh-CN" sz="2000" dirty="0"/>
+              <a:rPr lang="en-US" altLang="zh-CN" sz="2000" dirty="0">
+                <a:latin typeface="Courier New" panose="02070309020205020404" pitchFamily="49" charset="0"/>
+                <a:cs typeface="Courier New" panose="02070309020205020404" pitchFamily="49" charset="0"/>
+              </a:rPr>
               <a:t>I</a:t>
             </a:r>
             <a:r>
-              <a:rPr lang="zh-CN" altLang="en-US" sz="2000" dirty="0"/>
+              <a:rPr lang="zh-CN" altLang="en-US" sz="2000" dirty="0">
+                <a:latin typeface="Courier New" panose="02070309020205020404" pitchFamily="49" charset="0"/>
+                <a:cs typeface="Courier New" panose="02070309020205020404" pitchFamily="49" charset="0"/>
+              </a:rPr>
               <a:t>为</a:t>
             </a:r>
             <a:r>
-              <a:rPr lang="en-US" altLang="zh-CN" sz="2000" dirty="0"/>
+              <a:rPr lang="en-US" altLang="zh-CN" sz="2000" dirty="0">
+                <a:latin typeface="Courier New" panose="02070309020205020404" pitchFamily="49" charset="0"/>
+                <a:cs typeface="Courier New" panose="02070309020205020404" pitchFamily="49" charset="0"/>
+              </a:rPr>
               <a:t>S</a:t>
             </a:r>
             <a:r>
-              <a:rPr lang="zh-CN" altLang="en-US" sz="2000" dirty="0"/>
+              <a:rPr lang="zh-CN" altLang="en-US" sz="2000" dirty="0">
+                <a:latin typeface="Courier New" panose="02070309020205020404" pitchFamily="49" charset="0"/>
+                <a:cs typeface="Courier New" panose="02070309020205020404" pitchFamily="49" charset="0"/>
+              </a:rPr>
               <a:t>的所有独立子集的集合；</a:t>
             </a:r>
           </a:p>
@@ -17622,108 +17674,189 @@
               </a:lnSpc>
             </a:pPr>
             <a:r>
-              <a:rPr lang="zh-CN" altLang="en-US" sz="2000" dirty="0"/>
+              <a:rPr lang="zh-CN" altLang="en-US" sz="2000" dirty="0">
+                <a:latin typeface="Courier New" panose="02070309020205020404" pitchFamily="49" charset="0"/>
+                <a:cs typeface="Courier New" panose="02070309020205020404" pitchFamily="49" charset="0"/>
+              </a:rPr>
               <a:t>①若</a:t>
             </a:r>
             <a:r>
-              <a:rPr lang="en-US" altLang="zh-CN" sz="2000" dirty="0"/>
+              <a:rPr lang="en-US" altLang="zh-CN" sz="2000" dirty="0">
+                <a:latin typeface="Courier New" panose="02070309020205020404" pitchFamily="49" charset="0"/>
+                <a:cs typeface="Courier New" panose="02070309020205020404" pitchFamily="49" charset="0"/>
+              </a:rPr>
               <a:t>A</a:t>
             </a:r>
             <a:r>
-              <a:rPr lang="zh-CN" altLang="en-US" sz="2000" dirty="0"/>
+              <a:rPr lang="zh-CN" altLang="en-US" sz="2000" dirty="0">
+                <a:latin typeface="Courier New" panose="02070309020205020404" pitchFamily="49" charset="0"/>
+                <a:cs typeface="Courier New" panose="02070309020205020404" pitchFamily="49" charset="0"/>
+              </a:rPr>
               <a:t>是独立子集，则</a:t>
             </a:r>
             <a:r>
-              <a:rPr lang="en-US" altLang="zh-CN" sz="2000" dirty="0"/>
+              <a:rPr lang="en-US" altLang="zh-CN" sz="2000" dirty="0">
+                <a:latin typeface="Courier New" panose="02070309020205020404" pitchFamily="49" charset="0"/>
+                <a:cs typeface="Courier New" panose="02070309020205020404" pitchFamily="49" charset="0"/>
+              </a:rPr>
               <a:t>A</a:t>
             </a:r>
             <a:r>
-              <a:rPr lang="zh-CN" altLang="en-US" sz="2000" dirty="0"/>
+              <a:rPr lang="zh-CN" altLang="en-US" sz="2000" dirty="0">
+                <a:latin typeface="Courier New" panose="02070309020205020404" pitchFamily="49" charset="0"/>
+                <a:cs typeface="Courier New" panose="02070309020205020404" pitchFamily="49" charset="0"/>
+              </a:rPr>
               <a:t>中在时间</a:t>
             </a:r>
             <a:r>
-              <a:rPr lang="en-US" altLang="zh-CN" sz="2000" dirty="0"/>
+              <a:rPr lang="en-US" altLang="zh-CN" sz="2000" dirty="0">
+                <a:latin typeface="Courier New" panose="02070309020205020404" pitchFamily="49" charset="0"/>
+                <a:cs typeface="Courier New" panose="02070309020205020404" pitchFamily="49" charset="0"/>
+              </a:rPr>
               <a:t>t</a:t>
             </a:r>
             <a:r>
-              <a:rPr lang="zh-CN" altLang="en-US" sz="2000" dirty="0"/>
+              <a:rPr lang="zh-CN" altLang="en-US" sz="2000" dirty="0">
+                <a:latin typeface="Courier New" panose="02070309020205020404" pitchFamily="49" charset="0"/>
+                <a:cs typeface="Courier New" panose="02070309020205020404" pitchFamily="49" charset="0"/>
+              </a:rPr>
               <a:t>之前必须完成的任务必不超过</a:t>
             </a:r>
             <a:r>
-              <a:rPr lang="en-US" altLang="zh-CN" sz="2000" dirty="0"/>
+              <a:rPr lang="en-US" altLang="zh-CN" sz="2000" dirty="0">
+                <a:latin typeface="Courier New" panose="02070309020205020404" pitchFamily="49" charset="0"/>
+                <a:cs typeface="Courier New" panose="02070309020205020404" pitchFamily="49" charset="0"/>
+              </a:rPr>
               <a:t>t</a:t>
             </a:r>
             <a:r>
-              <a:rPr lang="zh-CN" altLang="en-US" sz="2000" dirty="0"/>
+              <a:rPr lang="zh-CN" altLang="en-US" sz="2000" dirty="0">
+                <a:latin typeface="Courier New" panose="02070309020205020404" pitchFamily="49" charset="0"/>
+                <a:cs typeface="Courier New" panose="02070309020205020404" pitchFamily="49" charset="0"/>
+              </a:rPr>
               <a:t>个；</a:t>
             </a:r>
             <a:br>
-              <a:rPr lang="zh-CN" altLang="en-US" sz="2000" dirty="0"/>
+              <a:rPr lang="zh-CN" altLang="en-US" sz="2000" dirty="0">
+                <a:latin typeface="Courier New" panose="02070309020205020404" pitchFamily="49" charset="0"/>
+                <a:cs typeface="Courier New" panose="02070309020205020404" pitchFamily="49" charset="0"/>
+              </a:rPr>
             </a:br>
             <a:r>
-              <a:rPr lang="zh-CN" altLang="en-US" sz="2000" dirty="0"/>
+              <a:rPr lang="zh-CN" altLang="en-US" sz="2000" dirty="0">
+                <a:latin typeface="Courier New" panose="02070309020205020404" pitchFamily="49" charset="0"/>
+                <a:cs typeface="Courier New" panose="02070309020205020404" pitchFamily="49" charset="0"/>
+              </a:rPr>
               <a:t>②若</a:t>
             </a:r>
             <a:r>
-              <a:rPr lang="en-US" altLang="zh-CN" sz="2000" dirty="0"/>
+              <a:rPr lang="en-US" altLang="zh-CN" sz="2000" dirty="0">
+                <a:latin typeface="Courier New" panose="02070309020205020404" pitchFamily="49" charset="0"/>
+                <a:cs typeface="Courier New" panose="02070309020205020404" pitchFamily="49" charset="0"/>
+              </a:rPr>
               <a:t>A</a:t>
             </a:r>
             <a:r>
-              <a:rPr lang="zh-CN" altLang="en-US" sz="2000" dirty="0"/>
+              <a:rPr lang="zh-CN" altLang="en-US" sz="2000" dirty="0">
+                <a:latin typeface="Courier New" panose="02070309020205020404" pitchFamily="49" charset="0"/>
+                <a:cs typeface="Courier New" panose="02070309020205020404" pitchFamily="49" charset="0"/>
+              </a:rPr>
               <a:t>在时间</a:t>
             </a:r>
             <a:r>
-              <a:rPr lang="en-US" altLang="zh-CN" sz="2000" dirty="0"/>
+              <a:rPr lang="en-US" altLang="zh-CN" sz="2000" dirty="0">
+                <a:latin typeface="Courier New" panose="02070309020205020404" pitchFamily="49" charset="0"/>
+                <a:cs typeface="Courier New" panose="02070309020205020404" pitchFamily="49" charset="0"/>
+              </a:rPr>
               <a:t>t</a:t>
             </a:r>
             <a:r>
-              <a:rPr lang="zh-CN" altLang="en-US" sz="2000" dirty="0"/>
+              <a:rPr lang="zh-CN" altLang="en-US" sz="2000" dirty="0">
+                <a:latin typeface="Courier New" panose="02070309020205020404" pitchFamily="49" charset="0"/>
+                <a:cs typeface="Courier New" panose="02070309020205020404" pitchFamily="49" charset="0"/>
+              </a:rPr>
               <a:t>之前必须完成的任务不超过</a:t>
             </a:r>
             <a:r>
-              <a:rPr lang="en-US" altLang="zh-CN" sz="2000" dirty="0"/>
+              <a:rPr lang="en-US" altLang="zh-CN" sz="2000" dirty="0">
+                <a:latin typeface="Courier New" panose="02070309020205020404" pitchFamily="49" charset="0"/>
+                <a:cs typeface="Courier New" panose="02070309020205020404" pitchFamily="49" charset="0"/>
+              </a:rPr>
               <a:t>t</a:t>
             </a:r>
             <a:r>
-              <a:rPr lang="zh-CN" altLang="en-US" sz="2000" dirty="0"/>
+              <a:rPr lang="zh-CN" altLang="en-US" sz="2000" dirty="0">
+                <a:latin typeface="Courier New" panose="02070309020205020404" pitchFamily="49" charset="0"/>
+                <a:cs typeface="Courier New" panose="02070309020205020404" pitchFamily="49" charset="0"/>
+              </a:rPr>
               <a:t>个，则</a:t>
             </a:r>
             <a:r>
-              <a:rPr lang="en-US" altLang="zh-CN" sz="2000" dirty="0"/>
+              <a:rPr lang="en-US" altLang="zh-CN" sz="2000" dirty="0">
+                <a:latin typeface="Courier New" panose="02070309020205020404" pitchFamily="49" charset="0"/>
+                <a:cs typeface="Courier New" panose="02070309020205020404" pitchFamily="49" charset="0"/>
+              </a:rPr>
               <a:t>A</a:t>
             </a:r>
             <a:r>
-              <a:rPr lang="zh-CN" altLang="en-US" sz="2000" dirty="0"/>
+              <a:rPr lang="zh-CN" altLang="en-US" sz="2000" dirty="0">
+                <a:latin typeface="Courier New" panose="02070309020205020404" pitchFamily="49" charset="0"/>
+                <a:cs typeface="Courier New" panose="02070309020205020404" pitchFamily="49" charset="0"/>
+              </a:rPr>
               <a:t>中的任务按完成时间排序后，所有任务都是及时的；</a:t>
             </a:r>
             <a:br>
-              <a:rPr lang="zh-CN" altLang="en-US" sz="2000" dirty="0"/>
+              <a:rPr lang="zh-CN" altLang="en-US" sz="2000" dirty="0">
+                <a:latin typeface="Courier New" panose="02070309020205020404" pitchFamily="49" charset="0"/>
+                <a:cs typeface="Courier New" panose="02070309020205020404" pitchFamily="49" charset="0"/>
+              </a:rPr>
             </a:br>
             <a:r>
-              <a:rPr lang="zh-CN" altLang="en-US" sz="2000" dirty="0"/>
+              <a:rPr lang="zh-CN" altLang="en-US" sz="2000" dirty="0">
+                <a:latin typeface="Courier New" panose="02070309020205020404" pitchFamily="49" charset="0"/>
+                <a:cs typeface="Courier New" panose="02070309020205020404" pitchFamily="49" charset="0"/>
+              </a:rPr>
               <a:t>③若</a:t>
             </a:r>
             <a:r>
-              <a:rPr lang="en-US" altLang="zh-CN" sz="2000" dirty="0"/>
+              <a:rPr lang="en-US" altLang="zh-CN" sz="2000" dirty="0">
+                <a:latin typeface="Courier New" panose="02070309020205020404" pitchFamily="49" charset="0"/>
+                <a:cs typeface="Courier New" panose="02070309020205020404" pitchFamily="49" charset="0"/>
+              </a:rPr>
               <a:t>A</a:t>
             </a:r>
             <a:r>
-              <a:rPr lang="zh-CN" altLang="en-US" sz="2000" dirty="0"/>
+              <a:rPr lang="zh-CN" altLang="en-US" sz="2000" dirty="0">
+                <a:latin typeface="Courier New" panose="02070309020205020404" pitchFamily="49" charset="0"/>
+                <a:cs typeface="Courier New" panose="02070309020205020404" pitchFamily="49" charset="0"/>
+              </a:rPr>
               <a:t>中的所有任务都是及时的，则</a:t>
             </a:r>
             <a:r>
-              <a:rPr lang="en-US" altLang="zh-CN" sz="2000" dirty="0"/>
+              <a:rPr lang="en-US" altLang="zh-CN" sz="2000" dirty="0">
+                <a:latin typeface="Courier New" panose="02070309020205020404" pitchFamily="49" charset="0"/>
+                <a:cs typeface="Courier New" panose="02070309020205020404" pitchFamily="49" charset="0"/>
+              </a:rPr>
               <a:t>A</a:t>
             </a:r>
             <a:r>
-              <a:rPr lang="zh-CN" altLang="en-US" sz="2000" dirty="0"/>
+              <a:rPr lang="zh-CN" altLang="en-US" sz="2000" dirty="0">
+                <a:latin typeface="Courier New" panose="02070309020205020404" pitchFamily="49" charset="0"/>
+                <a:cs typeface="Courier New" panose="02070309020205020404" pitchFamily="49" charset="0"/>
+              </a:rPr>
               <a:t>是独立子集；</a:t>
             </a:r>
             <a:br>
-              <a:rPr lang="zh-CN" altLang="en-US" sz="2000" dirty="0"/>
+              <a:rPr lang="zh-CN" altLang="en-US" sz="2000" dirty="0">
+                <a:latin typeface="Courier New" panose="02070309020205020404" pitchFamily="49" charset="0"/>
+                <a:cs typeface="Courier New" panose="02070309020205020404" pitchFamily="49" charset="0"/>
+              </a:rPr>
             </a:br>
             <a:r>
-              <a:rPr lang="zh-CN" altLang="en-US" sz="2000" dirty="0"/>
+              <a:rPr lang="zh-CN" altLang="en-US" sz="2000" dirty="0">
+                <a:latin typeface="Courier New" panose="02070309020205020404" pitchFamily="49" charset="0"/>
+                <a:cs typeface="Courier New" panose="02070309020205020404" pitchFamily="49" charset="0"/>
+              </a:rPr>
               <a:t>即①②③是等价的；</a:t>
             </a:r>
           </a:p>
@@ -17734,7 +17867,10 @@
               </a:lnSpc>
             </a:pPr>
             <a:r>
-              <a:rPr lang="zh-CN" altLang="en-US" sz="2000" dirty="0"/>
+              <a:rPr lang="zh-CN" altLang="en-US" sz="2000" dirty="0">
+                <a:latin typeface="Courier New" panose="02070309020205020404" pitchFamily="49" charset="0"/>
+                <a:cs typeface="Courier New" panose="02070309020205020404" pitchFamily="49" charset="0"/>
+              </a:rPr>
               <a:t>由此可以根据②来判断一个子集是否是独立子集；</a:t>
             </a:r>
           </a:p>
@@ -17745,15 +17881,24 @@
               </a:lnSpc>
             </a:pPr>
             <a:r>
-              <a:rPr lang="zh-CN" altLang="en-US" sz="2000" dirty="0"/>
+              <a:rPr lang="zh-CN" altLang="en-US" sz="2000" dirty="0">
+                <a:latin typeface="Courier New" panose="02070309020205020404" pitchFamily="49" charset="0"/>
+                <a:cs typeface="Courier New" panose="02070309020205020404" pitchFamily="49" charset="0"/>
+              </a:rPr>
               <a:t>要使误时任务的惩罚最小，相当于使及时任务的惩罚最大，因此问题相当于确定一个具有最大总惩罚的独立任务子集</a:t>
             </a:r>
             <a:r>
-              <a:rPr lang="en-US" altLang="zh-CN" sz="2000" dirty="0"/>
+              <a:rPr lang="en-US" altLang="zh-CN" sz="2000" dirty="0">
+                <a:latin typeface="Courier New" panose="02070309020205020404" pitchFamily="49" charset="0"/>
+                <a:cs typeface="Courier New" panose="02070309020205020404" pitchFamily="49" charset="0"/>
+              </a:rPr>
               <a:t>A</a:t>
             </a:r>
             <a:r>
-              <a:rPr lang="zh-CN" altLang="en-US" sz="2000" dirty="0"/>
+              <a:rPr lang="zh-CN" altLang="en-US" sz="2000" dirty="0">
+                <a:latin typeface="Courier New" panose="02070309020205020404" pitchFamily="49" charset="0"/>
+                <a:cs typeface="Courier New" panose="02070309020205020404" pitchFamily="49" charset="0"/>
+              </a:rPr>
               <a:t>；</a:t>
             </a:r>
           </a:p>
@@ -17843,114 +17988,189 @@
           <a:p>
             <a:pPr eaLnBrk="1" hangingPunct="1"/>
             <a:r>
-              <a:rPr lang="zh-CN" altLang="en-US" sz="1800" dirty="0"/>
+              <a:rPr lang="zh-CN" altLang="en-US" sz="1800" dirty="0">
+                <a:latin typeface="Courier New" panose="02070309020205020404" pitchFamily="49" charset="0"/>
+                <a:cs typeface="Courier New" panose="02070309020205020404" pitchFamily="49" charset="0"/>
+              </a:rPr>
               <a:t>按照拟阵贪心算法，首先按各任务的惩罚值从大到小进行排序；</a:t>
             </a:r>
           </a:p>
           <a:p>
             <a:pPr eaLnBrk="1" hangingPunct="1"/>
             <a:r>
-              <a:rPr lang="zh-CN" altLang="en-US" sz="1800" dirty="0"/>
+              <a:rPr lang="zh-CN" altLang="en-US" sz="1800" dirty="0">
+                <a:latin typeface="Courier New" panose="02070309020205020404" pitchFamily="49" charset="0"/>
+                <a:cs typeface="Courier New" panose="02070309020205020404" pitchFamily="49" charset="0"/>
+              </a:rPr>
               <a:t>初始化</a:t>
             </a:r>
             <a:r>
-              <a:rPr lang="en-US" altLang="zh-CN" sz="1800" dirty="0"/>
+              <a:rPr lang="en-US" altLang="zh-CN" sz="1800" dirty="0">
+                <a:latin typeface="Courier New" panose="02070309020205020404" pitchFamily="49" charset="0"/>
+                <a:cs typeface="Courier New" panose="02070309020205020404" pitchFamily="49" charset="0"/>
+              </a:rPr>
               <a:t>A</a:t>
             </a:r>
             <a:r>
-              <a:rPr lang="zh-CN" altLang="en-US" sz="1800" dirty="0"/>
+              <a:rPr lang="zh-CN" altLang="en-US" sz="1800" dirty="0">
+                <a:latin typeface="Courier New" panose="02070309020205020404" pitchFamily="49" charset="0"/>
+                <a:cs typeface="Courier New" panose="02070309020205020404" pitchFamily="49" charset="0"/>
+              </a:rPr>
               <a:t>为空集；</a:t>
             </a:r>
           </a:p>
           <a:p>
             <a:pPr eaLnBrk="1" hangingPunct="1"/>
             <a:r>
-              <a:rPr lang="zh-CN" altLang="en-US" sz="1800" dirty="0"/>
+              <a:rPr lang="zh-CN" altLang="en-US" sz="1800" dirty="0">
+                <a:latin typeface="Courier New" panose="02070309020205020404" pitchFamily="49" charset="0"/>
+                <a:cs typeface="Courier New" panose="02070309020205020404" pitchFamily="49" charset="0"/>
+              </a:rPr>
               <a:t>依次扫描所有的任务</a:t>
             </a:r>
             <a:r>
-              <a:rPr lang="en-US" altLang="zh-CN" sz="1800" dirty="0"/>
+              <a:rPr lang="en-US" altLang="zh-CN" sz="1800" dirty="0">
+                <a:latin typeface="Courier New" panose="02070309020205020404" pitchFamily="49" charset="0"/>
+                <a:cs typeface="Courier New" panose="02070309020205020404" pitchFamily="49" charset="0"/>
+              </a:rPr>
               <a:t>i</a:t>
             </a:r>
             <a:r>
-              <a:rPr lang="zh-CN" altLang="en-US" sz="1800" dirty="0"/>
+              <a:rPr lang="zh-CN" altLang="en-US" sz="1800" dirty="0">
+                <a:latin typeface="Courier New" panose="02070309020205020404" pitchFamily="49" charset="0"/>
+                <a:cs typeface="Courier New" panose="02070309020205020404" pitchFamily="49" charset="0"/>
+              </a:rPr>
               <a:t>：</a:t>
             </a:r>
             <a:br>
-              <a:rPr lang="zh-CN" altLang="en-US" sz="1800" dirty="0"/>
+              <a:rPr lang="zh-CN" altLang="en-US" sz="1800" dirty="0">
+                <a:latin typeface="Courier New" panose="02070309020205020404" pitchFamily="49" charset="0"/>
+                <a:cs typeface="Courier New" panose="02070309020205020404" pitchFamily="49" charset="0"/>
+              </a:rPr>
             </a:br>
             <a:r>
-              <a:rPr lang="zh-CN" altLang="en-US" sz="1800" dirty="0"/>
+              <a:rPr lang="zh-CN" altLang="en-US" sz="1800" dirty="0">
+                <a:latin typeface="Courier New" panose="02070309020205020404" pitchFamily="49" charset="0"/>
+                <a:cs typeface="Courier New" panose="02070309020205020404" pitchFamily="49" charset="0"/>
+              </a:rPr>
               <a:t>若任务</a:t>
             </a:r>
             <a:r>
-              <a:rPr lang="en-US" altLang="zh-CN" sz="1800" dirty="0"/>
+              <a:rPr lang="en-US" altLang="zh-CN" sz="1800" dirty="0">
+                <a:latin typeface="Courier New" panose="02070309020205020404" pitchFamily="49" charset="0"/>
+                <a:cs typeface="Courier New" panose="02070309020205020404" pitchFamily="49" charset="0"/>
+              </a:rPr>
               <a:t>i</a:t>
             </a:r>
             <a:r>
-              <a:rPr lang="zh-CN" altLang="en-US" sz="1800" dirty="0"/>
+              <a:rPr lang="zh-CN" altLang="en-US" sz="1800" dirty="0">
+                <a:latin typeface="Courier New" panose="02070309020205020404" pitchFamily="49" charset="0"/>
+                <a:cs typeface="Courier New" panose="02070309020205020404" pitchFamily="49" charset="0"/>
+              </a:rPr>
               <a:t>加入</a:t>
             </a:r>
             <a:r>
-              <a:rPr lang="en-US" altLang="zh-CN" sz="1800" dirty="0"/>
+              <a:rPr lang="en-US" altLang="zh-CN" sz="1800" dirty="0">
+                <a:latin typeface="Courier New" panose="02070309020205020404" pitchFamily="49" charset="0"/>
+                <a:cs typeface="Courier New" panose="02070309020205020404" pitchFamily="49" charset="0"/>
+              </a:rPr>
               <a:t>A</a:t>
             </a:r>
             <a:r>
-              <a:rPr lang="zh-CN" altLang="en-US" sz="1800" dirty="0"/>
+              <a:rPr lang="zh-CN" altLang="en-US" sz="1800" dirty="0">
+                <a:latin typeface="Courier New" panose="02070309020205020404" pitchFamily="49" charset="0"/>
+                <a:cs typeface="Courier New" panose="02070309020205020404" pitchFamily="49" charset="0"/>
+              </a:rPr>
               <a:t>中，仍能构成独立子集（可以及时完成），则将任务</a:t>
             </a:r>
             <a:r>
-              <a:rPr lang="en-US" altLang="zh-CN" sz="1800" dirty="0"/>
+              <a:rPr lang="en-US" altLang="zh-CN" sz="1800" dirty="0">
+                <a:latin typeface="Courier New" panose="02070309020205020404" pitchFamily="49" charset="0"/>
+                <a:cs typeface="Courier New" panose="02070309020205020404" pitchFamily="49" charset="0"/>
+              </a:rPr>
               <a:t>i</a:t>
             </a:r>
             <a:r>
-              <a:rPr lang="zh-CN" altLang="en-US" sz="1800" dirty="0"/>
+              <a:rPr lang="zh-CN" altLang="en-US" sz="1800" dirty="0">
+                <a:latin typeface="Courier New" panose="02070309020205020404" pitchFamily="49" charset="0"/>
+                <a:cs typeface="Courier New" panose="02070309020205020404" pitchFamily="49" charset="0"/>
+              </a:rPr>
               <a:t>并入</a:t>
             </a:r>
             <a:r>
-              <a:rPr lang="en-US" altLang="zh-CN" sz="1800" dirty="0"/>
+              <a:rPr lang="en-US" altLang="zh-CN" sz="1800" dirty="0">
+                <a:latin typeface="Courier New" panose="02070309020205020404" pitchFamily="49" charset="0"/>
+                <a:cs typeface="Courier New" panose="02070309020205020404" pitchFamily="49" charset="0"/>
+              </a:rPr>
               <a:t>A</a:t>
             </a:r>
             <a:r>
-              <a:rPr lang="zh-CN" altLang="en-US" sz="1800" dirty="0"/>
+              <a:rPr lang="zh-CN" altLang="en-US" sz="1800" dirty="0">
+                <a:latin typeface="Courier New" panose="02070309020205020404" pitchFamily="49" charset="0"/>
+                <a:cs typeface="Courier New" panose="02070309020205020404" pitchFamily="49" charset="0"/>
+              </a:rPr>
               <a:t>中，否则暂时放弃该任务（列为 误时任务）；</a:t>
             </a:r>
           </a:p>
           <a:p>
             <a:pPr eaLnBrk="1" hangingPunct="1"/>
             <a:r>
-              <a:rPr lang="zh-CN" altLang="en-US" sz="1800" dirty="0"/>
+              <a:rPr lang="zh-CN" altLang="en-US" sz="1800" dirty="0">
+                <a:latin typeface="Courier New" panose="02070309020205020404" pitchFamily="49" charset="0"/>
+                <a:cs typeface="Courier New" panose="02070309020205020404" pitchFamily="49" charset="0"/>
+              </a:rPr>
               <a:t>将</a:t>
             </a:r>
             <a:r>
-              <a:rPr lang="en-US" altLang="zh-CN" sz="1800" dirty="0"/>
+              <a:rPr lang="en-US" altLang="zh-CN" sz="1800" dirty="0">
+                <a:latin typeface="Courier New" panose="02070309020205020404" pitchFamily="49" charset="0"/>
+                <a:cs typeface="Courier New" panose="02070309020205020404" pitchFamily="49" charset="0"/>
+              </a:rPr>
               <a:t>A</a:t>
             </a:r>
             <a:r>
-              <a:rPr lang="zh-CN" altLang="en-US" sz="1800" dirty="0"/>
+              <a:rPr lang="zh-CN" altLang="en-US" sz="1800" dirty="0">
+                <a:latin typeface="Courier New" panose="02070309020205020404" pitchFamily="49" charset="0"/>
+                <a:cs typeface="Courier New" panose="02070309020205020404" pitchFamily="49" charset="0"/>
+              </a:rPr>
               <a:t>中的任务按完成时间排序，再排列上所有的误时任务，即得到任务时间表；</a:t>
             </a:r>
           </a:p>
           <a:p>
             <a:pPr eaLnBrk="1" hangingPunct="1"/>
             <a:r>
-              <a:rPr lang="zh-CN" altLang="en-US" sz="1800" dirty="0"/>
+              <a:rPr lang="zh-CN" altLang="en-US" sz="1800" dirty="0">
+                <a:latin typeface="Courier New" panose="02070309020205020404" pitchFamily="49" charset="0"/>
+                <a:cs typeface="Courier New" panose="02070309020205020404" pitchFamily="49" charset="0"/>
+              </a:rPr>
               <a:t>可通过辅助向量</a:t>
             </a:r>
             <a:r>
-              <a:rPr lang="en-US" altLang="zh-CN" sz="1800" dirty="0"/>
+              <a:rPr lang="en-US" altLang="zh-CN" sz="1800" dirty="0">
+                <a:latin typeface="Courier New" panose="02070309020205020404" pitchFamily="49" charset="0"/>
+                <a:cs typeface="Courier New" panose="02070309020205020404" pitchFamily="49" charset="0"/>
+              </a:rPr>
               <a:t>t</a:t>
             </a:r>
             <a:r>
-              <a:rPr lang="zh-CN" altLang="en-US" sz="1800" dirty="0"/>
+              <a:rPr lang="zh-CN" altLang="en-US" sz="1800" dirty="0">
+                <a:latin typeface="Courier New" panose="02070309020205020404" pitchFamily="49" charset="0"/>
+                <a:cs typeface="Courier New" panose="02070309020205020404" pitchFamily="49" charset="0"/>
+              </a:rPr>
               <a:t>来记录</a:t>
             </a:r>
             <a:r>
-              <a:rPr lang="en-US" altLang="zh-CN" sz="1800" dirty="0"/>
+              <a:rPr lang="en-US" altLang="zh-CN" sz="1800" dirty="0">
+                <a:latin typeface="Courier New" panose="02070309020205020404" pitchFamily="49" charset="0"/>
+                <a:cs typeface="Courier New" panose="02070309020205020404" pitchFamily="49" charset="0"/>
+              </a:rPr>
               <a:t>A</a:t>
             </a:r>
             <a:r>
-              <a:rPr lang="zh-CN" altLang="en-US" sz="1800" dirty="0"/>
+              <a:rPr lang="zh-CN" altLang="en-US" sz="1800" dirty="0">
+                <a:latin typeface="Courier New" panose="02070309020205020404" pitchFamily="49" charset="0"/>
+                <a:cs typeface="Courier New" panose="02070309020205020404" pitchFamily="49" charset="0"/>
+              </a:rPr>
               <a:t>中每个任务可容忍插队的任务数来判断是否可以有新任务加入；</a:t>
             </a:r>
           </a:p>
@@ -23110,6 +23330,5424 @@
 </p:sld>
 </file>
 
+<file path=ppt/slides/slide24.xml><?xml version="1.0" encoding="utf-8"?>
+<p:sld xmlns:a="http://schemas.openxmlformats.org/drawingml/2006/main" xmlns:r="http://schemas.openxmlformats.org/officeDocument/2006/relationships" xmlns:p="http://schemas.openxmlformats.org/presentationml/2006/main">
+  <p:cSld>
+    <p:spTree>
+      <p:nvGrpSpPr>
+        <p:cNvPr id="1" name=""/>
+        <p:cNvGrpSpPr/>
+        <p:nvPr/>
+      </p:nvGrpSpPr>
+      <p:grpSpPr>
+        <a:xfrm>
+          <a:off x="0" y="0"/>
+          <a:ext cx="0" cy="0"/>
+          <a:chOff x="0" y="0"/>
+          <a:chExt cx="0" cy="0"/>
+        </a:xfrm>
+      </p:grpSpPr>
+      <p:sp>
+        <p:nvSpPr>
+          <p:cNvPr id="3" name="矩形 2">
+            <a:extLst>
+              <a:ext uri="{FF2B5EF4-FFF2-40B4-BE49-F238E27FC236}">
+                <a16:creationId xmlns:a16="http://schemas.microsoft.com/office/drawing/2014/main" id="{3F595FA6-458C-49CB-8364-406F00EC4012}"/>
+              </a:ext>
+            </a:extLst>
+          </p:cNvPr>
+          <p:cNvSpPr/>
+          <p:nvPr/>
+        </p:nvSpPr>
+        <p:spPr>
+          <a:xfrm>
+            <a:off x="767408" y="404664"/>
+            <a:ext cx="3048000" cy="1477328"/>
+          </a:xfrm>
+          <a:prstGeom prst="rect">
+            <a:avLst/>
+          </a:prstGeom>
+          <a:effectLst>
+            <a:outerShdw blurRad="50800" dist="38100" dir="2700000" algn="tl" rotWithShape="0">
+              <a:prstClr val="black">
+                <a:alpha val="40000"/>
+              </a:prstClr>
+            </a:outerShdw>
+          </a:effectLst>
+        </p:spPr>
+        <p:style>
+          <a:lnRef idx="2">
+            <a:schemeClr val="dk1"/>
+          </a:lnRef>
+          <a:fillRef idx="1">
+            <a:schemeClr val="lt1"/>
+          </a:fillRef>
+          <a:effectRef idx="0">
+            <a:schemeClr val="dk1"/>
+          </a:effectRef>
+          <a:fontRef idx="minor">
+            <a:schemeClr val="dk1"/>
+          </a:fontRef>
+        </p:style>
+        <p:txBody>
+          <a:bodyPr wrap="square">
+            <a:spAutoFit/>
+          </a:bodyPr>
+          <a:lstStyle/>
+          <a:p>
+            <a:r>
+              <a:rPr lang="en-US" altLang="zh-CN" dirty="0">
+                <a:solidFill>
+                  <a:srgbClr val="0000FF"/>
+                </a:solidFill>
+                <a:latin typeface="Consolas" panose="020B0609020204030204" pitchFamily="49" charset="0"/>
+              </a:rPr>
+              <a:t>struct</a:t>
+            </a:r>
+            <a:r>
+              <a:rPr lang="en-US" altLang="zh-CN" dirty="0">
+                <a:solidFill>
+                  <a:srgbClr val="000000"/>
+                </a:solidFill>
+                <a:latin typeface="Consolas" panose="020B0609020204030204" pitchFamily="49" charset="0"/>
+              </a:rPr>
+              <a:t> Task</a:t>
+            </a:r>
+          </a:p>
+          <a:p>
+            <a:r>
+              <a:rPr lang="en-US" altLang="zh-CN" dirty="0">
+                <a:solidFill>
+                  <a:srgbClr val="000000"/>
+                </a:solidFill>
+                <a:latin typeface="Consolas" panose="020B0609020204030204" pitchFamily="49" charset="0"/>
+              </a:rPr>
+              <a:t>{</a:t>
+            </a:r>
+          </a:p>
+          <a:p>
+            <a:pPr lvl="1"/>
+            <a:r>
+              <a:rPr lang="en-US" altLang="zh-CN" dirty="0">
+                <a:solidFill>
+                  <a:srgbClr val="0000FF"/>
+                </a:solidFill>
+                <a:latin typeface="Consolas" panose="020B0609020204030204" pitchFamily="49" charset="0"/>
+              </a:rPr>
+              <a:t>int</a:t>
+            </a:r>
+            <a:r>
+              <a:rPr lang="en-US" altLang="zh-CN" dirty="0">
+                <a:solidFill>
+                  <a:srgbClr val="000000"/>
+                </a:solidFill>
+                <a:latin typeface="Consolas" panose="020B0609020204030204" pitchFamily="49" charset="0"/>
+              </a:rPr>
+              <a:t> Deadline;</a:t>
+            </a:r>
+          </a:p>
+          <a:p>
+            <a:pPr lvl="1"/>
+            <a:r>
+              <a:rPr lang="en-US" altLang="zh-CN" dirty="0">
+                <a:solidFill>
+                  <a:srgbClr val="0000FF"/>
+                </a:solidFill>
+                <a:latin typeface="Consolas" panose="020B0609020204030204" pitchFamily="49" charset="0"/>
+              </a:rPr>
+              <a:t>int</a:t>
+            </a:r>
+            <a:r>
+              <a:rPr lang="en-US" altLang="zh-CN" dirty="0">
+                <a:solidFill>
+                  <a:srgbClr val="000000"/>
+                </a:solidFill>
+                <a:latin typeface="Consolas" panose="020B0609020204030204" pitchFamily="49" charset="0"/>
+              </a:rPr>
+              <a:t> Punishment;</a:t>
+            </a:r>
+          </a:p>
+          <a:p>
+            <a:r>
+              <a:rPr lang="en-US" altLang="zh-CN" dirty="0">
+                <a:solidFill>
+                  <a:srgbClr val="000000"/>
+                </a:solidFill>
+                <a:latin typeface="Consolas" panose="020B0609020204030204" pitchFamily="49" charset="0"/>
+              </a:rPr>
+              <a:t>};</a:t>
+            </a:r>
+            <a:endParaRPr lang="en-US" altLang="zh-CN" b="0" dirty="0">
+              <a:solidFill>
+                <a:srgbClr val="000000"/>
+              </a:solidFill>
+              <a:effectLst/>
+              <a:latin typeface="Consolas" panose="020B0609020204030204" pitchFamily="49" charset="0"/>
+            </a:endParaRPr>
+          </a:p>
+        </p:txBody>
+      </p:sp>
+      <p:sp>
+        <p:nvSpPr>
+          <p:cNvPr id="2" name="矩形 1">
+            <a:extLst>
+              <a:ext uri="{FF2B5EF4-FFF2-40B4-BE49-F238E27FC236}">
+                <a16:creationId xmlns:a16="http://schemas.microsoft.com/office/drawing/2014/main" id="{2C987F54-8754-4950-80AD-C33DBE9A2098}"/>
+              </a:ext>
+            </a:extLst>
+          </p:cNvPr>
+          <p:cNvSpPr/>
+          <p:nvPr/>
+        </p:nvSpPr>
+        <p:spPr>
+          <a:xfrm>
+            <a:off x="38100" y="38100"/>
+            <a:ext cx="12106572" cy="6775276"/>
+          </a:xfrm>
+          <a:prstGeom prst="rect">
+            <a:avLst/>
+          </a:prstGeom>
+          <a:effectLst>
+            <a:outerShdw blurRad="50800" dist="38100" dir="2700000" algn="tl" rotWithShape="0">
+              <a:prstClr val="black">
+                <a:alpha val="40000"/>
+              </a:prstClr>
+            </a:outerShdw>
+          </a:effectLst>
+        </p:spPr>
+        <p:style>
+          <a:lnRef idx="2">
+            <a:schemeClr val="dk1"/>
+          </a:lnRef>
+          <a:fillRef idx="1">
+            <a:schemeClr val="lt1"/>
+          </a:fillRef>
+          <a:effectRef idx="0">
+            <a:schemeClr val="dk1"/>
+          </a:effectRef>
+          <a:fontRef idx="minor">
+            <a:schemeClr val="dk1"/>
+          </a:fontRef>
+        </p:style>
+        <p:txBody>
+          <a:bodyPr wrap="square" numCol="2">
+            <a:spAutoFit/>
+          </a:bodyPr>
+          <a:lstStyle/>
+          <a:p>
+            <a:r>
+              <a:rPr lang="en-US" altLang="zh-CN" sz="1050" dirty="0">
+                <a:solidFill>
+                  <a:srgbClr val="000000"/>
+                </a:solidFill>
+                <a:latin typeface="Consolas" panose="020B0609020204030204" pitchFamily="49" charset="0"/>
+              </a:rPr>
+              <a:t>vector&lt;</a:t>
+            </a:r>
+            <a:r>
+              <a:rPr lang="en-US" altLang="zh-CN" sz="1050" dirty="0">
+                <a:solidFill>
+                  <a:srgbClr val="0000FF"/>
+                </a:solidFill>
+                <a:latin typeface="Consolas" panose="020B0609020204030204" pitchFamily="49" charset="0"/>
+              </a:rPr>
+              <a:t>int</a:t>
+            </a:r>
+            <a:r>
+              <a:rPr lang="en-US" altLang="zh-CN" sz="1050" dirty="0">
+                <a:solidFill>
+                  <a:srgbClr val="000000"/>
+                </a:solidFill>
+                <a:latin typeface="Consolas" panose="020B0609020204030204" pitchFamily="49" charset="0"/>
+              </a:rPr>
+              <a:t>&gt; </a:t>
+            </a:r>
+            <a:r>
+              <a:rPr lang="en-US" altLang="zh-CN" sz="1050" dirty="0" err="1">
+                <a:solidFill>
+                  <a:srgbClr val="000000"/>
+                </a:solidFill>
+                <a:latin typeface="Consolas" panose="020B0609020204030204" pitchFamily="49" charset="0"/>
+              </a:rPr>
+              <a:t>GetSchedule</a:t>
+            </a:r>
+            <a:r>
+              <a:rPr lang="en-US" altLang="zh-CN" sz="1050" dirty="0">
+                <a:solidFill>
+                  <a:srgbClr val="000000"/>
+                </a:solidFill>
+                <a:latin typeface="Consolas" panose="020B0609020204030204" pitchFamily="49" charset="0"/>
+              </a:rPr>
+              <a:t>(vector&lt;Task&gt; &amp;</a:t>
+            </a:r>
+            <a:r>
+              <a:rPr lang="en-US" altLang="zh-CN" sz="1050" dirty="0" err="1">
+                <a:solidFill>
+                  <a:srgbClr val="000000"/>
+                </a:solidFill>
+                <a:latin typeface="Consolas" panose="020B0609020204030204" pitchFamily="49" charset="0"/>
+              </a:rPr>
+              <a:t>aTasks</a:t>
+            </a:r>
+            <a:r>
+              <a:rPr lang="en-US" altLang="zh-CN" sz="1050" dirty="0">
+                <a:solidFill>
+                  <a:srgbClr val="000000"/>
+                </a:solidFill>
+                <a:latin typeface="Consolas" panose="020B0609020204030204" pitchFamily="49" charset="0"/>
+              </a:rPr>
+              <a:t>)</a:t>
+            </a:r>
+          </a:p>
+          <a:p>
+            <a:r>
+              <a:rPr lang="en-US" altLang="zh-CN" sz="1050" dirty="0">
+                <a:solidFill>
+                  <a:srgbClr val="000000"/>
+                </a:solidFill>
+                <a:latin typeface="Consolas" panose="020B0609020204030204" pitchFamily="49" charset="0"/>
+              </a:rPr>
+              <a:t>{</a:t>
+            </a:r>
+          </a:p>
+          <a:p>
+            <a:pPr lvl="1"/>
+            <a:r>
+              <a:rPr lang="en-US" altLang="zh-CN" sz="1050" dirty="0">
+                <a:solidFill>
+                  <a:srgbClr val="000000"/>
+                </a:solidFill>
+                <a:latin typeface="Consolas" panose="020B0609020204030204" pitchFamily="49" charset="0"/>
+              </a:rPr>
+              <a:t>vector&lt;</a:t>
+            </a:r>
+            <a:r>
+              <a:rPr lang="en-US" altLang="zh-CN" sz="1050" dirty="0">
+                <a:solidFill>
+                  <a:srgbClr val="0000FF"/>
+                </a:solidFill>
+                <a:latin typeface="Consolas" panose="020B0609020204030204" pitchFamily="49" charset="0"/>
+              </a:rPr>
+              <a:t>int</a:t>
+            </a:r>
+            <a:r>
+              <a:rPr lang="en-US" altLang="zh-CN" sz="1050" dirty="0">
+                <a:solidFill>
+                  <a:srgbClr val="000000"/>
+                </a:solidFill>
+                <a:latin typeface="Consolas" panose="020B0609020204030204" pitchFamily="49" charset="0"/>
+              </a:rPr>
+              <a:t>&gt; </a:t>
+            </a:r>
+            <a:r>
+              <a:rPr lang="en-US" altLang="zh-CN" sz="1050" dirty="0" err="1">
+                <a:solidFill>
+                  <a:srgbClr val="000000"/>
+                </a:solidFill>
+                <a:latin typeface="Consolas" panose="020B0609020204030204" pitchFamily="49" charset="0"/>
+              </a:rPr>
+              <a:t>aSchedule</a:t>
+            </a:r>
+            <a:r>
+              <a:rPr lang="en-US" altLang="zh-CN" sz="1050" dirty="0">
+                <a:solidFill>
+                  <a:srgbClr val="000000"/>
+                </a:solidFill>
+                <a:latin typeface="Consolas" panose="020B0609020204030204" pitchFamily="49" charset="0"/>
+              </a:rPr>
+              <a:t>, </a:t>
+            </a:r>
+            <a:r>
+              <a:rPr lang="en-US" altLang="zh-CN" sz="1050" dirty="0" err="1">
+                <a:solidFill>
+                  <a:srgbClr val="000000"/>
+                </a:solidFill>
+                <a:latin typeface="Consolas" panose="020B0609020204030204" pitchFamily="49" charset="0"/>
+              </a:rPr>
+              <a:t>aDelayedTasks</a:t>
+            </a:r>
+            <a:r>
+              <a:rPr lang="en-US" altLang="zh-CN" sz="1050" dirty="0">
+                <a:solidFill>
+                  <a:srgbClr val="000000"/>
+                </a:solidFill>
+                <a:latin typeface="Consolas" panose="020B0609020204030204" pitchFamily="49" charset="0"/>
+              </a:rPr>
+              <a:t>;</a:t>
+            </a:r>
+          </a:p>
+          <a:p>
+            <a:pPr lvl="1"/>
+            <a:br>
+              <a:rPr lang="en-US" altLang="zh-CN" sz="1050" dirty="0">
+                <a:solidFill>
+                  <a:srgbClr val="000000"/>
+                </a:solidFill>
+                <a:latin typeface="Consolas" panose="020B0609020204030204" pitchFamily="49" charset="0"/>
+              </a:rPr>
+            </a:br>
+            <a:r>
+              <a:rPr lang="en-US" altLang="zh-CN" sz="1050" dirty="0">
+                <a:solidFill>
+                  <a:srgbClr val="008000"/>
+                </a:solidFill>
+                <a:latin typeface="Consolas" panose="020B0609020204030204" pitchFamily="49" charset="0"/>
+              </a:rPr>
+              <a:t>// </a:t>
+            </a:r>
+            <a:r>
+              <a:rPr lang="zh-CN" altLang="en-US" sz="1050" dirty="0">
+                <a:solidFill>
+                  <a:srgbClr val="008000"/>
+                </a:solidFill>
+                <a:latin typeface="Consolas" panose="020B0609020204030204" pitchFamily="49" charset="0"/>
+              </a:rPr>
+              <a:t>任务集合按误时惩罚从大到小排序</a:t>
+            </a:r>
+            <a:endParaRPr lang="zh-CN" altLang="en-US" sz="1050" dirty="0">
+              <a:solidFill>
+                <a:srgbClr val="000000"/>
+              </a:solidFill>
+              <a:latin typeface="Consolas" panose="020B0609020204030204" pitchFamily="49" charset="0"/>
+            </a:endParaRPr>
+          </a:p>
+          <a:p>
+            <a:pPr lvl="1"/>
+            <a:r>
+              <a:rPr lang="en-US" altLang="zh-CN" sz="1050" dirty="0">
+                <a:solidFill>
+                  <a:srgbClr val="000000"/>
+                </a:solidFill>
+                <a:latin typeface="Consolas" panose="020B0609020204030204" pitchFamily="49" charset="0"/>
+              </a:rPr>
+              <a:t>sort(</a:t>
+            </a:r>
+            <a:r>
+              <a:rPr lang="en-US" altLang="zh-CN" sz="1050" dirty="0" err="1">
+                <a:solidFill>
+                  <a:srgbClr val="000000"/>
+                </a:solidFill>
+                <a:latin typeface="Consolas" panose="020B0609020204030204" pitchFamily="49" charset="0"/>
+              </a:rPr>
+              <a:t>aTasks.begin</a:t>
+            </a:r>
+            <a:r>
+              <a:rPr lang="en-US" altLang="zh-CN" sz="1050" dirty="0">
+                <a:solidFill>
+                  <a:srgbClr val="000000"/>
+                </a:solidFill>
+                <a:latin typeface="Consolas" panose="020B0609020204030204" pitchFamily="49" charset="0"/>
+              </a:rPr>
+              <a:t>(), </a:t>
+            </a:r>
+            <a:r>
+              <a:rPr lang="en-US" altLang="zh-CN" sz="1050" dirty="0" err="1">
+                <a:solidFill>
+                  <a:srgbClr val="000000"/>
+                </a:solidFill>
+                <a:latin typeface="Consolas" panose="020B0609020204030204" pitchFamily="49" charset="0"/>
+              </a:rPr>
+              <a:t>aTasks.end</a:t>
+            </a:r>
+            <a:r>
+              <a:rPr lang="en-US" altLang="zh-CN" sz="1050" dirty="0">
+                <a:solidFill>
+                  <a:srgbClr val="000000"/>
+                </a:solidFill>
+                <a:latin typeface="Consolas" panose="020B0609020204030204" pitchFamily="49" charset="0"/>
+              </a:rPr>
+              <a:t>(), </a:t>
+            </a:r>
+          </a:p>
+          <a:p>
+            <a:pPr lvl="1"/>
+            <a:r>
+              <a:rPr lang="en-US" altLang="zh-CN" sz="1050" dirty="0">
+                <a:solidFill>
+                  <a:srgbClr val="000000"/>
+                </a:solidFill>
+                <a:latin typeface="Consolas" panose="020B0609020204030204" pitchFamily="49" charset="0"/>
+              </a:rPr>
+              <a:t>	[](</a:t>
+            </a:r>
+            <a:r>
+              <a:rPr lang="en-US" altLang="zh-CN" sz="1050" dirty="0">
+                <a:solidFill>
+                  <a:srgbClr val="0000FF"/>
+                </a:solidFill>
+                <a:latin typeface="Consolas" panose="020B0609020204030204" pitchFamily="49" charset="0"/>
+              </a:rPr>
+              <a:t>const</a:t>
+            </a:r>
+            <a:r>
+              <a:rPr lang="en-US" altLang="zh-CN" sz="1050" dirty="0">
+                <a:solidFill>
+                  <a:srgbClr val="000000"/>
+                </a:solidFill>
+                <a:latin typeface="Consolas" panose="020B0609020204030204" pitchFamily="49" charset="0"/>
+              </a:rPr>
+              <a:t> Task &amp;t1, </a:t>
+            </a:r>
+            <a:r>
+              <a:rPr lang="en-US" altLang="zh-CN" sz="1050" dirty="0">
+                <a:solidFill>
+                  <a:srgbClr val="0000FF"/>
+                </a:solidFill>
+                <a:latin typeface="Consolas" panose="020B0609020204030204" pitchFamily="49" charset="0"/>
+              </a:rPr>
+              <a:t>const</a:t>
+            </a:r>
+            <a:r>
+              <a:rPr lang="en-US" altLang="zh-CN" sz="1050" dirty="0">
+                <a:solidFill>
+                  <a:srgbClr val="000000"/>
+                </a:solidFill>
+                <a:latin typeface="Consolas" panose="020B0609020204030204" pitchFamily="49" charset="0"/>
+              </a:rPr>
+              <a:t> Task &amp;t2) </a:t>
+            </a:r>
+          </a:p>
+          <a:p>
+            <a:pPr lvl="1"/>
+            <a:r>
+              <a:rPr lang="en-US" altLang="zh-CN" sz="1050" dirty="0">
+                <a:solidFill>
+                  <a:srgbClr val="000000"/>
+                </a:solidFill>
+                <a:latin typeface="Consolas" panose="020B0609020204030204" pitchFamily="49" charset="0"/>
+              </a:rPr>
+              <a:t>		{ </a:t>
+            </a:r>
+            <a:r>
+              <a:rPr lang="en-US" altLang="zh-CN" sz="1050" dirty="0">
+                <a:solidFill>
+                  <a:srgbClr val="0000FF"/>
+                </a:solidFill>
+                <a:latin typeface="Consolas" panose="020B0609020204030204" pitchFamily="49" charset="0"/>
+              </a:rPr>
+              <a:t>return</a:t>
+            </a:r>
+            <a:r>
+              <a:rPr lang="en-US" altLang="zh-CN" sz="1050" dirty="0">
+                <a:solidFill>
+                  <a:srgbClr val="000000"/>
+                </a:solidFill>
+                <a:latin typeface="Consolas" panose="020B0609020204030204" pitchFamily="49" charset="0"/>
+              </a:rPr>
+              <a:t> t1.Punishment &gt; t2.Punishment; });</a:t>
+            </a:r>
+          </a:p>
+          <a:p>
+            <a:pPr lvl="1"/>
+            <a:br>
+              <a:rPr lang="en-US" altLang="zh-CN" sz="1050" dirty="0">
+                <a:solidFill>
+                  <a:srgbClr val="000000"/>
+                </a:solidFill>
+                <a:latin typeface="Consolas" panose="020B0609020204030204" pitchFamily="49" charset="0"/>
+              </a:rPr>
+            </a:br>
+            <a:r>
+              <a:rPr lang="en-US" altLang="zh-CN" sz="1050" dirty="0">
+                <a:solidFill>
+                  <a:srgbClr val="008000"/>
+                </a:solidFill>
+                <a:latin typeface="Consolas" panose="020B0609020204030204" pitchFamily="49" charset="0"/>
+              </a:rPr>
+              <a:t>// </a:t>
+            </a:r>
+            <a:r>
+              <a:rPr lang="zh-CN" altLang="en-US" sz="1050" dirty="0">
+                <a:solidFill>
+                  <a:srgbClr val="008000"/>
+                </a:solidFill>
+                <a:latin typeface="Consolas" panose="020B0609020204030204" pitchFamily="49" charset="0"/>
+              </a:rPr>
+              <a:t>构造任务容忍度向量</a:t>
+            </a:r>
+            <a:endParaRPr lang="zh-CN" altLang="en-US" sz="1050" dirty="0">
+              <a:solidFill>
+                <a:srgbClr val="000000"/>
+              </a:solidFill>
+              <a:latin typeface="Consolas" panose="020B0609020204030204" pitchFamily="49" charset="0"/>
+            </a:endParaRPr>
+          </a:p>
+          <a:p>
+            <a:pPr lvl="1"/>
+            <a:r>
+              <a:rPr lang="en-US" altLang="zh-CN" sz="1050" dirty="0">
+                <a:solidFill>
+                  <a:srgbClr val="000000"/>
+                </a:solidFill>
+                <a:latin typeface="Consolas" panose="020B0609020204030204" pitchFamily="49" charset="0"/>
+              </a:rPr>
+              <a:t>vector&lt;</a:t>
+            </a:r>
+            <a:r>
+              <a:rPr lang="en-US" altLang="zh-CN" sz="1050" dirty="0">
+                <a:solidFill>
+                  <a:srgbClr val="0000FF"/>
+                </a:solidFill>
+                <a:latin typeface="Consolas" panose="020B0609020204030204" pitchFamily="49" charset="0"/>
+              </a:rPr>
+              <a:t>int</a:t>
+            </a:r>
+            <a:r>
+              <a:rPr lang="en-US" altLang="zh-CN" sz="1050" dirty="0">
+                <a:solidFill>
+                  <a:srgbClr val="000000"/>
+                </a:solidFill>
+                <a:latin typeface="Consolas" panose="020B0609020204030204" pitchFamily="49" charset="0"/>
+              </a:rPr>
+              <a:t>&gt; tolerance(</a:t>
+            </a:r>
+            <a:r>
+              <a:rPr lang="en-US" altLang="zh-CN" sz="1050" dirty="0" err="1">
+                <a:solidFill>
+                  <a:srgbClr val="000000"/>
+                </a:solidFill>
+                <a:latin typeface="Consolas" panose="020B0609020204030204" pitchFamily="49" charset="0"/>
+              </a:rPr>
+              <a:t>aTasks.size</a:t>
+            </a:r>
+            <a:r>
+              <a:rPr lang="en-US" altLang="zh-CN" sz="1050" dirty="0">
+                <a:solidFill>
+                  <a:srgbClr val="000000"/>
+                </a:solidFill>
+                <a:latin typeface="Consolas" panose="020B0609020204030204" pitchFamily="49" charset="0"/>
+              </a:rPr>
+              <a:t>());</a:t>
+            </a:r>
+          </a:p>
+          <a:p>
+            <a:pPr lvl="1"/>
+            <a:br>
+              <a:rPr lang="en-US" altLang="zh-CN" sz="1050" dirty="0">
+                <a:solidFill>
+                  <a:srgbClr val="000000"/>
+                </a:solidFill>
+                <a:latin typeface="Consolas" panose="020B0609020204030204" pitchFamily="49" charset="0"/>
+              </a:rPr>
+            </a:br>
+            <a:r>
+              <a:rPr lang="en-US" altLang="zh-CN" sz="1050" dirty="0">
+                <a:solidFill>
+                  <a:srgbClr val="008000"/>
+                </a:solidFill>
+                <a:latin typeface="Consolas" panose="020B0609020204030204" pitchFamily="49" charset="0"/>
+              </a:rPr>
+              <a:t>// </a:t>
+            </a:r>
+            <a:r>
+              <a:rPr lang="zh-CN" altLang="en-US" sz="1050" dirty="0">
+                <a:solidFill>
+                  <a:srgbClr val="008000"/>
+                </a:solidFill>
+                <a:latin typeface="Consolas" panose="020B0609020204030204" pitchFamily="49" charset="0"/>
+              </a:rPr>
+              <a:t>按误时惩罚从大到小的顺序对任务进行筛选</a:t>
+            </a:r>
+            <a:endParaRPr lang="zh-CN" altLang="en-US" sz="1050" dirty="0">
+              <a:solidFill>
+                <a:srgbClr val="000000"/>
+              </a:solidFill>
+              <a:latin typeface="Consolas" panose="020B0609020204030204" pitchFamily="49" charset="0"/>
+            </a:endParaRPr>
+          </a:p>
+          <a:p>
+            <a:pPr lvl="1"/>
+            <a:r>
+              <a:rPr lang="en-US" altLang="zh-CN" sz="1050" dirty="0">
+                <a:solidFill>
+                  <a:srgbClr val="0000FF"/>
+                </a:solidFill>
+                <a:latin typeface="Consolas" panose="020B0609020204030204" pitchFamily="49" charset="0"/>
+              </a:rPr>
+              <a:t>for</a:t>
+            </a:r>
+            <a:r>
+              <a:rPr lang="en-US" altLang="zh-CN" sz="1050" dirty="0">
+                <a:solidFill>
+                  <a:srgbClr val="000000"/>
+                </a:solidFill>
+                <a:latin typeface="Consolas" panose="020B0609020204030204" pitchFamily="49" charset="0"/>
+              </a:rPr>
+              <a:t> (</a:t>
+            </a:r>
+            <a:r>
+              <a:rPr lang="en-US" altLang="zh-CN" sz="1050" dirty="0">
+                <a:solidFill>
+                  <a:srgbClr val="0000FF"/>
+                </a:solidFill>
+                <a:latin typeface="Consolas" panose="020B0609020204030204" pitchFamily="49" charset="0"/>
+              </a:rPr>
+              <a:t>int</a:t>
+            </a:r>
+            <a:r>
+              <a:rPr lang="en-US" altLang="zh-CN" sz="1050" dirty="0">
+                <a:solidFill>
+                  <a:srgbClr val="000000"/>
+                </a:solidFill>
+                <a:latin typeface="Consolas" panose="020B0609020204030204" pitchFamily="49" charset="0"/>
+              </a:rPr>
+              <a:t> i = </a:t>
+            </a:r>
+            <a:r>
+              <a:rPr lang="en-US" altLang="zh-CN" sz="1050" dirty="0">
+                <a:solidFill>
+                  <a:srgbClr val="09885A"/>
+                </a:solidFill>
+                <a:latin typeface="Consolas" panose="020B0609020204030204" pitchFamily="49" charset="0"/>
+              </a:rPr>
+              <a:t>0</a:t>
+            </a:r>
+            <a:r>
+              <a:rPr lang="en-US" altLang="zh-CN" sz="1050" dirty="0">
+                <a:solidFill>
+                  <a:srgbClr val="000000"/>
+                </a:solidFill>
+                <a:latin typeface="Consolas" panose="020B0609020204030204" pitchFamily="49" charset="0"/>
+              </a:rPr>
+              <a:t>; i &lt; </a:t>
+            </a:r>
+            <a:r>
+              <a:rPr lang="en-US" altLang="zh-CN" sz="1050" dirty="0" err="1">
+                <a:solidFill>
+                  <a:srgbClr val="000000"/>
+                </a:solidFill>
+                <a:latin typeface="Consolas" panose="020B0609020204030204" pitchFamily="49" charset="0"/>
+              </a:rPr>
+              <a:t>aTasks.size</a:t>
+            </a:r>
+            <a:r>
+              <a:rPr lang="en-US" altLang="zh-CN" sz="1050" dirty="0">
+                <a:solidFill>
+                  <a:srgbClr val="000000"/>
+                </a:solidFill>
+                <a:latin typeface="Consolas" panose="020B0609020204030204" pitchFamily="49" charset="0"/>
+              </a:rPr>
+              <a:t>(); i++)</a:t>
+            </a:r>
+          </a:p>
+          <a:p>
+            <a:pPr lvl="1"/>
+            <a:r>
+              <a:rPr lang="en-US" altLang="zh-CN" sz="1050" dirty="0">
+                <a:solidFill>
+                  <a:srgbClr val="000000"/>
+                </a:solidFill>
+                <a:latin typeface="Consolas" panose="020B0609020204030204" pitchFamily="49" charset="0"/>
+              </a:rPr>
+              <a:t>{</a:t>
+            </a:r>
+          </a:p>
+          <a:p>
+            <a:pPr lvl="2"/>
+            <a:r>
+              <a:rPr lang="en-US" altLang="zh-CN" sz="1050" dirty="0">
+                <a:solidFill>
+                  <a:srgbClr val="008000"/>
+                </a:solidFill>
+                <a:latin typeface="Consolas" panose="020B0609020204030204" pitchFamily="49" charset="0"/>
+              </a:rPr>
+              <a:t>// </a:t>
+            </a:r>
+            <a:r>
+              <a:rPr lang="zh-CN" altLang="en-US" sz="1050" dirty="0">
+                <a:solidFill>
+                  <a:srgbClr val="008000"/>
+                </a:solidFill>
+                <a:latin typeface="Consolas" panose="020B0609020204030204" pitchFamily="49" charset="0"/>
+              </a:rPr>
+              <a:t>设置任务</a:t>
+            </a:r>
+            <a:r>
+              <a:rPr lang="en-US" altLang="zh-CN" sz="1050" dirty="0">
+                <a:solidFill>
+                  <a:srgbClr val="008000"/>
+                </a:solidFill>
+                <a:latin typeface="Consolas" panose="020B0609020204030204" pitchFamily="49" charset="0"/>
+              </a:rPr>
+              <a:t>i</a:t>
+            </a:r>
+            <a:r>
+              <a:rPr lang="zh-CN" altLang="en-US" sz="1050" dirty="0">
+                <a:solidFill>
+                  <a:srgbClr val="008000"/>
+                </a:solidFill>
+                <a:latin typeface="Consolas" panose="020B0609020204030204" pitchFamily="49" charset="0"/>
+              </a:rPr>
+              <a:t>的初始容忍度</a:t>
+            </a:r>
+            <a:endParaRPr lang="zh-CN" altLang="en-US" sz="1050" dirty="0">
+              <a:solidFill>
+                <a:srgbClr val="000000"/>
+              </a:solidFill>
+              <a:latin typeface="Consolas" panose="020B0609020204030204" pitchFamily="49" charset="0"/>
+            </a:endParaRPr>
+          </a:p>
+          <a:p>
+            <a:pPr lvl="2"/>
+            <a:r>
+              <a:rPr lang="en-US" altLang="zh-CN" sz="1050" dirty="0">
+                <a:solidFill>
+                  <a:srgbClr val="000000"/>
+                </a:solidFill>
+                <a:latin typeface="Consolas" panose="020B0609020204030204" pitchFamily="49" charset="0"/>
+              </a:rPr>
+              <a:t>tolerance[i] = </a:t>
+            </a:r>
+            <a:r>
+              <a:rPr lang="en-US" altLang="zh-CN" sz="1050" dirty="0" err="1">
+                <a:solidFill>
+                  <a:srgbClr val="000000"/>
+                </a:solidFill>
+                <a:latin typeface="Consolas" panose="020B0609020204030204" pitchFamily="49" charset="0"/>
+              </a:rPr>
+              <a:t>aTasks</a:t>
+            </a:r>
+            <a:r>
+              <a:rPr lang="en-US" altLang="zh-CN" sz="1050" dirty="0">
+                <a:solidFill>
+                  <a:srgbClr val="000000"/>
+                </a:solidFill>
+                <a:latin typeface="Consolas" panose="020B0609020204030204" pitchFamily="49" charset="0"/>
+              </a:rPr>
+              <a:t>[i].Deadline - </a:t>
+            </a:r>
+            <a:r>
+              <a:rPr lang="en-US" altLang="zh-CN" sz="1050" dirty="0">
+                <a:solidFill>
+                  <a:srgbClr val="09885A"/>
+                </a:solidFill>
+                <a:latin typeface="Consolas" panose="020B0609020204030204" pitchFamily="49" charset="0"/>
+              </a:rPr>
+              <a:t>1</a:t>
+            </a:r>
+            <a:r>
+              <a:rPr lang="en-US" altLang="zh-CN" sz="1050" dirty="0">
+                <a:solidFill>
+                  <a:srgbClr val="000000"/>
+                </a:solidFill>
+                <a:latin typeface="Consolas" panose="020B0609020204030204" pitchFamily="49" charset="0"/>
+              </a:rPr>
+              <a:t>;</a:t>
+            </a:r>
+          </a:p>
+          <a:p>
+            <a:pPr lvl="2"/>
+            <a:br>
+              <a:rPr lang="en-US" altLang="zh-CN" sz="1050" dirty="0">
+                <a:solidFill>
+                  <a:srgbClr val="000000"/>
+                </a:solidFill>
+                <a:latin typeface="Consolas" panose="020B0609020204030204" pitchFamily="49" charset="0"/>
+              </a:rPr>
+            </a:br>
+            <a:r>
+              <a:rPr lang="en-US" altLang="zh-CN" sz="1050" dirty="0">
+                <a:solidFill>
+                  <a:srgbClr val="000000"/>
+                </a:solidFill>
+                <a:latin typeface="Consolas" panose="020B0609020204030204" pitchFamily="49" charset="0"/>
+              </a:rPr>
+              <a:t>vector&lt;</a:t>
+            </a:r>
+            <a:r>
+              <a:rPr lang="en-US" altLang="zh-CN" sz="1050" dirty="0">
+                <a:solidFill>
+                  <a:srgbClr val="0000FF"/>
+                </a:solidFill>
+                <a:latin typeface="Consolas" panose="020B0609020204030204" pitchFamily="49" charset="0"/>
+              </a:rPr>
+              <a:t>int</a:t>
+            </a:r>
+            <a:r>
+              <a:rPr lang="en-US" altLang="zh-CN" sz="1050" dirty="0">
+                <a:solidFill>
+                  <a:srgbClr val="000000"/>
+                </a:solidFill>
+                <a:latin typeface="Consolas" panose="020B0609020204030204" pitchFamily="49" charset="0"/>
+              </a:rPr>
+              <a:t>&gt; </a:t>
+            </a:r>
+            <a:r>
+              <a:rPr lang="en-US" altLang="zh-CN" sz="1050" dirty="0" err="1">
+                <a:solidFill>
+                  <a:srgbClr val="000000"/>
+                </a:solidFill>
+                <a:latin typeface="Consolas" panose="020B0609020204030204" pitchFamily="49" charset="0"/>
+              </a:rPr>
+              <a:t>willAdjust</a:t>
+            </a:r>
+            <a:r>
+              <a:rPr lang="en-US" altLang="zh-CN" sz="1050" dirty="0">
+                <a:solidFill>
+                  <a:srgbClr val="000000"/>
+                </a:solidFill>
+                <a:latin typeface="Consolas" panose="020B0609020204030204" pitchFamily="49" charset="0"/>
+              </a:rPr>
+              <a:t>; 	</a:t>
+            </a:r>
+            <a:r>
+              <a:rPr lang="en-US" altLang="zh-CN" sz="1050" dirty="0">
+                <a:solidFill>
+                  <a:srgbClr val="008000"/>
+                </a:solidFill>
+                <a:latin typeface="Consolas" panose="020B0609020204030204" pitchFamily="49" charset="0"/>
+              </a:rPr>
+              <a:t>// </a:t>
+            </a:r>
+            <a:r>
+              <a:rPr lang="zh-CN" altLang="en-US" sz="1050" dirty="0">
+                <a:solidFill>
+                  <a:srgbClr val="008000"/>
+                </a:solidFill>
+                <a:latin typeface="Consolas" panose="020B0609020204030204" pitchFamily="49" charset="0"/>
+              </a:rPr>
+              <a:t>记录需要调整容忍度的任务的序号</a:t>
+            </a:r>
+            <a:endParaRPr lang="zh-CN" altLang="en-US" sz="1050" dirty="0">
+              <a:solidFill>
+                <a:srgbClr val="000000"/>
+              </a:solidFill>
+              <a:latin typeface="Consolas" panose="020B0609020204030204" pitchFamily="49" charset="0"/>
+            </a:endParaRPr>
+          </a:p>
+          <a:p>
+            <a:pPr lvl="2"/>
+            <a:r>
+              <a:rPr lang="en-US" altLang="zh-CN" sz="1050" dirty="0">
+                <a:solidFill>
+                  <a:srgbClr val="0000FF"/>
+                </a:solidFill>
+                <a:latin typeface="Consolas" panose="020B0609020204030204" pitchFamily="49" charset="0"/>
+              </a:rPr>
+              <a:t>bool</a:t>
+            </a:r>
+            <a:r>
+              <a:rPr lang="en-US" altLang="zh-CN" sz="1050" dirty="0">
+                <a:solidFill>
+                  <a:srgbClr val="000000"/>
+                </a:solidFill>
+                <a:latin typeface="Consolas" panose="020B0609020204030204" pitchFamily="49" charset="0"/>
+              </a:rPr>
+              <a:t> </a:t>
+            </a:r>
+            <a:r>
+              <a:rPr lang="en-US" altLang="zh-CN" sz="1050" dirty="0" err="1">
+                <a:solidFill>
+                  <a:srgbClr val="000000"/>
+                </a:solidFill>
+                <a:latin typeface="Consolas" panose="020B0609020204030204" pitchFamily="49" charset="0"/>
+              </a:rPr>
+              <a:t>choosed</a:t>
+            </a:r>
+            <a:r>
+              <a:rPr lang="en-US" altLang="zh-CN" sz="1050" dirty="0">
+                <a:solidFill>
+                  <a:srgbClr val="000000"/>
+                </a:solidFill>
+                <a:latin typeface="Consolas" panose="020B0609020204030204" pitchFamily="49" charset="0"/>
+              </a:rPr>
+              <a:t> = </a:t>
+            </a:r>
+            <a:r>
+              <a:rPr lang="en-US" altLang="zh-CN" sz="1050" dirty="0">
+                <a:solidFill>
+                  <a:srgbClr val="0000FF"/>
+                </a:solidFill>
+                <a:latin typeface="Consolas" panose="020B0609020204030204" pitchFamily="49" charset="0"/>
+              </a:rPr>
+              <a:t>true</a:t>
+            </a:r>
+            <a:r>
+              <a:rPr lang="en-US" altLang="zh-CN" sz="1050" dirty="0">
+                <a:solidFill>
+                  <a:srgbClr val="000000"/>
+                </a:solidFill>
+                <a:latin typeface="Consolas" panose="020B0609020204030204" pitchFamily="49" charset="0"/>
+              </a:rPr>
+              <a:t>; 	</a:t>
+            </a:r>
+            <a:r>
+              <a:rPr lang="en-US" altLang="zh-CN" sz="1050" dirty="0">
+                <a:solidFill>
+                  <a:srgbClr val="008000"/>
+                </a:solidFill>
+                <a:latin typeface="Consolas" panose="020B0609020204030204" pitchFamily="49" charset="0"/>
+              </a:rPr>
+              <a:t>// </a:t>
+            </a:r>
+            <a:r>
+              <a:rPr lang="zh-CN" altLang="en-US" sz="1050" dirty="0">
+                <a:solidFill>
+                  <a:srgbClr val="008000"/>
+                </a:solidFill>
+                <a:latin typeface="Consolas" panose="020B0609020204030204" pitchFamily="49" charset="0"/>
+              </a:rPr>
+              <a:t>记录任务</a:t>
+            </a:r>
+            <a:r>
+              <a:rPr lang="en-US" altLang="zh-CN" sz="1050" dirty="0">
+                <a:solidFill>
+                  <a:srgbClr val="008000"/>
+                </a:solidFill>
+                <a:latin typeface="Consolas" panose="020B0609020204030204" pitchFamily="49" charset="0"/>
+              </a:rPr>
+              <a:t>i</a:t>
+            </a:r>
+            <a:r>
+              <a:rPr lang="zh-CN" altLang="en-US" sz="1050" dirty="0">
+                <a:solidFill>
+                  <a:srgbClr val="008000"/>
+                </a:solidFill>
+                <a:latin typeface="Consolas" panose="020B0609020204030204" pitchFamily="49" charset="0"/>
+              </a:rPr>
+              <a:t>是否可安排</a:t>
+            </a:r>
+            <a:endParaRPr lang="en-US" altLang="zh-CN" sz="1050" dirty="0">
+              <a:solidFill>
+                <a:srgbClr val="000000"/>
+              </a:solidFill>
+              <a:latin typeface="Consolas" panose="020B0609020204030204" pitchFamily="49" charset="0"/>
+            </a:endParaRPr>
+          </a:p>
+          <a:p>
+            <a:pPr lvl="2"/>
+            <a:r>
+              <a:rPr lang="en-US" altLang="zh-CN" sz="1050" dirty="0">
+                <a:solidFill>
+                  <a:srgbClr val="008000"/>
+                </a:solidFill>
+                <a:latin typeface="Consolas" panose="020B0609020204030204" pitchFamily="49" charset="0"/>
+              </a:rPr>
+              <a:t>// </a:t>
+            </a:r>
+            <a:r>
+              <a:rPr lang="zh-CN" altLang="en-US" sz="1050" dirty="0">
+                <a:solidFill>
+                  <a:srgbClr val="008000"/>
+                </a:solidFill>
+                <a:latin typeface="Consolas" panose="020B0609020204030204" pitchFamily="49" charset="0"/>
+              </a:rPr>
+              <a:t>检索已选入任务</a:t>
+            </a:r>
+            <a:endParaRPr lang="zh-CN" altLang="en-US" sz="1050" dirty="0">
+              <a:solidFill>
+                <a:srgbClr val="000000"/>
+              </a:solidFill>
+              <a:latin typeface="Consolas" panose="020B0609020204030204" pitchFamily="49" charset="0"/>
+            </a:endParaRPr>
+          </a:p>
+          <a:p>
+            <a:pPr lvl="2"/>
+            <a:r>
+              <a:rPr lang="en-US" altLang="zh-CN" sz="1050" dirty="0">
+                <a:solidFill>
+                  <a:srgbClr val="0000FF"/>
+                </a:solidFill>
+                <a:latin typeface="Consolas" panose="020B0609020204030204" pitchFamily="49" charset="0"/>
+              </a:rPr>
+              <a:t>for</a:t>
+            </a:r>
+            <a:r>
+              <a:rPr lang="en-US" altLang="zh-CN" sz="1050" dirty="0">
+                <a:solidFill>
+                  <a:srgbClr val="000000"/>
+                </a:solidFill>
+                <a:latin typeface="Consolas" panose="020B0609020204030204" pitchFamily="49" charset="0"/>
+              </a:rPr>
+              <a:t> (</a:t>
+            </a:r>
+            <a:r>
+              <a:rPr lang="en-US" altLang="zh-CN" sz="1050" dirty="0">
+                <a:solidFill>
+                  <a:srgbClr val="0000FF"/>
+                </a:solidFill>
+                <a:latin typeface="Consolas" panose="020B0609020204030204" pitchFamily="49" charset="0"/>
+              </a:rPr>
+              <a:t>int</a:t>
+            </a:r>
+            <a:r>
+              <a:rPr lang="en-US" altLang="zh-CN" sz="1050" dirty="0">
+                <a:solidFill>
+                  <a:srgbClr val="000000"/>
+                </a:solidFill>
+                <a:latin typeface="Consolas" panose="020B0609020204030204" pitchFamily="49" charset="0"/>
+              </a:rPr>
+              <a:t> j : </a:t>
+            </a:r>
+            <a:r>
+              <a:rPr lang="en-US" altLang="zh-CN" sz="1050" dirty="0" err="1">
+                <a:solidFill>
+                  <a:srgbClr val="000000"/>
+                </a:solidFill>
+                <a:latin typeface="Consolas" panose="020B0609020204030204" pitchFamily="49" charset="0"/>
+              </a:rPr>
+              <a:t>aSchedule</a:t>
+            </a:r>
+            <a:r>
+              <a:rPr lang="en-US" altLang="zh-CN" sz="1050" dirty="0">
+                <a:solidFill>
+                  <a:srgbClr val="000000"/>
+                </a:solidFill>
+                <a:latin typeface="Consolas" panose="020B0609020204030204" pitchFamily="49" charset="0"/>
+              </a:rPr>
+              <a:t>)</a:t>
+            </a:r>
+          </a:p>
+          <a:p>
+            <a:pPr lvl="2"/>
+            <a:r>
+              <a:rPr lang="en-US" altLang="zh-CN" sz="1050" dirty="0">
+                <a:solidFill>
+                  <a:srgbClr val="000000"/>
+                </a:solidFill>
+                <a:latin typeface="Consolas" panose="020B0609020204030204" pitchFamily="49" charset="0"/>
+              </a:rPr>
+              <a:t>{</a:t>
+            </a:r>
+          </a:p>
+          <a:p>
+            <a:pPr lvl="3"/>
+            <a:r>
+              <a:rPr lang="en-US" altLang="zh-CN" sz="1050" dirty="0">
+                <a:solidFill>
+                  <a:srgbClr val="0000FF"/>
+                </a:solidFill>
+                <a:latin typeface="Consolas" panose="020B0609020204030204" pitchFamily="49" charset="0"/>
+              </a:rPr>
+              <a:t>if</a:t>
+            </a:r>
+            <a:r>
+              <a:rPr lang="en-US" altLang="zh-CN" sz="1050" dirty="0">
+                <a:solidFill>
+                  <a:srgbClr val="000000"/>
+                </a:solidFill>
+                <a:latin typeface="Consolas" panose="020B0609020204030204" pitchFamily="49" charset="0"/>
+              </a:rPr>
+              <a:t> (</a:t>
+            </a:r>
+            <a:r>
+              <a:rPr lang="en-US" altLang="zh-CN" sz="1050" dirty="0" err="1">
+                <a:solidFill>
+                  <a:srgbClr val="000000"/>
+                </a:solidFill>
+                <a:latin typeface="Consolas" panose="020B0609020204030204" pitchFamily="49" charset="0"/>
+              </a:rPr>
+              <a:t>aTasks</a:t>
+            </a:r>
+            <a:r>
+              <a:rPr lang="en-US" altLang="zh-CN" sz="1050" dirty="0">
+                <a:solidFill>
+                  <a:srgbClr val="000000"/>
+                </a:solidFill>
+                <a:latin typeface="Consolas" panose="020B0609020204030204" pitchFamily="49" charset="0"/>
+              </a:rPr>
+              <a:t>[j].Deadline &lt;= </a:t>
+            </a:r>
+            <a:r>
+              <a:rPr lang="en-US" altLang="zh-CN" sz="1050" dirty="0" err="1">
+                <a:solidFill>
+                  <a:srgbClr val="000000"/>
+                </a:solidFill>
+                <a:latin typeface="Consolas" panose="020B0609020204030204" pitchFamily="49" charset="0"/>
+              </a:rPr>
+              <a:t>aTasks</a:t>
+            </a:r>
+            <a:r>
+              <a:rPr lang="en-US" altLang="zh-CN" sz="1050" dirty="0">
+                <a:solidFill>
+                  <a:srgbClr val="000000"/>
+                </a:solidFill>
+                <a:latin typeface="Consolas" panose="020B0609020204030204" pitchFamily="49" charset="0"/>
+              </a:rPr>
+              <a:t>[i].Deadline) </a:t>
+            </a:r>
+            <a:r>
+              <a:rPr lang="en-US" altLang="zh-CN" sz="1050" dirty="0">
+                <a:solidFill>
+                  <a:srgbClr val="008000"/>
+                </a:solidFill>
+                <a:latin typeface="Consolas" panose="020B0609020204030204" pitchFamily="49" charset="0"/>
+              </a:rPr>
+              <a:t>// </a:t>
+            </a:r>
+            <a:r>
+              <a:rPr lang="zh-CN" altLang="en-US" sz="1050" dirty="0">
+                <a:solidFill>
+                  <a:srgbClr val="008000"/>
+                </a:solidFill>
+                <a:latin typeface="Consolas" panose="020B0609020204030204" pitchFamily="49" charset="0"/>
+              </a:rPr>
+              <a:t>排在任务</a:t>
+            </a:r>
+            <a:r>
+              <a:rPr lang="en-US" altLang="zh-CN" sz="1050" dirty="0">
+                <a:solidFill>
+                  <a:srgbClr val="008000"/>
+                </a:solidFill>
+                <a:latin typeface="Consolas" panose="020B0609020204030204" pitchFamily="49" charset="0"/>
+              </a:rPr>
+              <a:t>i</a:t>
+            </a:r>
+            <a:r>
+              <a:rPr lang="zh-CN" altLang="en-US" sz="1050" dirty="0">
+                <a:solidFill>
+                  <a:srgbClr val="008000"/>
+                </a:solidFill>
+                <a:latin typeface="Consolas" panose="020B0609020204030204" pitchFamily="49" charset="0"/>
+              </a:rPr>
+              <a:t>之前</a:t>
+            </a:r>
+            <a:endParaRPr lang="zh-CN" altLang="en-US" sz="1050" dirty="0">
+              <a:solidFill>
+                <a:srgbClr val="000000"/>
+              </a:solidFill>
+              <a:latin typeface="Consolas" panose="020B0609020204030204" pitchFamily="49" charset="0"/>
+            </a:endParaRPr>
+          </a:p>
+          <a:p>
+            <a:pPr lvl="3"/>
+            <a:r>
+              <a:rPr lang="en-US" altLang="zh-CN" sz="1050" dirty="0">
+                <a:solidFill>
+                  <a:srgbClr val="000000"/>
+                </a:solidFill>
+                <a:latin typeface="Consolas" panose="020B0609020204030204" pitchFamily="49" charset="0"/>
+              </a:rPr>
+              <a:t>{</a:t>
+            </a:r>
+          </a:p>
+          <a:p>
+            <a:pPr lvl="4"/>
+            <a:r>
+              <a:rPr lang="en-US" altLang="zh-CN" sz="1050" dirty="0">
+                <a:solidFill>
+                  <a:srgbClr val="008000"/>
+                </a:solidFill>
+                <a:latin typeface="Consolas" panose="020B0609020204030204" pitchFamily="49" charset="0"/>
+              </a:rPr>
+              <a:t>// </a:t>
+            </a:r>
+            <a:r>
+              <a:rPr lang="zh-CN" altLang="en-US" sz="1050" dirty="0">
+                <a:solidFill>
+                  <a:srgbClr val="008000"/>
+                </a:solidFill>
+                <a:latin typeface="Consolas" panose="020B0609020204030204" pitchFamily="49" charset="0"/>
+              </a:rPr>
+              <a:t>检查任务</a:t>
+            </a:r>
+            <a:r>
+              <a:rPr lang="en-US" altLang="zh-CN" sz="1050" dirty="0">
+                <a:solidFill>
+                  <a:srgbClr val="008000"/>
+                </a:solidFill>
+                <a:latin typeface="Consolas" panose="020B0609020204030204" pitchFamily="49" charset="0"/>
+              </a:rPr>
+              <a:t>i</a:t>
+            </a:r>
+            <a:r>
+              <a:rPr lang="zh-CN" altLang="en-US" sz="1050" dirty="0">
+                <a:solidFill>
+                  <a:srgbClr val="008000"/>
+                </a:solidFill>
+                <a:latin typeface="Consolas" panose="020B0609020204030204" pitchFamily="49" charset="0"/>
+              </a:rPr>
+              <a:t>是否有足够的容忍度允许任务</a:t>
+            </a:r>
+            <a:r>
+              <a:rPr lang="en-US" altLang="zh-CN" sz="1050" dirty="0">
+                <a:solidFill>
+                  <a:srgbClr val="008000"/>
+                </a:solidFill>
+                <a:latin typeface="Consolas" panose="020B0609020204030204" pitchFamily="49" charset="0"/>
+              </a:rPr>
+              <a:t>j</a:t>
+            </a:r>
+            <a:r>
+              <a:rPr lang="zh-CN" altLang="en-US" sz="1050" dirty="0">
+                <a:solidFill>
+                  <a:srgbClr val="008000"/>
+                </a:solidFill>
+                <a:latin typeface="Consolas" panose="020B0609020204030204" pitchFamily="49" charset="0"/>
+              </a:rPr>
+              <a:t>排在自己前面</a:t>
+            </a:r>
+            <a:endParaRPr lang="zh-CN" altLang="en-US" sz="1050" dirty="0">
+              <a:solidFill>
+                <a:srgbClr val="000000"/>
+              </a:solidFill>
+              <a:latin typeface="Consolas" panose="020B0609020204030204" pitchFamily="49" charset="0"/>
+            </a:endParaRPr>
+          </a:p>
+          <a:p>
+            <a:pPr lvl="4"/>
+            <a:r>
+              <a:rPr lang="en-US" altLang="zh-CN" sz="1050" dirty="0">
+                <a:solidFill>
+                  <a:srgbClr val="0000FF"/>
+                </a:solidFill>
+                <a:latin typeface="Consolas" panose="020B0609020204030204" pitchFamily="49" charset="0"/>
+              </a:rPr>
+              <a:t>if</a:t>
+            </a:r>
+            <a:r>
+              <a:rPr lang="en-US" altLang="zh-CN" sz="1050" dirty="0">
+                <a:solidFill>
+                  <a:srgbClr val="000000"/>
+                </a:solidFill>
+                <a:latin typeface="Consolas" panose="020B0609020204030204" pitchFamily="49" charset="0"/>
+              </a:rPr>
+              <a:t> (tolerance[i] &gt; </a:t>
+            </a:r>
+            <a:r>
+              <a:rPr lang="en-US" altLang="zh-CN" sz="1050" dirty="0">
+                <a:solidFill>
+                  <a:srgbClr val="09885A"/>
+                </a:solidFill>
+                <a:latin typeface="Consolas" panose="020B0609020204030204" pitchFamily="49" charset="0"/>
+              </a:rPr>
+              <a:t>0</a:t>
+            </a:r>
+            <a:r>
+              <a:rPr lang="en-US" altLang="zh-CN" sz="1050" dirty="0">
+                <a:solidFill>
+                  <a:srgbClr val="000000"/>
+                </a:solidFill>
+                <a:latin typeface="Consolas" panose="020B0609020204030204" pitchFamily="49" charset="0"/>
+              </a:rPr>
+              <a:t>)</a:t>
+            </a:r>
+          </a:p>
+          <a:p>
+            <a:pPr lvl="4"/>
+            <a:r>
+              <a:rPr lang="en-US" altLang="zh-CN" sz="1050" dirty="0">
+                <a:solidFill>
+                  <a:srgbClr val="000000"/>
+                </a:solidFill>
+                <a:latin typeface="Consolas" panose="020B0609020204030204" pitchFamily="49" charset="0"/>
+              </a:rPr>
+              <a:t>{</a:t>
+            </a:r>
+          </a:p>
+          <a:p>
+            <a:pPr lvl="5"/>
+            <a:r>
+              <a:rPr lang="en-US" altLang="zh-CN" sz="1050" dirty="0">
+                <a:solidFill>
+                  <a:srgbClr val="008000"/>
+                </a:solidFill>
+                <a:latin typeface="Consolas" panose="020B0609020204030204" pitchFamily="49" charset="0"/>
+              </a:rPr>
+              <a:t>// </a:t>
+            </a:r>
+            <a:r>
+              <a:rPr lang="zh-CN" altLang="en-US" sz="1050" dirty="0">
+                <a:solidFill>
+                  <a:srgbClr val="008000"/>
+                </a:solidFill>
+                <a:latin typeface="Consolas" panose="020B0609020204030204" pitchFamily="49" charset="0"/>
+              </a:rPr>
+              <a:t>任务</a:t>
+            </a:r>
+            <a:r>
+              <a:rPr lang="en-US" altLang="zh-CN" sz="1050" dirty="0">
+                <a:solidFill>
+                  <a:srgbClr val="008000"/>
+                </a:solidFill>
+                <a:latin typeface="Consolas" panose="020B0609020204030204" pitchFamily="49" charset="0"/>
+              </a:rPr>
+              <a:t>i</a:t>
+            </a:r>
+            <a:r>
+              <a:rPr lang="zh-CN" altLang="en-US" sz="1050" dirty="0">
+                <a:solidFill>
+                  <a:srgbClr val="008000"/>
+                </a:solidFill>
+                <a:latin typeface="Consolas" panose="020B0609020204030204" pitchFamily="49" charset="0"/>
+              </a:rPr>
+              <a:t>接受任务</a:t>
+            </a:r>
+            <a:r>
+              <a:rPr lang="en-US" altLang="zh-CN" sz="1050" dirty="0">
+                <a:solidFill>
+                  <a:srgbClr val="008000"/>
+                </a:solidFill>
+                <a:latin typeface="Consolas" panose="020B0609020204030204" pitchFamily="49" charset="0"/>
+              </a:rPr>
+              <a:t>j</a:t>
+            </a:r>
+            <a:r>
+              <a:rPr lang="zh-CN" altLang="en-US" sz="1050" dirty="0">
+                <a:solidFill>
+                  <a:srgbClr val="008000"/>
+                </a:solidFill>
+                <a:latin typeface="Consolas" panose="020B0609020204030204" pitchFamily="49" charset="0"/>
+              </a:rPr>
+              <a:t>排在前面</a:t>
+            </a:r>
+            <a:endParaRPr lang="zh-CN" altLang="en-US" sz="1050" dirty="0">
+              <a:solidFill>
+                <a:srgbClr val="000000"/>
+              </a:solidFill>
+              <a:latin typeface="Consolas" panose="020B0609020204030204" pitchFamily="49" charset="0"/>
+            </a:endParaRPr>
+          </a:p>
+          <a:p>
+            <a:pPr lvl="5"/>
+            <a:r>
+              <a:rPr lang="en-US" altLang="zh-CN" sz="1050" dirty="0">
+                <a:solidFill>
+                  <a:srgbClr val="000000"/>
+                </a:solidFill>
+                <a:latin typeface="Consolas" panose="020B0609020204030204" pitchFamily="49" charset="0"/>
+              </a:rPr>
+              <a:t>tolerance[i]--;</a:t>
+            </a:r>
+          </a:p>
+          <a:p>
+            <a:pPr lvl="4"/>
+            <a:r>
+              <a:rPr lang="en-US" altLang="zh-CN" sz="1050" dirty="0">
+                <a:solidFill>
+                  <a:srgbClr val="000000"/>
+                </a:solidFill>
+                <a:latin typeface="Consolas" panose="020B0609020204030204" pitchFamily="49" charset="0"/>
+              </a:rPr>
+              <a:t>}</a:t>
+            </a:r>
+          </a:p>
+          <a:p>
+            <a:pPr lvl="4"/>
+            <a:r>
+              <a:rPr lang="en-US" altLang="zh-CN" sz="1050" dirty="0">
+                <a:solidFill>
+                  <a:srgbClr val="0000FF"/>
+                </a:solidFill>
+                <a:latin typeface="Consolas" panose="020B0609020204030204" pitchFamily="49" charset="0"/>
+              </a:rPr>
+              <a:t>else</a:t>
+            </a:r>
+            <a:endParaRPr lang="en-US" altLang="zh-CN" sz="1050" dirty="0">
+              <a:solidFill>
+                <a:srgbClr val="000000"/>
+              </a:solidFill>
+              <a:latin typeface="Consolas" panose="020B0609020204030204" pitchFamily="49" charset="0"/>
+            </a:endParaRPr>
+          </a:p>
+          <a:p>
+            <a:pPr lvl="4"/>
+            <a:r>
+              <a:rPr lang="en-US" altLang="zh-CN" sz="1050" dirty="0">
+                <a:solidFill>
+                  <a:srgbClr val="000000"/>
+                </a:solidFill>
+                <a:latin typeface="Consolas" panose="020B0609020204030204" pitchFamily="49" charset="0"/>
+              </a:rPr>
+              <a:t>{</a:t>
+            </a:r>
+          </a:p>
+          <a:p>
+            <a:pPr lvl="5"/>
+            <a:r>
+              <a:rPr lang="en-US" altLang="zh-CN" sz="1050" dirty="0">
+                <a:solidFill>
+                  <a:srgbClr val="008000"/>
+                </a:solidFill>
+                <a:latin typeface="Consolas" panose="020B0609020204030204" pitchFamily="49" charset="0"/>
+              </a:rPr>
+              <a:t>// </a:t>
+            </a:r>
+            <a:r>
+              <a:rPr lang="zh-CN" altLang="en-US" sz="1050" dirty="0">
+                <a:solidFill>
+                  <a:srgbClr val="008000"/>
+                </a:solidFill>
+                <a:latin typeface="Consolas" panose="020B0609020204030204" pitchFamily="49" charset="0"/>
+              </a:rPr>
+              <a:t>任务</a:t>
+            </a:r>
+            <a:r>
+              <a:rPr lang="en-US" altLang="zh-CN" sz="1050" dirty="0">
+                <a:solidFill>
+                  <a:srgbClr val="008000"/>
+                </a:solidFill>
+                <a:latin typeface="Consolas" panose="020B0609020204030204" pitchFamily="49" charset="0"/>
+              </a:rPr>
+              <a:t>i</a:t>
+            </a:r>
+            <a:r>
+              <a:rPr lang="zh-CN" altLang="en-US" sz="1050" dirty="0">
+                <a:solidFill>
+                  <a:srgbClr val="008000"/>
+                </a:solidFill>
+                <a:latin typeface="Consolas" panose="020B0609020204030204" pitchFamily="49" charset="0"/>
+              </a:rPr>
+              <a:t>不接受任务</a:t>
+            </a:r>
+            <a:r>
+              <a:rPr lang="en-US" altLang="zh-CN" sz="1050" dirty="0">
+                <a:solidFill>
+                  <a:srgbClr val="008000"/>
+                </a:solidFill>
+                <a:latin typeface="Consolas" panose="020B0609020204030204" pitchFamily="49" charset="0"/>
+              </a:rPr>
+              <a:t>j</a:t>
+            </a:r>
+            <a:r>
+              <a:rPr lang="zh-CN" altLang="en-US" sz="1050" dirty="0">
+                <a:solidFill>
+                  <a:srgbClr val="008000"/>
+                </a:solidFill>
+                <a:latin typeface="Consolas" panose="020B0609020204030204" pitchFamily="49" charset="0"/>
+              </a:rPr>
+              <a:t>排在前面</a:t>
+            </a:r>
+            <a:endParaRPr lang="zh-CN" altLang="en-US" sz="1050" dirty="0">
+              <a:solidFill>
+                <a:srgbClr val="000000"/>
+              </a:solidFill>
+              <a:latin typeface="Consolas" panose="020B0609020204030204" pitchFamily="49" charset="0"/>
+            </a:endParaRPr>
+          </a:p>
+          <a:p>
+            <a:pPr lvl="5"/>
+            <a:r>
+              <a:rPr lang="en-US" altLang="zh-CN" sz="1050" dirty="0" err="1">
+                <a:solidFill>
+                  <a:srgbClr val="000000"/>
+                </a:solidFill>
+                <a:latin typeface="Consolas" panose="020B0609020204030204" pitchFamily="49" charset="0"/>
+              </a:rPr>
+              <a:t>choosed</a:t>
+            </a:r>
+            <a:r>
+              <a:rPr lang="en-US" altLang="zh-CN" sz="1050" dirty="0">
+                <a:solidFill>
+                  <a:srgbClr val="000000"/>
+                </a:solidFill>
+                <a:latin typeface="Consolas" panose="020B0609020204030204" pitchFamily="49" charset="0"/>
+              </a:rPr>
+              <a:t> = </a:t>
+            </a:r>
+            <a:r>
+              <a:rPr lang="en-US" altLang="zh-CN" sz="1050" dirty="0">
+                <a:solidFill>
+                  <a:srgbClr val="0000FF"/>
+                </a:solidFill>
+                <a:latin typeface="Consolas" panose="020B0609020204030204" pitchFamily="49" charset="0"/>
+              </a:rPr>
+              <a:t>false</a:t>
+            </a:r>
+            <a:r>
+              <a:rPr lang="en-US" altLang="zh-CN" sz="1050" dirty="0">
+                <a:solidFill>
+                  <a:srgbClr val="000000"/>
+                </a:solidFill>
+                <a:latin typeface="Consolas" panose="020B0609020204030204" pitchFamily="49" charset="0"/>
+              </a:rPr>
+              <a:t>;</a:t>
+            </a:r>
+          </a:p>
+          <a:p>
+            <a:pPr lvl="5"/>
+            <a:r>
+              <a:rPr lang="en-US" altLang="zh-CN" sz="1050" dirty="0">
+                <a:solidFill>
+                  <a:srgbClr val="0000FF"/>
+                </a:solidFill>
+                <a:latin typeface="Consolas" panose="020B0609020204030204" pitchFamily="49" charset="0"/>
+              </a:rPr>
+              <a:t>break</a:t>
+            </a:r>
+            <a:r>
+              <a:rPr lang="en-US" altLang="zh-CN" sz="1050" dirty="0">
+                <a:solidFill>
+                  <a:srgbClr val="000000"/>
+                </a:solidFill>
+                <a:latin typeface="Consolas" panose="020B0609020204030204" pitchFamily="49" charset="0"/>
+              </a:rPr>
+              <a:t>;</a:t>
+            </a:r>
+          </a:p>
+          <a:p>
+            <a:pPr lvl="4"/>
+            <a:r>
+              <a:rPr lang="en-US" altLang="zh-CN" sz="1050" dirty="0">
+                <a:solidFill>
+                  <a:srgbClr val="000000"/>
+                </a:solidFill>
+                <a:latin typeface="Consolas" panose="020B0609020204030204" pitchFamily="49" charset="0"/>
+              </a:rPr>
+              <a:t>}</a:t>
+            </a:r>
+          </a:p>
+          <a:p>
+            <a:pPr lvl="3"/>
+            <a:r>
+              <a:rPr lang="en-US" altLang="zh-CN" sz="1050" dirty="0">
+                <a:solidFill>
+                  <a:srgbClr val="000000"/>
+                </a:solidFill>
+                <a:latin typeface="Consolas" panose="020B0609020204030204" pitchFamily="49" charset="0"/>
+              </a:rPr>
+              <a:t>}</a:t>
+            </a:r>
+          </a:p>
+          <a:p>
+            <a:pPr lvl="3"/>
+            <a:endParaRPr lang="en-US" altLang="zh-CN" sz="1050" dirty="0">
+              <a:solidFill>
+                <a:srgbClr val="000000"/>
+              </a:solidFill>
+              <a:latin typeface="Consolas" panose="020B0609020204030204" pitchFamily="49" charset="0"/>
+            </a:endParaRPr>
+          </a:p>
+          <a:p>
+            <a:pPr lvl="3"/>
+            <a:endParaRPr lang="en-US" altLang="zh-CN" sz="1050" dirty="0">
+              <a:solidFill>
+                <a:srgbClr val="000000"/>
+              </a:solidFill>
+              <a:latin typeface="Consolas" panose="020B0609020204030204" pitchFamily="49" charset="0"/>
+            </a:endParaRPr>
+          </a:p>
+          <a:p>
+            <a:pPr lvl="3"/>
+            <a:endParaRPr lang="en-US" altLang="zh-CN" sz="1050" dirty="0">
+              <a:solidFill>
+                <a:srgbClr val="000000"/>
+              </a:solidFill>
+              <a:latin typeface="Consolas" panose="020B0609020204030204" pitchFamily="49" charset="0"/>
+            </a:endParaRPr>
+          </a:p>
+          <a:p>
+            <a:pPr lvl="3"/>
+            <a:r>
+              <a:rPr lang="en-US" altLang="zh-CN" sz="1050" dirty="0">
+                <a:solidFill>
+                  <a:srgbClr val="0000FF"/>
+                </a:solidFill>
+                <a:latin typeface="Consolas" panose="020B0609020204030204" pitchFamily="49" charset="0"/>
+              </a:rPr>
+              <a:t>else</a:t>
+            </a:r>
+            <a:r>
+              <a:rPr lang="en-US" altLang="zh-CN" sz="1050" dirty="0">
+                <a:solidFill>
+                  <a:srgbClr val="000000"/>
+                </a:solidFill>
+                <a:latin typeface="Consolas" panose="020B0609020204030204" pitchFamily="49" charset="0"/>
+              </a:rPr>
+              <a:t> </a:t>
+            </a:r>
+            <a:r>
+              <a:rPr lang="en-US" altLang="zh-CN" sz="1050" dirty="0">
+                <a:solidFill>
+                  <a:srgbClr val="0000FF"/>
+                </a:solidFill>
+                <a:latin typeface="Consolas" panose="020B0609020204030204" pitchFamily="49" charset="0"/>
+              </a:rPr>
+              <a:t>if</a:t>
+            </a:r>
+            <a:r>
+              <a:rPr lang="en-US" altLang="zh-CN" sz="1050" dirty="0">
+                <a:solidFill>
+                  <a:srgbClr val="000000"/>
+                </a:solidFill>
+                <a:latin typeface="Consolas" panose="020B0609020204030204" pitchFamily="49" charset="0"/>
+              </a:rPr>
+              <a:t> (tolerance[j] &lt;= </a:t>
+            </a:r>
+            <a:r>
+              <a:rPr lang="en-US" altLang="zh-CN" sz="1050" dirty="0">
+                <a:solidFill>
+                  <a:srgbClr val="09885A"/>
+                </a:solidFill>
+                <a:latin typeface="Consolas" panose="020B0609020204030204" pitchFamily="49" charset="0"/>
+              </a:rPr>
+              <a:t>0</a:t>
+            </a:r>
+            <a:r>
+              <a:rPr lang="en-US" altLang="zh-CN" sz="1050" dirty="0">
+                <a:solidFill>
+                  <a:srgbClr val="000000"/>
+                </a:solidFill>
+                <a:latin typeface="Consolas" panose="020B0609020204030204" pitchFamily="49" charset="0"/>
+              </a:rPr>
+              <a:t>) </a:t>
+            </a:r>
+            <a:r>
+              <a:rPr lang="en-US" altLang="zh-CN" sz="1050" dirty="0">
+                <a:solidFill>
+                  <a:srgbClr val="008000"/>
+                </a:solidFill>
+                <a:latin typeface="Consolas" panose="020B0609020204030204" pitchFamily="49" charset="0"/>
+              </a:rPr>
+              <a:t>// </a:t>
+            </a:r>
+            <a:r>
+              <a:rPr lang="zh-CN" altLang="en-US" sz="1050" dirty="0">
+                <a:solidFill>
+                  <a:srgbClr val="008000"/>
+                </a:solidFill>
+                <a:latin typeface="Consolas" panose="020B0609020204030204" pitchFamily="49" charset="0"/>
+              </a:rPr>
+              <a:t>排在任务</a:t>
+            </a:r>
+            <a:r>
+              <a:rPr lang="en-US" altLang="zh-CN" sz="1050" dirty="0">
+                <a:solidFill>
+                  <a:srgbClr val="008000"/>
+                </a:solidFill>
+                <a:latin typeface="Consolas" panose="020B0609020204030204" pitchFamily="49" charset="0"/>
+              </a:rPr>
+              <a:t>i</a:t>
+            </a:r>
+            <a:r>
+              <a:rPr lang="zh-CN" altLang="en-US" sz="1050" dirty="0">
+                <a:solidFill>
+                  <a:srgbClr val="008000"/>
+                </a:solidFill>
+                <a:latin typeface="Consolas" panose="020B0609020204030204" pitchFamily="49" charset="0"/>
+              </a:rPr>
+              <a:t>之后</a:t>
+            </a:r>
+            <a:endParaRPr lang="en-US" altLang="zh-CN" sz="1050" dirty="0">
+              <a:solidFill>
+                <a:srgbClr val="000000"/>
+              </a:solidFill>
+              <a:latin typeface="Consolas" panose="020B0609020204030204" pitchFamily="49" charset="0"/>
+            </a:endParaRPr>
+          </a:p>
+          <a:p>
+            <a:pPr lvl="3"/>
+            <a:r>
+              <a:rPr lang="en-US" altLang="zh-CN" sz="1050" dirty="0">
+                <a:solidFill>
+                  <a:srgbClr val="000000"/>
+                </a:solidFill>
+                <a:latin typeface="Consolas" panose="020B0609020204030204" pitchFamily="49" charset="0"/>
+              </a:rPr>
+              <a:t>{</a:t>
+            </a:r>
+          </a:p>
+          <a:p>
+            <a:pPr lvl="4"/>
+            <a:r>
+              <a:rPr lang="en-US" altLang="zh-CN" sz="1050" dirty="0">
+                <a:solidFill>
+                  <a:srgbClr val="008000"/>
+                </a:solidFill>
+                <a:latin typeface="Consolas" panose="020B0609020204030204" pitchFamily="49" charset="0"/>
+              </a:rPr>
+              <a:t>// </a:t>
+            </a:r>
+            <a:r>
+              <a:rPr lang="zh-CN" altLang="en-US" sz="1050" dirty="0">
+                <a:solidFill>
+                  <a:srgbClr val="008000"/>
+                </a:solidFill>
+                <a:latin typeface="Consolas" panose="020B0609020204030204" pitchFamily="49" charset="0"/>
+              </a:rPr>
+              <a:t>任务</a:t>
+            </a:r>
+            <a:r>
+              <a:rPr lang="en-US" altLang="zh-CN" sz="1050" dirty="0">
+                <a:solidFill>
+                  <a:srgbClr val="008000"/>
+                </a:solidFill>
+                <a:latin typeface="Consolas" panose="020B0609020204030204" pitchFamily="49" charset="0"/>
+              </a:rPr>
+              <a:t>j</a:t>
+            </a:r>
+            <a:r>
+              <a:rPr lang="zh-CN" altLang="en-US" sz="1050" dirty="0">
+                <a:solidFill>
+                  <a:srgbClr val="008000"/>
+                </a:solidFill>
+                <a:latin typeface="Consolas" panose="020B0609020204030204" pitchFamily="49" charset="0"/>
+              </a:rPr>
+              <a:t>没有足够容忍度允许任务</a:t>
+            </a:r>
+            <a:r>
+              <a:rPr lang="en-US" altLang="zh-CN" sz="1050" dirty="0">
+                <a:solidFill>
+                  <a:srgbClr val="008000"/>
+                </a:solidFill>
+                <a:latin typeface="Consolas" panose="020B0609020204030204" pitchFamily="49" charset="0"/>
+              </a:rPr>
+              <a:t>i</a:t>
+            </a:r>
+            <a:r>
+              <a:rPr lang="zh-CN" altLang="en-US" sz="1050" dirty="0">
+                <a:solidFill>
+                  <a:srgbClr val="008000"/>
+                </a:solidFill>
+                <a:latin typeface="Consolas" panose="020B0609020204030204" pitchFamily="49" charset="0"/>
+              </a:rPr>
+              <a:t>排在自己前面，任务</a:t>
+            </a:r>
+            <a:r>
+              <a:rPr lang="en-US" altLang="zh-CN" sz="1050" dirty="0">
+                <a:solidFill>
+                  <a:srgbClr val="008000"/>
+                </a:solidFill>
+                <a:latin typeface="Consolas" panose="020B0609020204030204" pitchFamily="49" charset="0"/>
+              </a:rPr>
+              <a:t>i</a:t>
+            </a:r>
+            <a:r>
+              <a:rPr lang="zh-CN" altLang="en-US" sz="1050" dirty="0">
+                <a:solidFill>
+                  <a:srgbClr val="008000"/>
+                </a:solidFill>
+                <a:latin typeface="Consolas" panose="020B0609020204030204" pitchFamily="49" charset="0"/>
+              </a:rPr>
+              <a:t>被拒绝</a:t>
+            </a:r>
+            <a:endParaRPr lang="zh-CN" altLang="en-US" sz="1050" dirty="0">
+              <a:solidFill>
+                <a:srgbClr val="000000"/>
+              </a:solidFill>
+              <a:latin typeface="Consolas" panose="020B0609020204030204" pitchFamily="49" charset="0"/>
+            </a:endParaRPr>
+          </a:p>
+          <a:p>
+            <a:pPr lvl="4"/>
+            <a:r>
+              <a:rPr lang="en-US" altLang="zh-CN" sz="1050" dirty="0" err="1">
+                <a:solidFill>
+                  <a:srgbClr val="000000"/>
+                </a:solidFill>
+                <a:latin typeface="Consolas" panose="020B0609020204030204" pitchFamily="49" charset="0"/>
+              </a:rPr>
+              <a:t>choosed</a:t>
+            </a:r>
+            <a:r>
+              <a:rPr lang="en-US" altLang="zh-CN" sz="1050" dirty="0">
+                <a:solidFill>
+                  <a:srgbClr val="000000"/>
+                </a:solidFill>
+                <a:latin typeface="Consolas" panose="020B0609020204030204" pitchFamily="49" charset="0"/>
+              </a:rPr>
+              <a:t> = </a:t>
+            </a:r>
+            <a:r>
+              <a:rPr lang="en-US" altLang="zh-CN" sz="1050" dirty="0">
+                <a:solidFill>
+                  <a:srgbClr val="0000FF"/>
+                </a:solidFill>
+                <a:latin typeface="Consolas" panose="020B0609020204030204" pitchFamily="49" charset="0"/>
+              </a:rPr>
+              <a:t>false</a:t>
+            </a:r>
+            <a:r>
+              <a:rPr lang="en-US" altLang="zh-CN" sz="1050" dirty="0">
+                <a:solidFill>
+                  <a:srgbClr val="000000"/>
+                </a:solidFill>
+                <a:latin typeface="Consolas" panose="020B0609020204030204" pitchFamily="49" charset="0"/>
+              </a:rPr>
+              <a:t>;</a:t>
+            </a:r>
+          </a:p>
+          <a:p>
+            <a:pPr lvl="4"/>
+            <a:r>
+              <a:rPr lang="en-US" altLang="zh-CN" sz="1050" dirty="0">
+                <a:solidFill>
+                  <a:srgbClr val="0000FF"/>
+                </a:solidFill>
+                <a:latin typeface="Consolas" panose="020B0609020204030204" pitchFamily="49" charset="0"/>
+              </a:rPr>
+              <a:t>break</a:t>
+            </a:r>
+            <a:r>
+              <a:rPr lang="en-US" altLang="zh-CN" sz="1050" dirty="0">
+                <a:solidFill>
+                  <a:srgbClr val="000000"/>
+                </a:solidFill>
+                <a:latin typeface="Consolas" panose="020B0609020204030204" pitchFamily="49" charset="0"/>
+              </a:rPr>
+              <a:t>;</a:t>
+            </a:r>
+          </a:p>
+          <a:p>
+            <a:pPr lvl="3"/>
+            <a:r>
+              <a:rPr lang="en-US" altLang="zh-CN" sz="1050" dirty="0">
+                <a:solidFill>
+                  <a:srgbClr val="000000"/>
+                </a:solidFill>
+                <a:latin typeface="Consolas" panose="020B0609020204030204" pitchFamily="49" charset="0"/>
+              </a:rPr>
+              <a:t>}</a:t>
+            </a:r>
+          </a:p>
+          <a:p>
+            <a:pPr lvl="3"/>
+            <a:r>
+              <a:rPr lang="en-US" altLang="zh-CN" sz="1050" dirty="0">
+                <a:solidFill>
+                  <a:srgbClr val="0000FF"/>
+                </a:solidFill>
+                <a:latin typeface="Consolas" panose="020B0609020204030204" pitchFamily="49" charset="0"/>
+              </a:rPr>
+              <a:t>else</a:t>
+            </a:r>
+            <a:endParaRPr lang="en-US" altLang="zh-CN" sz="1050" dirty="0">
+              <a:solidFill>
+                <a:srgbClr val="000000"/>
+              </a:solidFill>
+              <a:latin typeface="Consolas" panose="020B0609020204030204" pitchFamily="49" charset="0"/>
+            </a:endParaRPr>
+          </a:p>
+          <a:p>
+            <a:pPr lvl="3"/>
+            <a:r>
+              <a:rPr lang="en-US" altLang="zh-CN" sz="1050" dirty="0">
+                <a:solidFill>
+                  <a:srgbClr val="000000"/>
+                </a:solidFill>
+                <a:latin typeface="Consolas" panose="020B0609020204030204" pitchFamily="49" charset="0"/>
+              </a:rPr>
+              <a:t>{</a:t>
+            </a:r>
+          </a:p>
+          <a:p>
+            <a:pPr lvl="4"/>
+            <a:r>
+              <a:rPr lang="en-US" altLang="zh-CN" sz="1050" dirty="0">
+                <a:solidFill>
+                  <a:srgbClr val="008000"/>
+                </a:solidFill>
+                <a:latin typeface="Consolas" panose="020B0609020204030204" pitchFamily="49" charset="0"/>
+              </a:rPr>
+              <a:t>// </a:t>
+            </a:r>
+            <a:r>
+              <a:rPr lang="zh-CN" altLang="en-US" sz="1050" dirty="0">
+                <a:solidFill>
+                  <a:srgbClr val="008000"/>
+                </a:solidFill>
+                <a:latin typeface="Consolas" panose="020B0609020204030204" pitchFamily="49" charset="0"/>
+              </a:rPr>
+              <a:t>任务</a:t>
+            </a:r>
+            <a:r>
+              <a:rPr lang="en-US" altLang="zh-CN" sz="1050" dirty="0">
+                <a:solidFill>
+                  <a:srgbClr val="008000"/>
+                </a:solidFill>
+                <a:latin typeface="Consolas" panose="020B0609020204030204" pitchFamily="49" charset="0"/>
+              </a:rPr>
+              <a:t>j</a:t>
+            </a:r>
+            <a:r>
+              <a:rPr lang="zh-CN" altLang="en-US" sz="1050" dirty="0">
+                <a:solidFill>
+                  <a:srgbClr val="008000"/>
+                </a:solidFill>
+                <a:latin typeface="Consolas" panose="020B0609020204030204" pitchFamily="49" charset="0"/>
+              </a:rPr>
+              <a:t>允许任务</a:t>
+            </a:r>
+            <a:r>
+              <a:rPr lang="en-US" altLang="zh-CN" sz="1050" dirty="0">
+                <a:solidFill>
+                  <a:srgbClr val="008000"/>
+                </a:solidFill>
+                <a:latin typeface="Consolas" panose="020B0609020204030204" pitchFamily="49" charset="0"/>
+              </a:rPr>
+              <a:t>i</a:t>
+            </a:r>
+            <a:r>
+              <a:rPr lang="zh-CN" altLang="en-US" sz="1050" dirty="0">
+                <a:solidFill>
+                  <a:srgbClr val="008000"/>
+                </a:solidFill>
+                <a:latin typeface="Consolas" panose="020B0609020204030204" pitchFamily="49" charset="0"/>
+              </a:rPr>
+              <a:t>排在自己前面</a:t>
+            </a:r>
+            <a:endParaRPr lang="zh-CN" altLang="en-US" sz="1050" dirty="0">
+              <a:solidFill>
+                <a:srgbClr val="000000"/>
+              </a:solidFill>
+              <a:latin typeface="Consolas" panose="020B0609020204030204" pitchFamily="49" charset="0"/>
+            </a:endParaRPr>
+          </a:p>
+          <a:p>
+            <a:pPr lvl="4"/>
+            <a:r>
+              <a:rPr lang="en-US" altLang="zh-CN" sz="1050" dirty="0" err="1">
+                <a:solidFill>
+                  <a:srgbClr val="000000"/>
+                </a:solidFill>
+                <a:latin typeface="Consolas" panose="020B0609020204030204" pitchFamily="49" charset="0"/>
+              </a:rPr>
+              <a:t>willAdjust.push_back</a:t>
+            </a:r>
+            <a:r>
+              <a:rPr lang="en-US" altLang="zh-CN" sz="1050" dirty="0">
+                <a:solidFill>
+                  <a:srgbClr val="000000"/>
+                </a:solidFill>
+                <a:latin typeface="Consolas" panose="020B0609020204030204" pitchFamily="49" charset="0"/>
+              </a:rPr>
+              <a:t>(j);</a:t>
+            </a:r>
+          </a:p>
+          <a:p>
+            <a:pPr lvl="3"/>
+            <a:r>
+              <a:rPr lang="en-US" altLang="zh-CN" sz="1050" dirty="0">
+                <a:solidFill>
+                  <a:srgbClr val="000000"/>
+                </a:solidFill>
+                <a:latin typeface="Consolas" panose="020B0609020204030204" pitchFamily="49" charset="0"/>
+              </a:rPr>
+              <a:t>}</a:t>
+            </a:r>
+          </a:p>
+          <a:p>
+            <a:pPr lvl="2"/>
+            <a:r>
+              <a:rPr lang="en-US" altLang="zh-CN" sz="1050" dirty="0">
+                <a:solidFill>
+                  <a:srgbClr val="000000"/>
+                </a:solidFill>
+                <a:latin typeface="Consolas" panose="020B0609020204030204" pitchFamily="49" charset="0"/>
+              </a:rPr>
+              <a:t>}</a:t>
+            </a:r>
+          </a:p>
+          <a:p>
+            <a:pPr lvl="2"/>
+            <a:br>
+              <a:rPr lang="en-US" altLang="zh-CN" sz="1050" dirty="0">
+                <a:solidFill>
+                  <a:srgbClr val="000000"/>
+                </a:solidFill>
+                <a:latin typeface="Consolas" panose="020B0609020204030204" pitchFamily="49" charset="0"/>
+              </a:rPr>
+            </a:br>
+            <a:r>
+              <a:rPr lang="en-US" altLang="zh-CN" sz="1050" dirty="0">
+                <a:solidFill>
+                  <a:srgbClr val="0000FF"/>
+                </a:solidFill>
+                <a:latin typeface="Consolas" panose="020B0609020204030204" pitchFamily="49" charset="0"/>
+              </a:rPr>
+              <a:t>if</a:t>
+            </a:r>
+            <a:r>
+              <a:rPr lang="en-US" altLang="zh-CN" sz="1050" dirty="0">
+                <a:solidFill>
+                  <a:srgbClr val="000000"/>
+                </a:solidFill>
+                <a:latin typeface="Consolas" panose="020B0609020204030204" pitchFamily="49" charset="0"/>
+              </a:rPr>
+              <a:t> (</a:t>
+            </a:r>
+            <a:r>
+              <a:rPr lang="en-US" altLang="zh-CN" sz="1050" dirty="0" err="1">
+                <a:solidFill>
+                  <a:srgbClr val="000000"/>
+                </a:solidFill>
+                <a:latin typeface="Consolas" panose="020B0609020204030204" pitchFamily="49" charset="0"/>
+              </a:rPr>
+              <a:t>choosed</a:t>
+            </a:r>
+            <a:r>
+              <a:rPr lang="en-US" altLang="zh-CN" sz="1050" dirty="0">
+                <a:solidFill>
+                  <a:srgbClr val="000000"/>
+                </a:solidFill>
+                <a:latin typeface="Consolas" panose="020B0609020204030204" pitchFamily="49" charset="0"/>
+              </a:rPr>
+              <a:t>)</a:t>
+            </a:r>
+          </a:p>
+          <a:p>
+            <a:pPr lvl="2"/>
+            <a:r>
+              <a:rPr lang="en-US" altLang="zh-CN" sz="1050" dirty="0">
+                <a:solidFill>
+                  <a:srgbClr val="000000"/>
+                </a:solidFill>
+                <a:latin typeface="Consolas" panose="020B0609020204030204" pitchFamily="49" charset="0"/>
+              </a:rPr>
+              <a:t>{</a:t>
+            </a:r>
+          </a:p>
+          <a:p>
+            <a:pPr lvl="3"/>
+            <a:r>
+              <a:rPr lang="en-US" altLang="zh-CN" sz="1050" dirty="0">
+                <a:solidFill>
+                  <a:srgbClr val="008000"/>
+                </a:solidFill>
+                <a:latin typeface="Consolas" panose="020B0609020204030204" pitchFamily="49" charset="0"/>
+              </a:rPr>
+              <a:t>// </a:t>
+            </a:r>
+            <a:r>
+              <a:rPr lang="zh-CN" altLang="en-US" sz="1050" dirty="0">
+                <a:solidFill>
+                  <a:srgbClr val="008000"/>
+                </a:solidFill>
+                <a:latin typeface="Consolas" panose="020B0609020204030204" pitchFamily="49" charset="0"/>
+              </a:rPr>
+              <a:t>任务</a:t>
+            </a:r>
+            <a:r>
+              <a:rPr lang="en-US" altLang="zh-CN" sz="1050" dirty="0">
+                <a:solidFill>
+                  <a:srgbClr val="008000"/>
+                </a:solidFill>
+                <a:latin typeface="Consolas" panose="020B0609020204030204" pitchFamily="49" charset="0"/>
+              </a:rPr>
+              <a:t>i</a:t>
+            </a:r>
+            <a:r>
+              <a:rPr lang="zh-CN" altLang="en-US" sz="1050" dirty="0">
+                <a:solidFill>
+                  <a:srgbClr val="008000"/>
+                </a:solidFill>
+                <a:latin typeface="Consolas" panose="020B0609020204030204" pitchFamily="49" charset="0"/>
+              </a:rPr>
+              <a:t>被接受</a:t>
+            </a:r>
+            <a:endParaRPr lang="zh-CN" altLang="en-US" sz="1050" dirty="0">
+              <a:solidFill>
+                <a:srgbClr val="000000"/>
+              </a:solidFill>
+              <a:latin typeface="Consolas" panose="020B0609020204030204" pitchFamily="49" charset="0"/>
+            </a:endParaRPr>
+          </a:p>
+          <a:p>
+            <a:pPr lvl="3"/>
+            <a:r>
+              <a:rPr lang="en-US" altLang="zh-CN" sz="1050" dirty="0" err="1">
+                <a:solidFill>
+                  <a:srgbClr val="000000"/>
+                </a:solidFill>
+                <a:latin typeface="Consolas" panose="020B0609020204030204" pitchFamily="49" charset="0"/>
+              </a:rPr>
+              <a:t>aSchedule.push_back</a:t>
+            </a:r>
+            <a:r>
+              <a:rPr lang="en-US" altLang="zh-CN" sz="1050" dirty="0">
+                <a:solidFill>
+                  <a:srgbClr val="000000"/>
+                </a:solidFill>
+                <a:latin typeface="Consolas" panose="020B0609020204030204" pitchFamily="49" charset="0"/>
+              </a:rPr>
+              <a:t>(i);</a:t>
+            </a:r>
+          </a:p>
+          <a:p>
+            <a:pPr lvl="3"/>
+            <a:br>
+              <a:rPr lang="en-US" altLang="zh-CN" sz="1050" dirty="0">
+                <a:solidFill>
+                  <a:srgbClr val="000000"/>
+                </a:solidFill>
+                <a:latin typeface="Consolas" panose="020B0609020204030204" pitchFamily="49" charset="0"/>
+              </a:rPr>
+            </a:br>
+            <a:r>
+              <a:rPr lang="en-US" altLang="zh-CN" sz="1050" dirty="0">
+                <a:solidFill>
+                  <a:srgbClr val="008000"/>
+                </a:solidFill>
+                <a:latin typeface="Consolas" panose="020B0609020204030204" pitchFamily="49" charset="0"/>
+              </a:rPr>
+              <a:t>// </a:t>
+            </a:r>
+            <a:r>
+              <a:rPr lang="zh-CN" altLang="en-US" sz="1050" dirty="0">
+                <a:solidFill>
+                  <a:srgbClr val="008000"/>
+                </a:solidFill>
+                <a:latin typeface="Consolas" panose="020B0609020204030204" pitchFamily="49" charset="0"/>
+              </a:rPr>
+              <a:t>调整排在任务</a:t>
+            </a:r>
+            <a:r>
+              <a:rPr lang="en-US" altLang="zh-CN" sz="1050" dirty="0">
+                <a:solidFill>
+                  <a:srgbClr val="008000"/>
+                </a:solidFill>
+                <a:latin typeface="Consolas" panose="020B0609020204030204" pitchFamily="49" charset="0"/>
+              </a:rPr>
+              <a:t>i</a:t>
+            </a:r>
+            <a:r>
+              <a:rPr lang="zh-CN" altLang="en-US" sz="1050" dirty="0">
+                <a:solidFill>
+                  <a:srgbClr val="008000"/>
+                </a:solidFill>
+                <a:latin typeface="Consolas" panose="020B0609020204030204" pitchFamily="49" charset="0"/>
+              </a:rPr>
+              <a:t>后面的任务的容忍度</a:t>
+            </a:r>
+            <a:endParaRPr lang="zh-CN" altLang="en-US" sz="1050" dirty="0">
+              <a:solidFill>
+                <a:srgbClr val="000000"/>
+              </a:solidFill>
+              <a:latin typeface="Consolas" panose="020B0609020204030204" pitchFamily="49" charset="0"/>
+            </a:endParaRPr>
+          </a:p>
+          <a:p>
+            <a:pPr lvl="3"/>
+            <a:r>
+              <a:rPr lang="en-US" altLang="zh-CN" sz="1050" dirty="0">
+                <a:solidFill>
+                  <a:srgbClr val="0000FF"/>
+                </a:solidFill>
+                <a:latin typeface="Consolas" panose="020B0609020204030204" pitchFamily="49" charset="0"/>
+              </a:rPr>
+              <a:t>for</a:t>
+            </a:r>
+            <a:r>
+              <a:rPr lang="en-US" altLang="zh-CN" sz="1050" dirty="0">
+                <a:solidFill>
+                  <a:srgbClr val="000000"/>
+                </a:solidFill>
+                <a:latin typeface="Consolas" panose="020B0609020204030204" pitchFamily="49" charset="0"/>
+              </a:rPr>
+              <a:t> (</a:t>
+            </a:r>
+            <a:r>
+              <a:rPr lang="en-US" altLang="zh-CN" sz="1050" dirty="0">
+                <a:solidFill>
+                  <a:srgbClr val="0000FF"/>
+                </a:solidFill>
+                <a:latin typeface="Consolas" panose="020B0609020204030204" pitchFamily="49" charset="0"/>
+              </a:rPr>
+              <a:t>auto</a:t>
+            </a:r>
+            <a:r>
+              <a:rPr lang="en-US" altLang="zh-CN" sz="1050" dirty="0">
+                <a:solidFill>
+                  <a:srgbClr val="000000"/>
+                </a:solidFill>
+                <a:latin typeface="Consolas" panose="020B0609020204030204" pitchFamily="49" charset="0"/>
+              </a:rPr>
+              <a:t> j : </a:t>
+            </a:r>
+            <a:r>
+              <a:rPr lang="en-US" altLang="zh-CN" sz="1050" dirty="0" err="1">
+                <a:solidFill>
+                  <a:srgbClr val="000000"/>
+                </a:solidFill>
+                <a:latin typeface="Consolas" panose="020B0609020204030204" pitchFamily="49" charset="0"/>
+              </a:rPr>
+              <a:t>willAdjust</a:t>
+            </a:r>
+            <a:r>
+              <a:rPr lang="en-US" altLang="zh-CN" sz="1050" dirty="0">
+                <a:solidFill>
+                  <a:srgbClr val="000000"/>
+                </a:solidFill>
+                <a:latin typeface="Consolas" panose="020B0609020204030204" pitchFamily="49" charset="0"/>
+              </a:rPr>
+              <a:t>) tolerance[j]--;</a:t>
+            </a:r>
+          </a:p>
+          <a:p>
+            <a:pPr lvl="2"/>
+            <a:r>
+              <a:rPr lang="en-US" altLang="zh-CN" sz="1050" dirty="0">
+                <a:solidFill>
+                  <a:srgbClr val="000000"/>
+                </a:solidFill>
+                <a:latin typeface="Consolas" panose="020B0609020204030204" pitchFamily="49" charset="0"/>
+              </a:rPr>
+              <a:t>}</a:t>
+            </a:r>
+          </a:p>
+          <a:p>
+            <a:pPr lvl="2"/>
+            <a:r>
+              <a:rPr lang="en-US" altLang="zh-CN" sz="1050" dirty="0">
+                <a:solidFill>
+                  <a:srgbClr val="0000FF"/>
+                </a:solidFill>
+                <a:latin typeface="Consolas" panose="020B0609020204030204" pitchFamily="49" charset="0"/>
+              </a:rPr>
+              <a:t>else</a:t>
+            </a:r>
+            <a:endParaRPr lang="en-US" altLang="zh-CN" sz="1050" dirty="0">
+              <a:solidFill>
+                <a:srgbClr val="000000"/>
+              </a:solidFill>
+              <a:latin typeface="Consolas" panose="020B0609020204030204" pitchFamily="49" charset="0"/>
+            </a:endParaRPr>
+          </a:p>
+          <a:p>
+            <a:pPr lvl="2"/>
+            <a:r>
+              <a:rPr lang="en-US" altLang="zh-CN" sz="1050" dirty="0">
+                <a:solidFill>
+                  <a:srgbClr val="000000"/>
+                </a:solidFill>
+                <a:latin typeface="Consolas" panose="020B0609020204030204" pitchFamily="49" charset="0"/>
+              </a:rPr>
+              <a:t>{</a:t>
+            </a:r>
+          </a:p>
+          <a:p>
+            <a:pPr lvl="3"/>
+            <a:r>
+              <a:rPr lang="en-US" altLang="zh-CN" sz="1050" dirty="0">
+                <a:solidFill>
+                  <a:srgbClr val="008000"/>
+                </a:solidFill>
+                <a:latin typeface="Consolas" panose="020B0609020204030204" pitchFamily="49" charset="0"/>
+              </a:rPr>
+              <a:t>// </a:t>
+            </a:r>
+            <a:r>
+              <a:rPr lang="zh-CN" altLang="en-US" sz="1050" dirty="0">
+                <a:solidFill>
+                  <a:srgbClr val="008000"/>
+                </a:solidFill>
+                <a:latin typeface="Consolas" panose="020B0609020204030204" pitchFamily="49" charset="0"/>
+              </a:rPr>
+              <a:t>任务</a:t>
+            </a:r>
+            <a:r>
+              <a:rPr lang="en-US" altLang="zh-CN" sz="1050" dirty="0">
+                <a:solidFill>
+                  <a:srgbClr val="008000"/>
+                </a:solidFill>
+                <a:latin typeface="Consolas" panose="020B0609020204030204" pitchFamily="49" charset="0"/>
+              </a:rPr>
+              <a:t>i</a:t>
+            </a:r>
+            <a:r>
+              <a:rPr lang="zh-CN" altLang="en-US" sz="1050" dirty="0">
+                <a:solidFill>
+                  <a:srgbClr val="008000"/>
+                </a:solidFill>
+                <a:latin typeface="Consolas" panose="020B0609020204030204" pitchFamily="49" charset="0"/>
+              </a:rPr>
+              <a:t>被拒绝</a:t>
+            </a:r>
+            <a:endParaRPr lang="en-US" altLang="zh-CN" sz="1050" dirty="0">
+              <a:solidFill>
+                <a:srgbClr val="000000"/>
+              </a:solidFill>
+              <a:latin typeface="Consolas" panose="020B0609020204030204" pitchFamily="49" charset="0"/>
+            </a:endParaRPr>
+          </a:p>
+          <a:p>
+            <a:pPr lvl="3"/>
+            <a:r>
+              <a:rPr lang="en-US" altLang="zh-CN" sz="1050" dirty="0" err="1">
+                <a:solidFill>
+                  <a:srgbClr val="000000"/>
+                </a:solidFill>
+                <a:latin typeface="Consolas" panose="020B0609020204030204" pitchFamily="49" charset="0"/>
+              </a:rPr>
+              <a:t>aDelayedTasks.push_back</a:t>
+            </a:r>
+            <a:r>
+              <a:rPr lang="en-US" altLang="zh-CN" sz="1050" dirty="0">
+                <a:solidFill>
+                  <a:srgbClr val="000000"/>
+                </a:solidFill>
+                <a:latin typeface="Consolas" panose="020B0609020204030204" pitchFamily="49" charset="0"/>
+              </a:rPr>
+              <a:t>(i);</a:t>
+            </a:r>
+          </a:p>
+          <a:p>
+            <a:pPr lvl="2"/>
+            <a:r>
+              <a:rPr lang="en-US" altLang="zh-CN" sz="1050" dirty="0">
+                <a:solidFill>
+                  <a:srgbClr val="000000"/>
+                </a:solidFill>
+                <a:latin typeface="Consolas" panose="020B0609020204030204" pitchFamily="49" charset="0"/>
+              </a:rPr>
+              <a:t>}</a:t>
+            </a:r>
+          </a:p>
+          <a:p>
+            <a:pPr lvl="1"/>
+            <a:r>
+              <a:rPr lang="en-US" altLang="zh-CN" sz="1050" dirty="0">
+                <a:solidFill>
+                  <a:srgbClr val="000000"/>
+                </a:solidFill>
+                <a:latin typeface="Consolas" panose="020B0609020204030204" pitchFamily="49" charset="0"/>
+              </a:rPr>
+              <a:t>}</a:t>
+            </a:r>
+          </a:p>
+          <a:p>
+            <a:pPr lvl="1"/>
+            <a:br>
+              <a:rPr lang="en-US" altLang="zh-CN" sz="1050" dirty="0">
+                <a:solidFill>
+                  <a:srgbClr val="000000"/>
+                </a:solidFill>
+                <a:latin typeface="Consolas" panose="020B0609020204030204" pitchFamily="49" charset="0"/>
+              </a:rPr>
+            </a:br>
+            <a:r>
+              <a:rPr lang="en-US" altLang="zh-CN" sz="1050" dirty="0">
+                <a:solidFill>
+                  <a:srgbClr val="008000"/>
+                </a:solidFill>
+                <a:latin typeface="Consolas" panose="020B0609020204030204" pitchFamily="49" charset="0"/>
+              </a:rPr>
+              <a:t>// </a:t>
+            </a:r>
+            <a:r>
+              <a:rPr lang="zh-CN" altLang="en-US" sz="1050" dirty="0">
+                <a:solidFill>
+                  <a:srgbClr val="008000"/>
+                </a:solidFill>
+                <a:latin typeface="Consolas" panose="020B0609020204030204" pitchFamily="49" charset="0"/>
+              </a:rPr>
+              <a:t>对选中的可安排的任务按结束时间排序</a:t>
+            </a:r>
+            <a:endParaRPr lang="zh-CN" altLang="en-US" sz="1050" dirty="0">
+              <a:solidFill>
+                <a:srgbClr val="000000"/>
+              </a:solidFill>
+              <a:latin typeface="Consolas" panose="020B0609020204030204" pitchFamily="49" charset="0"/>
+            </a:endParaRPr>
+          </a:p>
+          <a:p>
+            <a:pPr lvl="1"/>
+            <a:r>
+              <a:rPr lang="en-US" altLang="zh-CN" sz="1050" dirty="0">
+                <a:solidFill>
+                  <a:srgbClr val="000000"/>
+                </a:solidFill>
+                <a:latin typeface="Consolas" panose="020B0609020204030204" pitchFamily="49" charset="0"/>
+              </a:rPr>
+              <a:t>sort(</a:t>
+            </a:r>
+            <a:r>
+              <a:rPr lang="en-US" altLang="zh-CN" sz="1050" dirty="0" err="1">
+                <a:solidFill>
+                  <a:srgbClr val="000000"/>
+                </a:solidFill>
+                <a:latin typeface="Consolas" panose="020B0609020204030204" pitchFamily="49" charset="0"/>
+              </a:rPr>
+              <a:t>aSchedule.begin</a:t>
+            </a:r>
+            <a:r>
+              <a:rPr lang="en-US" altLang="zh-CN" sz="1050" dirty="0">
+                <a:solidFill>
+                  <a:srgbClr val="000000"/>
+                </a:solidFill>
+                <a:latin typeface="Consolas" panose="020B0609020204030204" pitchFamily="49" charset="0"/>
+              </a:rPr>
+              <a:t>(), </a:t>
+            </a:r>
+            <a:r>
+              <a:rPr lang="en-US" altLang="zh-CN" sz="1050" dirty="0" err="1">
+                <a:solidFill>
+                  <a:srgbClr val="000000"/>
+                </a:solidFill>
+                <a:latin typeface="Consolas" panose="020B0609020204030204" pitchFamily="49" charset="0"/>
+              </a:rPr>
+              <a:t>aSchedule.end</a:t>
+            </a:r>
+            <a:r>
+              <a:rPr lang="en-US" altLang="zh-CN" sz="1050" dirty="0">
+                <a:solidFill>
+                  <a:srgbClr val="000000"/>
+                </a:solidFill>
+                <a:latin typeface="Consolas" panose="020B0609020204030204" pitchFamily="49" charset="0"/>
+              </a:rPr>
+              <a:t>(), </a:t>
+            </a:r>
+          </a:p>
+          <a:p>
+            <a:pPr lvl="1"/>
+            <a:r>
+              <a:rPr lang="en-US" altLang="zh-CN" sz="1050" dirty="0">
+                <a:solidFill>
+                  <a:srgbClr val="000000"/>
+                </a:solidFill>
+                <a:latin typeface="Consolas" panose="020B0609020204030204" pitchFamily="49" charset="0"/>
+              </a:rPr>
+              <a:t>	[</a:t>
+            </a:r>
+            <a:r>
+              <a:rPr lang="en-US" altLang="zh-CN" sz="1050" dirty="0" err="1">
+                <a:solidFill>
+                  <a:srgbClr val="000000"/>
+                </a:solidFill>
+                <a:latin typeface="Consolas" panose="020B0609020204030204" pitchFamily="49" charset="0"/>
+              </a:rPr>
+              <a:t>aTasks</a:t>
+            </a:r>
+            <a:r>
+              <a:rPr lang="en-US" altLang="zh-CN" sz="1050" dirty="0">
+                <a:solidFill>
+                  <a:srgbClr val="000000"/>
+                </a:solidFill>
+                <a:latin typeface="Consolas" panose="020B0609020204030204" pitchFamily="49" charset="0"/>
+              </a:rPr>
+              <a:t>](</a:t>
+            </a:r>
+            <a:r>
+              <a:rPr lang="en-US" altLang="zh-CN" sz="1050" dirty="0">
+                <a:solidFill>
+                  <a:srgbClr val="0000FF"/>
+                </a:solidFill>
+                <a:latin typeface="Consolas" panose="020B0609020204030204" pitchFamily="49" charset="0"/>
+              </a:rPr>
+              <a:t>int</a:t>
+            </a:r>
+            <a:r>
+              <a:rPr lang="en-US" altLang="zh-CN" sz="1050" dirty="0">
+                <a:solidFill>
+                  <a:srgbClr val="000000"/>
+                </a:solidFill>
+                <a:latin typeface="Consolas" panose="020B0609020204030204" pitchFamily="49" charset="0"/>
+              </a:rPr>
+              <a:t> i, </a:t>
+            </a:r>
+            <a:r>
+              <a:rPr lang="en-US" altLang="zh-CN" sz="1050" dirty="0">
+                <a:solidFill>
+                  <a:srgbClr val="0000FF"/>
+                </a:solidFill>
+                <a:latin typeface="Consolas" panose="020B0609020204030204" pitchFamily="49" charset="0"/>
+              </a:rPr>
+              <a:t>int</a:t>
+            </a:r>
+            <a:r>
+              <a:rPr lang="en-US" altLang="zh-CN" sz="1050" dirty="0">
+                <a:solidFill>
+                  <a:srgbClr val="000000"/>
+                </a:solidFill>
+                <a:latin typeface="Consolas" panose="020B0609020204030204" pitchFamily="49" charset="0"/>
+              </a:rPr>
+              <a:t> j) </a:t>
+            </a:r>
+          </a:p>
+          <a:p>
+            <a:pPr lvl="1"/>
+            <a:r>
+              <a:rPr lang="en-US" altLang="zh-CN" sz="1050" dirty="0">
+                <a:solidFill>
+                  <a:srgbClr val="000000"/>
+                </a:solidFill>
+                <a:latin typeface="Consolas" panose="020B0609020204030204" pitchFamily="49" charset="0"/>
+              </a:rPr>
+              <a:t>		{ </a:t>
+            </a:r>
+            <a:r>
+              <a:rPr lang="en-US" altLang="zh-CN" sz="1050" dirty="0">
+                <a:solidFill>
+                  <a:srgbClr val="0000FF"/>
+                </a:solidFill>
+                <a:latin typeface="Consolas" panose="020B0609020204030204" pitchFamily="49" charset="0"/>
+              </a:rPr>
+              <a:t>return</a:t>
+            </a:r>
+            <a:r>
+              <a:rPr lang="en-US" altLang="zh-CN" sz="1050" dirty="0">
+                <a:solidFill>
+                  <a:srgbClr val="000000"/>
+                </a:solidFill>
+                <a:latin typeface="Consolas" panose="020B0609020204030204" pitchFamily="49" charset="0"/>
+              </a:rPr>
+              <a:t> </a:t>
+            </a:r>
+            <a:r>
+              <a:rPr lang="en-US" altLang="zh-CN" sz="1050" dirty="0" err="1">
+                <a:solidFill>
+                  <a:srgbClr val="000000"/>
+                </a:solidFill>
+                <a:latin typeface="Consolas" panose="020B0609020204030204" pitchFamily="49" charset="0"/>
+              </a:rPr>
+              <a:t>aTasks</a:t>
+            </a:r>
+            <a:r>
+              <a:rPr lang="en-US" altLang="zh-CN" sz="1050" dirty="0">
+                <a:solidFill>
+                  <a:srgbClr val="000000"/>
+                </a:solidFill>
+                <a:latin typeface="Consolas" panose="020B0609020204030204" pitchFamily="49" charset="0"/>
+              </a:rPr>
+              <a:t>[i].Deadline &lt; </a:t>
+            </a:r>
+            <a:r>
+              <a:rPr lang="en-US" altLang="zh-CN" sz="1050" dirty="0" err="1">
+                <a:solidFill>
+                  <a:srgbClr val="000000"/>
+                </a:solidFill>
+                <a:latin typeface="Consolas" panose="020B0609020204030204" pitchFamily="49" charset="0"/>
+              </a:rPr>
+              <a:t>aTasks</a:t>
+            </a:r>
+            <a:r>
+              <a:rPr lang="en-US" altLang="zh-CN" sz="1050" dirty="0">
+                <a:solidFill>
+                  <a:srgbClr val="000000"/>
+                </a:solidFill>
+                <a:latin typeface="Consolas" panose="020B0609020204030204" pitchFamily="49" charset="0"/>
+              </a:rPr>
+              <a:t>[j].Deadline; });</a:t>
+            </a:r>
+          </a:p>
+          <a:p>
+            <a:pPr lvl="1"/>
+            <a:br>
+              <a:rPr lang="en-US" altLang="zh-CN" sz="1050" dirty="0">
+                <a:solidFill>
+                  <a:srgbClr val="000000"/>
+                </a:solidFill>
+                <a:latin typeface="Consolas" panose="020B0609020204030204" pitchFamily="49" charset="0"/>
+              </a:rPr>
+            </a:br>
+            <a:r>
+              <a:rPr lang="en-US" altLang="zh-CN" sz="1050" dirty="0">
+                <a:solidFill>
+                  <a:srgbClr val="008000"/>
+                </a:solidFill>
+                <a:latin typeface="Consolas" panose="020B0609020204030204" pitchFamily="49" charset="0"/>
+              </a:rPr>
+              <a:t>// </a:t>
+            </a:r>
+            <a:r>
+              <a:rPr lang="zh-CN" altLang="en-US" sz="1050" dirty="0">
+                <a:solidFill>
+                  <a:srgbClr val="008000"/>
+                </a:solidFill>
+                <a:latin typeface="Consolas" panose="020B0609020204030204" pitchFamily="49" charset="0"/>
+              </a:rPr>
+              <a:t>将未选中的不能及时完成的任务排在任务表后面</a:t>
+            </a:r>
+            <a:endParaRPr lang="zh-CN" altLang="en-US" sz="1050" dirty="0">
+              <a:solidFill>
+                <a:srgbClr val="000000"/>
+              </a:solidFill>
+              <a:latin typeface="Consolas" panose="020B0609020204030204" pitchFamily="49" charset="0"/>
+            </a:endParaRPr>
+          </a:p>
+          <a:p>
+            <a:pPr lvl="1"/>
+            <a:r>
+              <a:rPr lang="en-US" altLang="zh-CN" sz="1050" dirty="0">
+                <a:solidFill>
+                  <a:srgbClr val="0000FF"/>
+                </a:solidFill>
+                <a:latin typeface="Consolas" panose="020B0609020204030204" pitchFamily="49" charset="0"/>
+              </a:rPr>
+              <a:t>for</a:t>
+            </a:r>
+            <a:r>
+              <a:rPr lang="en-US" altLang="zh-CN" sz="1050" dirty="0">
+                <a:solidFill>
+                  <a:srgbClr val="000000"/>
+                </a:solidFill>
+                <a:latin typeface="Consolas" panose="020B0609020204030204" pitchFamily="49" charset="0"/>
+              </a:rPr>
+              <a:t> (</a:t>
+            </a:r>
+            <a:r>
+              <a:rPr lang="en-US" altLang="zh-CN" sz="1050" dirty="0">
+                <a:solidFill>
+                  <a:srgbClr val="0000FF"/>
+                </a:solidFill>
+                <a:latin typeface="Consolas" panose="020B0609020204030204" pitchFamily="49" charset="0"/>
+              </a:rPr>
+              <a:t>auto</a:t>
+            </a:r>
+            <a:r>
+              <a:rPr lang="en-US" altLang="zh-CN" sz="1050" dirty="0">
+                <a:solidFill>
+                  <a:srgbClr val="000000"/>
+                </a:solidFill>
+                <a:latin typeface="Consolas" panose="020B0609020204030204" pitchFamily="49" charset="0"/>
+              </a:rPr>
+              <a:t> i : </a:t>
+            </a:r>
+            <a:r>
+              <a:rPr lang="en-US" altLang="zh-CN" sz="1050" dirty="0" err="1">
+                <a:solidFill>
+                  <a:srgbClr val="000000"/>
+                </a:solidFill>
+                <a:latin typeface="Consolas" panose="020B0609020204030204" pitchFamily="49" charset="0"/>
+              </a:rPr>
+              <a:t>aDelayedTasks</a:t>
+            </a:r>
+            <a:r>
+              <a:rPr lang="en-US" altLang="zh-CN" sz="1050" dirty="0">
+                <a:solidFill>
+                  <a:srgbClr val="000000"/>
+                </a:solidFill>
+                <a:latin typeface="Consolas" panose="020B0609020204030204" pitchFamily="49" charset="0"/>
+              </a:rPr>
+              <a:t>)</a:t>
+            </a:r>
+          </a:p>
+          <a:p>
+            <a:pPr lvl="1"/>
+            <a:r>
+              <a:rPr lang="en-US" altLang="zh-CN" sz="1050" dirty="0">
+                <a:solidFill>
+                  <a:srgbClr val="000000"/>
+                </a:solidFill>
+                <a:latin typeface="Consolas" panose="020B0609020204030204" pitchFamily="49" charset="0"/>
+              </a:rPr>
+              <a:t>	</a:t>
+            </a:r>
+            <a:r>
+              <a:rPr lang="en-US" altLang="zh-CN" sz="1050" dirty="0" err="1">
+                <a:solidFill>
+                  <a:srgbClr val="000000"/>
+                </a:solidFill>
+                <a:latin typeface="Consolas" panose="020B0609020204030204" pitchFamily="49" charset="0"/>
+              </a:rPr>
+              <a:t>aSchedule.push_back</a:t>
+            </a:r>
+            <a:r>
+              <a:rPr lang="en-US" altLang="zh-CN" sz="1050" dirty="0">
+                <a:solidFill>
+                  <a:srgbClr val="000000"/>
+                </a:solidFill>
+                <a:latin typeface="Consolas" panose="020B0609020204030204" pitchFamily="49" charset="0"/>
+              </a:rPr>
+              <a:t>(i);</a:t>
+            </a:r>
+          </a:p>
+          <a:p>
+            <a:pPr lvl="1"/>
+            <a:br>
+              <a:rPr lang="en-US" altLang="zh-CN" sz="1050" dirty="0">
+                <a:solidFill>
+                  <a:srgbClr val="000000"/>
+                </a:solidFill>
+                <a:latin typeface="Consolas" panose="020B0609020204030204" pitchFamily="49" charset="0"/>
+              </a:rPr>
+            </a:br>
+            <a:r>
+              <a:rPr lang="en-US" altLang="zh-CN" sz="1050" dirty="0">
+                <a:solidFill>
+                  <a:srgbClr val="0000FF"/>
+                </a:solidFill>
+                <a:latin typeface="Consolas" panose="020B0609020204030204" pitchFamily="49" charset="0"/>
+              </a:rPr>
+              <a:t>return</a:t>
+            </a:r>
+            <a:r>
+              <a:rPr lang="en-US" altLang="zh-CN" sz="1050" dirty="0">
+                <a:solidFill>
+                  <a:srgbClr val="000000"/>
+                </a:solidFill>
+                <a:latin typeface="Consolas" panose="020B0609020204030204" pitchFamily="49" charset="0"/>
+              </a:rPr>
+              <a:t> </a:t>
+            </a:r>
+            <a:r>
+              <a:rPr lang="en-US" altLang="zh-CN" sz="1050" dirty="0" err="1">
+                <a:solidFill>
+                  <a:srgbClr val="000000"/>
+                </a:solidFill>
+                <a:latin typeface="Consolas" panose="020B0609020204030204" pitchFamily="49" charset="0"/>
+              </a:rPr>
+              <a:t>aSchedule</a:t>
+            </a:r>
+            <a:r>
+              <a:rPr lang="en-US" altLang="zh-CN" sz="1050" dirty="0">
+                <a:solidFill>
+                  <a:srgbClr val="000000"/>
+                </a:solidFill>
+                <a:latin typeface="Consolas" panose="020B0609020204030204" pitchFamily="49" charset="0"/>
+              </a:rPr>
+              <a:t>;</a:t>
+            </a:r>
+          </a:p>
+          <a:p>
+            <a:r>
+              <a:rPr lang="en-US" altLang="zh-CN" sz="1050" dirty="0">
+                <a:solidFill>
+                  <a:srgbClr val="000000"/>
+                </a:solidFill>
+                <a:latin typeface="Consolas" panose="020B0609020204030204" pitchFamily="49" charset="0"/>
+              </a:rPr>
+              <a:t>}</a:t>
+            </a:r>
+            <a:endParaRPr lang="en-US" altLang="zh-CN" sz="1050" b="0" dirty="0">
+              <a:solidFill>
+                <a:srgbClr val="000000"/>
+              </a:solidFill>
+              <a:effectLst/>
+              <a:latin typeface="Consolas" panose="020B0609020204030204" pitchFamily="49" charset="0"/>
+            </a:endParaRPr>
+          </a:p>
+        </p:txBody>
+      </p:sp>
+    </p:spTree>
+    <p:extLst>
+      <p:ext uri="{BB962C8B-B14F-4D97-AF65-F5344CB8AC3E}">
+        <p14:creationId xmlns:p14="http://schemas.microsoft.com/office/powerpoint/2010/main" val="3222062605"/>
+      </p:ext>
+    </p:extLst>
+  </p:cSld>
+  <p:clrMapOvr>
+    <a:masterClrMapping/>
+  </p:clrMapOvr>
+  <p:timing>
+    <p:tnLst>
+      <p:par>
+        <p:cTn id="1" dur="indefinite" restart="never" nodeType="tmRoot">
+          <p:childTnLst>
+            <p:seq concurrent="1" nextAc="seek">
+              <p:cTn id="2" dur="indefinite" nodeType="mainSeq">
+                <p:childTnLst>
+                  <p:par>
+                    <p:cTn id="3" fill="hold">
+                      <p:stCondLst>
+                        <p:cond delay="indefinite"/>
+                      </p:stCondLst>
+                      <p:childTnLst>
+                        <p:par>
+                          <p:cTn id="4" fill="hold">
+                            <p:stCondLst>
+                              <p:cond delay="0"/>
+                            </p:stCondLst>
+                            <p:childTnLst>
+                              <p:par>
+                                <p:cTn id="5" presetID="1" presetClass="entr" presetSubtype="0" fill="hold" grpId="0" nodeType="clickEffect">
+                                  <p:stCondLst>
+                                    <p:cond delay="0"/>
+                                  </p:stCondLst>
+                                  <p:childTnLst>
+                                    <p:set>
+                                      <p:cBhvr>
+                                        <p:cTn id="6" dur="1" fill="hold">
+                                          <p:stCondLst>
+                                            <p:cond delay="0"/>
+                                          </p:stCondLst>
+                                        </p:cTn>
+                                        <p:tgtEl>
+                                          <p:spTgt spid="2"/>
+                                        </p:tgtEl>
+                                        <p:attrNameLst>
+                                          <p:attrName>style.visibility</p:attrName>
+                                        </p:attrNameLst>
+                                      </p:cBhvr>
+                                      <p:to>
+                                        <p:strVal val="visible"/>
+                                      </p:to>
+                                    </p:set>
+                                  </p:childTnLst>
+                                </p:cTn>
+                              </p:par>
+                              <p:par>
+                                <p:cTn id="7" presetID="1" presetClass="entr" presetSubtype="0" fill="hold" nodeType="withEffect">
+                                  <p:stCondLst>
+                                    <p:cond delay="0"/>
+                                  </p:stCondLst>
+                                  <p:childTnLst>
+                                    <p:set>
+                                      <p:cBhvr>
+                                        <p:cTn id="8" dur="1" fill="hold">
+                                          <p:stCondLst>
+                                            <p:cond delay="0"/>
+                                          </p:stCondLst>
+                                        </p:cTn>
+                                        <p:tgtEl>
+                                          <p:spTgt spid="2">
+                                            <p:txEl>
+                                              <p:pRg st="0" end="0"/>
+                                            </p:txEl>
+                                          </p:spTgt>
+                                        </p:tgtEl>
+                                        <p:attrNameLst>
+                                          <p:attrName>style.visibility</p:attrName>
+                                        </p:attrNameLst>
+                                      </p:cBhvr>
+                                      <p:to>
+                                        <p:strVal val="visible"/>
+                                      </p:to>
+                                    </p:set>
+                                  </p:childTnLst>
+                                </p:cTn>
+                              </p:par>
+                              <p:par>
+                                <p:cTn id="9" presetID="1" presetClass="entr" presetSubtype="0" fill="hold" nodeType="withEffect">
+                                  <p:stCondLst>
+                                    <p:cond delay="0"/>
+                                  </p:stCondLst>
+                                  <p:childTnLst>
+                                    <p:set>
+                                      <p:cBhvr>
+                                        <p:cTn id="10" dur="1" fill="hold">
+                                          <p:stCondLst>
+                                            <p:cond delay="0"/>
+                                          </p:stCondLst>
+                                        </p:cTn>
+                                        <p:tgtEl>
+                                          <p:spTgt spid="2">
+                                            <p:txEl>
+                                              <p:pRg st="1" end="1"/>
+                                            </p:txEl>
+                                          </p:spTgt>
+                                        </p:tgtEl>
+                                        <p:attrNameLst>
+                                          <p:attrName>style.visibility</p:attrName>
+                                        </p:attrNameLst>
+                                      </p:cBhvr>
+                                      <p:to>
+                                        <p:strVal val="visible"/>
+                                      </p:to>
+                                    </p:set>
+                                  </p:childTnLst>
+                                </p:cTn>
+                              </p:par>
+                              <p:par>
+                                <p:cTn id="11" presetID="1" presetClass="entr" presetSubtype="0" fill="hold" nodeType="withEffect">
+                                  <p:stCondLst>
+                                    <p:cond delay="0"/>
+                                  </p:stCondLst>
+                                  <p:childTnLst>
+                                    <p:set>
+                                      <p:cBhvr>
+                                        <p:cTn id="12" dur="1" fill="hold">
+                                          <p:stCondLst>
+                                            <p:cond delay="0"/>
+                                          </p:stCondLst>
+                                        </p:cTn>
+                                        <p:tgtEl>
+                                          <p:spTgt spid="2">
+                                            <p:txEl>
+                                              <p:pRg st="70" end="70"/>
+                                            </p:txEl>
+                                          </p:spTgt>
+                                        </p:tgtEl>
+                                        <p:attrNameLst>
+                                          <p:attrName>style.visibility</p:attrName>
+                                        </p:attrNameLst>
+                                      </p:cBhvr>
+                                      <p:to>
+                                        <p:strVal val="visible"/>
+                                      </p:to>
+                                    </p:set>
+                                  </p:childTnLst>
+                                </p:cTn>
+                              </p:par>
+                            </p:childTnLst>
+                          </p:cTn>
+                        </p:par>
+                      </p:childTnLst>
+                    </p:cTn>
+                  </p:par>
+                  <p:par>
+                    <p:cTn id="13" fill="hold">
+                      <p:stCondLst>
+                        <p:cond delay="indefinite"/>
+                      </p:stCondLst>
+                      <p:childTnLst>
+                        <p:par>
+                          <p:cTn id="14" fill="hold">
+                            <p:stCondLst>
+                              <p:cond delay="0"/>
+                            </p:stCondLst>
+                            <p:childTnLst>
+                              <p:par>
+                                <p:cTn id="15" presetID="1" presetClass="entr" presetSubtype="0" fill="hold" nodeType="clickEffect">
+                                  <p:stCondLst>
+                                    <p:cond delay="0"/>
+                                  </p:stCondLst>
+                                  <p:childTnLst>
+                                    <p:set>
+                                      <p:cBhvr>
+                                        <p:cTn id="16" dur="1" fill="hold">
+                                          <p:stCondLst>
+                                            <p:cond delay="0"/>
+                                          </p:stCondLst>
+                                        </p:cTn>
+                                        <p:tgtEl>
+                                          <p:spTgt spid="2">
+                                            <p:txEl>
+                                              <p:pRg st="2" end="2"/>
+                                            </p:txEl>
+                                          </p:spTgt>
+                                        </p:tgtEl>
+                                        <p:attrNameLst>
+                                          <p:attrName>style.visibility</p:attrName>
+                                        </p:attrNameLst>
+                                      </p:cBhvr>
+                                      <p:to>
+                                        <p:strVal val="visible"/>
+                                      </p:to>
+                                    </p:set>
+                                  </p:childTnLst>
+                                </p:cTn>
+                              </p:par>
+                            </p:childTnLst>
+                          </p:cTn>
+                        </p:par>
+                      </p:childTnLst>
+                    </p:cTn>
+                  </p:par>
+                  <p:par>
+                    <p:cTn id="17" fill="hold">
+                      <p:stCondLst>
+                        <p:cond delay="indefinite"/>
+                      </p:stCondLst>
+                      <p:childTnLst>
+                        <p:par>
+                          <p:cTn id="18" fill="hold">
+                            <p:stCondLst>
+                              <p:cond delay="0"/>
+                            </p:stCondLst>
+                            <p:childTnLst>
+                              <p:par>
+                                <p:cTn id="19" presetID="1" presetClass="entr" presetSubtype="0" fill="hold" nodeType="clickEffect">
+                                  <p:stCondLst>
+                                    <p:cond delay="0"/>
+                                  </p:stCondLst>
+                                  <p:childTnLst>
+                                    <p:set>
+                                      <p:cBhvr>
+                                        <p:cTn id="20" dur="1" fill="hold">
+                                          <p:stCondLst>
+                                            <p:cond delay="0"/>
+                                          </p:stCondLst>
+                                        </p:cTn>
+                                        <p:tgtEl>
+                                          <p:spTgt spid="2">
+                                            <p:txEl>
+                                              <p:pRg st="3" end="3"/>
+                                            </p:txEl>
+                                          </p:spTgt>
+                                        </p:tgtEl>
+                                        <p:attrNameLst>
+                                          <p:attrName>style.visibility</p:attrName>
+                                        </p:attrNameLst>
+                                      </p:cBhvr>
+                                      <p:to>
+                                        <p:strVal val="visible"/>
+                                      </p:to>
+                                    </p:set>
+                                  </p:childTnLst>
+                                </p:cTn>
+                              </p:par>
+                              <p:par>
+                                <p:cTn id="21" presetID="1" presetClass="entr" presetSubtype="0" fill="hold" nodeType="withEffect">
+                                  <p:stCondLst>
+                                    <p:cond delay="0"/>
+                                  </p:stCondLst>
+                                  <p:childTnLst>
+                                    <p:set>
+                                      <p:cBhvr>
+                                        <p:cTn id="22" dur="1" fill="hold">
+                                          <p:stCondLst>
+                                            <p:cond delay="0"/>
+                                          </p:stCondLst>
+                                        </p:cTn>
+                                        <p:tgtEl>
+                                          <p:spTgt spid="2">
+                                            <p:txEl>
+                                              <p:pRg st="7" end="7"/>
+                                            </p:txEl>
+                                          </p:spTgt>
+                                        </p:tgtEl>
+                                        <p:attrNameLst>
+                                          <p:attrName>style.visibility</p:attrName>
+                                        </p:attrNameLst>
+                                      </p:cBhvr>
+                                      <p:to>
+                                        <p:strVal val="visible"/>
+                                      </p:to>
+                                    </p:set>
+                                  </p:childTnLst>
+                                </p:cTn>
+                              </p:par>
+                              <p:par>
+                                <p:cTn id="23" presetID="1" presetClass="entr" presetSubtype="0" fill="hold" nodeType="withEffect">
+                                  <p:stCondLst>
+                                    <p:cond delay="0"/>
+                                  </p:stCondLst>
+                                  <p:childTnLst>
+                                    <p:set>
+                                      <p:cBhvr>
+                                        <p:cTn id="24" dur="1" fill="hold">
+                                          <p:stCondLst>
+                                            <p:cond delay="0"/>
+                                          </p:stCondLst>
+                                        </p:cTn>
+                                        <p:tgtEl>
+                                          <p:spTgt spid="2">
+                                            <p:txEl>
+                                              <p:pRg st="9" end="9"/>
+                                            </p:txEl>
+                                          </p:spTgt>
+                                        </p:tgtEl>
+                                        <p:attrNameLst>
+                                          <p:attrName>style.visibility</p:attrName>
+                                        </p:attrNameLst>
+                                      </p:cBhvr>
+                                      <p:to>
+                                        <p:strVal val="visible"/>
+                                      </p:to>
+                                    </p:set>
+                                  </p:childTnLst>
+                                </p:cTn>
+                              </p:par>
+                              <p:par>
+                                <p:cTn id="25" presetID="1" presetClass="entr" presetSubtype="0" fill="hold" nodeType="withEffect">
+                                  <p:stCondLst>
+                                    <p:cond delay="0"/>
+                                  </p:stCondLst>
+                                  <p:childTnLst>
+                                    <p:set>
+                                      <p:cBhvr>
+                                        <p:cTn id="26" dur="1" fill="hold">
+                                          <p:stCondLst>
+                                            <p:cond delay="0"/>
+                                          </p:stCondLst>
+                                        </p:cTn>
+                                        <p:tgtEl>
+                                          <p:spTgt spid="2">
+                                            <p:txEl>
+                                              <p:pRg st="62" end="62"/>
+                                            </p:txEl>
+                                          </p:spTgt>
+                                        </p:tgtEl>
+                                        <p:attrNameLst>
+                                          <p:attrName>style.visibility</p:attrName>
+                                        </p:attrNameLst>
+                                      </p:cBhvr>
+                                      <p:to>
+                                        <p:strVal val="visible"/>
+                                      </p:to>
+                                    </p:set>
+                                  </p:childTnLst>
+                                </p:cTn>
+                              </p:par>
+                              <p:par>
+                                <p:cTn id="27" presetID="1" presetClass="entr" presetSubtype="0" fill="hold" nodeType="withEffect">
+                                  <p:stCondLst>
+                                    <p:cond delay="0"/>
+                                  </p:stCondLst>
+                                  <p:childTnLst>
+                                    <p:set>
+                                      <p:cBhvr>
+                                        <p:cTn id="28" dur="1" fill="hold">
+                                          <p:stCondLst>
+                                            <p:cond delay="0"/>
+                                          </p:stCondLst>
+                                        </p:cTn>
+                                        <p:tgtEl>
+                                          <p:spTgt spid="2">
+                                            <p:txEl>
+                                              <p:pRg st="66" end="66"/>
+                                            </p:txEl>
+                                          </p:spTgt>
+                                        </p:tgtEl>
+                                        <p:attrNameLst>
+                                          <p:attrName>style.visibility</p:attrName>
+                                        </p:attrNameLst>
+                                      </p:cBhvr>
+                                      <p:to>
+                                        <p:strVal val="visible"/>
+                                      </p:to>
+                                    </p:set>
+                                  </p:childTnLst>
+                                </p:cTn>
+                              </p:par>
+                            </p:childTnLst>
+                          </p:cTn>
+                        </p:par>
+                      </p:childTnLst>
+                    </p:cTn>
+                  </p:par>
+                  <p:par>
+                    <p:cTn id="29" fill="hold">
+                      <p:stCondLst>
+                        <p:cond delay="indefinite"/>
+                      </p:stCondLst>
+                      <p:childTnLst>
+                        <p:par>
+                          <p:cTn id="30" fill="hold">
+                            <p:stCondLst>
+                              <p:cond delay="0"/>
+                            </p:stCondLst>
+                            <p:childTnLst>
+                              <p:par>
+                                <p:cTn id="31" presetID="1" presetClass="entr" presetSubtype="0" fill="hold" nodeType="clickEffect">
+                                  <p:stCondLst>
+                                    <p:cond delay="0"/>
+                                  </p:stCondLst>
+                                  <p:childTnLst>
+                                    <p:set>
+                                      <p:cBhvr>
+                                        <p:cTn id="32" dur="1" fill="hold">
+                                          <p:stCondLst>
+                                            <p:cond delay="0"/>
+                                          </p:stCondLst>
+                                        </p:cTn>
+                                        <p:tgtEl>
+                                          <p:spTgt spid="2">
+                                            <p:txEl>
+                                              <p:pRg st="4" end="4"/>
+                                            </p:txEl>
+                                          </p:spTgt>
+                                        </p:tgtEl>
+                                        <p:attrNameLst>
+                                          <p:attrName>style.visibility</p:attrName>
+                                        </p:attrNameLst>
+                                      </p:cBhvr>
+                                      <p:to>
+                                        <p:strVal val="visible"/>
+                                      </p:to>
+                                    </p:set>
+                                  </p:childTnLst>
+                                </p:cTn>
+                              </p:par>
+                              <p:par>
+                                <p:cTn id="33" presetID="1" presetClass="entr" presetSubtype="0" fill="hold" nodeType="withEffect">
+                                  <p:stCondLst>
+                                    <p:cond delay="0"/>
+                                  </p:stCondLst>
+                                  <p:childTnLst>
+                                    <p:set>
+                                      <p:cBhvr>
+                                        <p:cTn id="34" dur="1" fill="hold">
+                                          <p:stCondLst>
+                                            <p:cond delay="0"/>
+                                          </p:stCondLst>
+                                        </p:cTn>
+                                        <p:tgtEl>
+                                          <p:spTgt spid="2">
+                                            <p:txEl>
+                                              <p:pRg st="5" end="5"/>
+                                            </p:txEl>
+                                          </p:spTgt>
+                                        </p:tgtEl>
+                                        <p:attrNameLst>
+                                          <p:attrName>style.visibility</p:attrName>
+                                        </p:attrNameLst>
+                                      </p:cBhvr>
+                                      <p:to>
+                                        <p:strVal val="visible"/>
+                                      </p:to>
+                                    </p:set>
+                                  </p:childTnLst>
+                                </p:cTn>
+                              </p:par>
+                              <p:par>
+                                <p:cTn id="35" presetID="1" presetClass="entr" presetSubtype="0" fill="hold" nodeType="withEffect">
+                                  <p:stCondLst>
+                                    <p:cond delay="0"/>
+                                  </p:stCondLst>
+                                  <p:childTnLst>
+                                    <p:set>
+                                      <p:cBhvr>
+                                        <p:cTn id="36" dur="1" fill="hold">
+                                          <p:stCondLst>
+                                            <p:cond delay="0"/>
+                                          </p:stCondLst>
+                                        </p:cTn>
+                                        <p:tgtEl>
+                                          <p:spTgt spid="2">
+                                            <p:txEl>
+                                              <p:pRg st="6" end="6"/>
+                                            </p:txEl>
+                                          </p:spTgt>
+                                        </p:tgtEl>
+                                        <p:attrNameLst>
+                                          <p:attrName>style.visibility</p:attrName>
+                                        </p:attrNameLst>
+                                      </p:cBhvr>
+                                      <p:to>
+                                        <p:strVal val="visible"/>
+                                      </p:to>
+                                    </p:set>
+                                  </p:childTnLst>
+                                </p:cTn>
+                              </p:par>
+                            </p:childTnLst>
+                          </p:cTn>
+                        </p:par>
+                      </p:childTnLst>
+                    </p:cTn>
+                  </p:par>
+                  <p:par>
+                    <p:cTn id="37" fill="hold">
+                      <p:stCondLst>
+                        <p:cond delay="indefinite"/>
+                      </p:stCondLst>
+                      <p:childTnLst>
+                        <p:par>
+                          <p:cTn id="38" fill="hold">
+                            <p:stCondLst>
+                              <p:cond delay="0"/>
+                            </p:stCondLst>
+                            <p:childTnLst>
+                              <p:par>
+                                <p:cTn id="39" presetID="1" presetClass="entr" presetSubtype="0" fill="hold" nodeType="clickEffect">
+                                  <p:stCondLst>
+                                    <p:cond delay="0"/>
+                                  </p:stCondLst>
+                                  <p:childTnLst>
+                                    <p:set>
+                                      <p:cBhvr>
+                                        <p:cTn id="40" dur="1" fill="hold">
+                                          <p:stCondLst>
+                                            <p:cond delay="0"/>
+                                          </p:stCondLst>
+                                        </p:cTn>
+                                        <p:tgtEl>
+                                          <p:spTgt spid="2">
+                                            <p:txEl>
+                                              <p:pRg st="8" end="8"/>
+                                            </p:txEl>
+                                          </p:spTgt>
+                                        </p:tgtEl>
+                                        <p:attrNameLst>
+                                          <p:attrName>style.visibility</p:attrName>
+                                        </p:attrNameLst>
+                                      </p:cBhvr>
+                                      <p:to>
+                                        <p:strVal val="visible"/>
+                                      </p:to>
+                                    </p:set>
+                                  </p:childTnLst>
+                                </p:cTn>
+                              </p:par>
+                            </p:childTnLst>
+                          </p:cTn>
+                        </p:par>
+                      </p:childTnLst>
+                    </p:cTn>
+                  </p:par>
+                  <p:par>
+                    <p:cTn id="41" fill="hold">
+                      <p:stCondLst>
+                        <p:cond delay="indefinite"/>
+                      </p:stCondLst>
+                      <p:childTnLst>
+                        <p:par>
+                          <p:cTn id="42" fill="hold">
+                            <p:stCondLst>
+                              <p:cond delay="0"/>
+                            </p:stCondLst>
+                            <p:childTnLst>
+                              <p:par>
+                                <p:cTn id="43" presetID="1" presetClass="entr" presetSubtype="0" fill="hold" nodeType="clickEffect">
+                                  <p:stCondLst>
+                                    <p:cond delay="0"/>
+                                  </p:stCondLst>
+                                  <p:childTnLst>
+                                    <p:set>
+                                      <p:cBhvr>
+                                        <p:cTn id="44" dur="1" fill="hold">
+                                          <p:stCondLst>
+                                            <p:cond delay="0"/>
+                                          </p:stCondLst>
+                                        </p:cTn>
+                                        <p:tgtEl>
+                                          <p:spTgt spid="2">
+                                            <p:txEl>
+                                              <p:pRg st="10" end="10"/>
+                                            </p:txEl>
+                                          </p:spTgt>
+                                        </p:tgtEl>
+                                        <p:attrNameLst>
+                                          <p:attrName>style.visibility</p:attrName>
+                                        </p:attrNameLst>
+                                      </p:cBhvr>
+                                      <p:to>
+                                        <p:strVal val="visible"/>
+                                      </p:to>
+                                    </p:set>
+                                  </p:childTnLst>
+                                </p:cTn>
+                              </p:par>
+                              <p:par>
+                                <p:cTn id="45" presetID="1" presetClass="entr" presetSubtype="0" fill="hold" nodeType="withEffect">
+                                  <p:stCondLst>
+                                    <p:cond delay="0"/>
+                                  </p:stCondLst>
+                                  <p:childTnLst>
+                                    <p:set>
+                                      <p:cBhvr>
+                                        <p:cTn id="46" dur="1" fill="hold">
+                                          <p:stCondLst>
+                                            <p:cond delay="0"/>
+                                          </p:stCondLst>
+                                        </p:cTn>
+                                        <p:tgtEl>
+                                          <p:spTgt spid="2">
+                                            <p:txEl>
+                                              <p:pRg st="11" end="11"/>
+                                            </p:txEl>
+                                          </p:spTgt>
+                                        </p:tgtEl>
+                                        <p:attrNameLst>
+                                          <p:attrName>style.visibility</p:attrName>
+                                        </p:attrNameLst>
+                                      </p:cBhvr>
+                                      <p:to>
+                                        <p:strVal val="visible"/>
+                                      </p:to>
+                                    </p:set>
+                                  </p:childTnLst>
+                                </p:cTn>
+                              </p:par>
+                              <p:par>
+                                <p:cTn id="47" presetID="1" presetClass="entr" presetSubtype="0" fill="hold" nodeType="withEffect">
+                                  <p:stCondLst>
+                                    <p:cond delay="0"/>
+                                  </p:stCondLst>
+                                  <p:childTnLst>
+                                    <p:set>
+                                      <p:cBhvr>
+                                        <p:cTn id="48" dur="1" fill="hold">
+                                          <p:stCondLst>
+                                            <p:cond delay="0"/>
+                                          </p:stCondLst>
+                                        </p:cTn>
+                                        <p:tgtEl>
+                                          <p:spTgt spid="2">
+                                            <p:txEl>
+                                              <p:pRg st="61" end="61"/>
+                                            </p:txEl>
+                                          </p:spTgt>
+                                        </p:tgtEl>
+                                        <p:attrNameLst>
+                                          <p:attrName>style.visibility</p:attrName>
+                                        </p:attrNameLst>
+                                      </p:cBhvr>
+                                      <p:to>
+                                        <p:strVal val="visible"/>
+                                      </p:to>
+                                    </p:set>
+                                  </p:childTnLst>
+                                </p:cTn>
+                              </p:par>
+                            </p:childTnLst>
+                          </p:cTn>
+                        </p:par>
+                      </p:childTnLst>
+                    </p:cTn>
+                  </p:par>
+                  <p:par>
+                    <p:cTn id="49" fill="hold">
+                      <p:stCondLst>
+                        <p:cond delay="indefinite"/>
+                      </p:stCondLst>
+                      <p:childTnLst>
+                        <p:par>
+                          <p:cTn id="50" fill="hold">
+                            <p:stCondLst>
+                              <p:cond delay="0"/>
+                            </p:stCondLst>
+                            <p:childTnLst>
+                              <p:par>
+                                <p:cTn id="51" presetID="1" presetClass="entr" presetSubtype="0" fill="hold" nodeType="clickEffect">
+                                  <p:stCondLst>
+                                    <p:cond delay="0"/>
+                                  </p:stCondLst>
+                                  <p:childTnLst>
+                                    <p:set>
+                                      <p:cBhvr>
+                                        <p:cTn id="52" dur="1" fill="hold">
+                                          <p:stCondLst>
+                                            <p:cond delay="0"/>
+                                          </p:stCondLst>
+                                        </p:cTn>
+                                        <p:tgtEl>
+                                          <p:spTgt spid="2">
+                                            <p:txEl>
+                                              <p:pRg st="12" end="12"/>
+                                            </p:txEl>
+                                          </p:spTgt>
+                                        </p:tgtEl>
+                                        <p:attrNameLst>
+                                          <p:attrName>style.visibility</p:attrName>
+                                        </p:attrNameLst>
+                                      </p:cBhvr>
+                                      <p:to>
+                                        <p:strVal val="visible"/>
+                                      </p:to>
+                                    </p:set>
+                                  </p:childTnLst>
+                                </p:cTn>
+                              </p:par>
+                              <p:par>
+                                <p:cTn id="53" presetID="1" presetClass="entr" presetSubtype="0" fill="hold" nodeType="withEffect">
+                                  <p:stCondLst>
+                                    <p:cond delay="0"/>
+                                  </p:stCondLst>
+                                  <p:childTnLst>
+                                    <p:set>
+                                      <p:cBhvr>
+                                        <p:cTn id="54" dur="1" fill="hold">
+                                          <p:stCondLst>
+                                            <p:cond delay="0"/>
+                                          </p:stCondLst>
+                                        </p:cTn>
+                                        <p:tgtEl>
+                                          <p:spTgt spid="2">
+                                            <p:txEl>
+                                              <p:pRg st="16" end="16"/>
+                                            </p:txEl>
+                                          </p:spTgt>
+                                        </p:tgtEl>
+                                        <p:attrNameLst>
+                                          <p:attrName>style.visibility</p:attrName>
+                                        </p:attrNameLst>
+                                      </p:cBhvr>
+                                      <p:to>
+                                        <p:strVal val="visible"/>
+                                      </p:to>
+                                    </p:set>
+                                  </p:childTnLst>
+                                </p:cTn>
+                              </p:par>
+                            </p:childTnLst>
+                          </p:cTn>
+                        </p:par>
+                      </p:childTnLst>
+                    </p:cTn>
+                  </p:par>
+                  <p:par>
+                    <p:cTn id="55" fill="hold">
+                      <p:stCondLst>
+                        <p:cond delay="indefinite"/>
+                      </p:stCondLst>
+                      <p:childTnLst>
+                        <p:par>
+                          <p:cTn id="56" fill="hold">
+                            <p:stCondLst>
+                              <p:cond delay="0"/>
+                            </p:stCondLst>
+                            <p:childTnLst>
+                              <p:par>
+                                <p:cTn id="57" presetID="1" presetClass="entr" presetSubtype="0" fill="hold" nodeType="clickEffect">
+                                  <p:stCondLst>
+                                    <p:cond delay="0"/>
+                                  </p:stCondLst>
+                                  <p:childTnLst>
+                                    <p:set>
+                                      <p:cBhvr>
+                                        <p:cTn id="58" dur="1" fill="hold">
+                                          <p:stCondLst>
+                                            <p:cond delay="0"/>
+                                          </p:stCondLst>
+                                        </p:cTn>
+                                        <p:tgtEl>
+                                          <p:spTgt spid="2">
+                                            <p:txEl>
+                                              <p:pRg st="13" end="13"/>
+                                            </p:txEl>
+                                          </p:spTgt>
+                                        </p:tgtEl>
+                                        <p:attrNameLst>
+                                          <p:attrName>style.visibility</p:attrName>
+                                        </p:attrNameLst>
+                                      </p:cBhvr>
+                                      <p:to>
+                                        <p:strVal val="visible"/>
+                                      </p:to>
+                                    </p:set>
+                                  </p:childTnLst>
+                                </p:cTn>
+                              </p:par>
+                            </p:childTnLst>
+                          </p:cTn>
+                        </p:par>
+                      </p:childTnLst>
+                    </p:cTn>
+                  </p:par>
+                  <p:par>
+                    <p:cTn id="59" fill="hold">
+                      <p:stCondLst>
+                        <p:cond delay="indefinite"/>
+                      </p:stCondLst>
+                      <p:childTnLst>
+                        <p:par>
+                          <p:cTn id="60" fill="hold">
+                            <p:stCondLst>
+                              <p:cond delay="0"/>
+                            </p:stCondLst>
+                            <p:childTnLst>
+                              <p:par>
+                                <p:cTn id="61" presetID="1" presetClass="entr" presetSubtype="0" fill="hold" nodeType="clickEffect">
+                                  <p:stCondLst>
+                                    <p:cond delay="0"/>
+                                  </p:stCondLst>
+                                  <p:childTnLst>
+                                    <p:set>
+                                      <p:cBhvr>
+                                        <p:cTn id="62" dur="1" fill="hold">
+                                          <p:stCondLst>
+                                            <p:cond delay="0"/>
+                                          </p:stCondLst>
+                                        </p:cTn>
+                                        <p:tgtEl>
+                                          <p:spTgt spid="2">
+                                            <p:txEl>
+                                              <p:pRg st="14" end="14"/>
+                                            </p:txEl>
+                                          </p:spTgt>
+                                        </p:tgtEl>
+                                        <p:attrNameLst>
+                                          <p:attrName>style.visibility</p:attrName>
+                                        </p:attrNameLst>
+                                      </p:cBhvr>
+                                      <p:to>
+                                        <p:strVal val="visible"/>
+                                      </p:to>
+                                    </p:set>
+                                  </p:childTnLst>
+                                </p:cTn>
+                              </p:par>
+                              <p:par>
+                                <p:cTn id="63" presetID="1" presetClass="entr" presetSubtype="0" fill="hold" nodeType="withEffect">
+                                  <p:stCondLst>
+                                    <p:cond delay="0"/>
+                                  </p:stCondLst>
+                                  <p:childTnLst>
+                                    <p:set>
+                                      <p:cBhvr>
+                                        <p:cTn id="64" dur="1" fill="hold">
+                                          <p:stCondLst>
+                                            <p:cond delay="0"/>
+                                          </p:stCondLst>
+                                        </p:cTn>
+                                        <p:tgtEl>
+                                          <p:spTgt spid="2">
+                                            <p:txEl>
+                                              <p:pRg st="15" end="15"/>
+                                            </p:txEl>
+                                          </p:spTgt>
+                                        </p:tgtEl>
+                                        <p:attrNameLst>
+                                          <p:attrName>style.visibility</p:attrName>
+                                        </p:attrNameLst>
+                                      </p:cBhvr>
+                                      <p:to>
+                                        <p:strVal val="visible"/>
+                                      </p:to>
+                                    </p:set>
+                                  </p:childTnLst>
+                                </p:cTn>
+                              </p:par>
+                            </p:childTnLst>
+                          </p:cTn>
+                        </p:par>
+                      </p:childTnLst>
+                    </p:cTn>
+                  </p:par>
+                  <p:par>
+                    <p:cTn id="65" fill="hold">
+                      <p:stCondLst>
+                        <p:cond delay="indefinite"/>
+                      </p:stCondLst>
+                      <p:childTnLst>
+                        <p:par>
+                          <p:cTn id="66" fill="hold">
+                            <p:stCondLst>
+                              <p:cond delay="0"/>
+                            </p:stCondLst>
+                            <p:childTnLst>
+                              <p:par>
+                                <p:cTn id="67" presetID="1" presetClass="entr" presetSubtype="0" fill="hold" nodeType="clickEffect">
+                                  <p:stCondLst>
+                                    <p:cond delay="0"/>
+                                  </p:stCondLst>
+                                  <p:childTnLst>
+                                    <p:set>
+                                      <p:cBhvr>
+                                        <p:cTn id="68" dur="1" fill="hold">
+                                          <p:stCondLst>
+                                            <p:cond delay="0"/>
+                                          </p:stCondLst>
+                                        </p:cTn>
+                                        <p:tgtEl>
+                                          <p:spTgt spid="2">
+                                            <p:txEl>
+                                              <p:pRg st="17" end="17"/>
+                                            </p:txEl>
+                                          </p:spTgt>
+                                        </p:tgtEl>
+                                        <p:attrNameLst>
+                                          <p:attrName>style.visibility</p:attrName>
+                                        </p:attrNameLst>
+                                      </p:cBhvr>
+                                      <p:to>
+                                        <p:strVal val="visible"/>
+                                      </p:to>
+                                    </p:set>
+                                  </p:childTnLst>
+                                </p:cTn>
+                              </p:par>
+                              <p:par>
+                                <p:cTn id="69" presetID="1" presetClass="entr" presetSubtype="0" fill="hold" nodeType="withEffect">
+                                  <p:stCondLst>
+                                    <p:cond delay="0"/>
+                                  </p:stCondLst>
+                                  <p:childTnLst>
+                                    <p:set>
+                                      <p:cBhvr>
+                                        <p:cTn id="70" dur="1" fill="hold">
+                                          <p:stCondLst>
+                                            <p:cond delay="0"/>
+                                          </p:stCondLst>
+                                        </p:cTn>
+                                        <p:tgtEl>
+                                          <p:spTgt spid="2">
+                                            <p:txEl>
+                                              <p:pRg st="18" end="18"/>
+                                            </p:txEl>
+                                          </p:spTgt>
+                                        </p:tgtEl>
+                                        <p:attrNameLst>
+                                          <p:attrName>style.visibility</p:attrName>
+                                        </p:attrNameLst>
+                                      </p:cBhvr>
+                                      <p:to>
+                                        <p:strVal val="visible"/>
+                                      </p:to>
+                                    </p:set>
+                                  </p:childTnLst>
+                                </p:cTn>
+                              </p:par>
+                              <p:par>
+                                <p:cTn id="71" presetID="1" presetClass="entr" presetSubtype="0" fill="hold" nodeType="withEffect">
+                                  <p:stCondLst>
+                                    <p:cond delay="0"/>
+                                  </p:stCondLst>
+                                  <p:childTnLst>
+                                    <p:set>
+                                      <p:cBhvr>
+                                        <p:cTn id="72" dur="1" fill="hold">
+                                          <p:stCondLst>
+                                            <p:cond delay="0"/>
+                                          </p:stCondLst>
+                                        </p:cTn>
+                                        <p:tgtEl>
+                                          <p:spTgt spid="2">
+                                            <p:txEl>
+                                              <p:pRg st="48" end="48"/>
+                                            </p:txEl>
+                                          </p:spTgt>
+                                        </p:tgtEl>
+                                        <p:attrNameLst>
+                                          <p:attrName>style.visibility</p:attrName>
+                                        </p:attrNameLst>
+                                      </p:cBhvr>
+                                      <p:to>
+                                        <p:strVal val="visible"/>
+                                      </p:to>
+                                    </p:set>
+                                  </p:childTnLst>
+                                </p:cTn>
+                              </p:par>
+                            </p:childTnLst>
+                          </p:cTn>
+                        </p:par>
+                      </p:childTnLst>
+                    </p:cTn>
+                  </p:par>
+                  <p:par>
+                    <p:cTn id="73" fill="hold">
+                      <p:stCondLst>
+                        <p:cond delay="indefinite"/>
+                      </p:stCondLst>
+                      <p:childTnLst>
+                        <p:par>
+                          <p:cTn id="74" fill="hold">
+                            <p:stCondLst>
+                              <p:cond delay="0"/>
+                            </p:stCondLst>
+                            <p:childTnLst>
+                              <p:par>
+                                <p:cTn id="75" presetID="1" presetClass="entr" presetSubtype="0" fill="hold" nodeType="clickEffect">
+                                  <p:stCondLst>
+                                    <p:cond delay="0"/>
+                                  </p:stCondLst>
+                                  <p:childTnLst>
+                                    <p:set>
+                                      <p:cBhvr>
+                                        <p:cTn id="76" dur="1" fill="hold">
+                                          <p:stCondLst>
+                                            <p:cond delay="0"/>
+                                          </p:stCondLst>
+                                        </p:cTn>
+                                        <p:tgtEl>
+                                          <p:spTgt spid="2">
+                                            <p:txEl>
+                                              <p:pRg st="19" end="19"/>
+                                            </p:txEl>
+                                          </p:spTgt>
+                                        </p:tgtEl>
+                                        <p:attrNameLst>
+                                          <p:attrName>style.visibility</p:attrName>
+                                        </p:attrNameLst>
+                                      </p:cBhvr>
+                                      <p:to>
+                                        <p:strVal val="visible"/>
+                                      </p:to>
+                                    </p:set>
+                                  </p:childTnLst>
+                                </p:cTn>
+                              </p:par>
+                              <p:par>
+                                <p:cTn id="77" presetID="1" presetClass="entr" presetSubtype="0" fill="hold" nodeType="withEffect">
+                                  <p:stCondLst>
+                                    <p:cond delay="0"/>
+                                  </p:stCondLst>
+                                  <p:childTnLst>
+                                    <p:set>
+                                      <p:cBhvr>
+                                        <p:cTn id="78" dur="1" fill="hold">
+                                          <p:stCondLst>
+                                            <p:cond delay="0"/>
+                                          </p:stCondLst>
+                                        </p:cTn>
+                                        <p:tgtEl>
+                                          <p:spTgt spid="2">
+                                            <p:txEl>
+                                              <p:pRg st="20" end="20"/>
+                                            </p:txEl>
+                                          </p:spTgt>
+                                        </p:tgtEl>
+                                        <p:attrNameLst>
+                                          <p:attrName>style.visibility</p:attrName>
+                                        </p:attrNameLst>
+                                      </p:cBhvr>
+                                      <p:to>
+                                        <p:strVal val="visible"/>
+                                      </p:to>
+                                    </p:set>
+                                  </p:childTnLst>
+                                </p:cTn>
+                              </p:par>
+                              <p:par>
+                                <p:cTn id="79" presetID="1" presetClass="entr" presetSubtype="0" fill="hold" nodeType="withEffect">
+                                  <p:stCondLst>
+                                    <p:cond delay="0"/>
+                                  </p:stCondLst>
+                                  <p:childTnLst>
+                                    <p:set>
+                                      <p:cBhvr>
+                                        <p:cTn id="80" dur="1" fill="hold">
+                                          <p:stCondLst>
+                                            <p:cond delay="0"/>
+                                          </p:stCondLst>
+                                        </p:cTn>
+                                        <p:tgtEl>
+                                          <p:spTgt spid="2">
+                                            <p:txEl>
+                                              <p:pRg st="33" end="33"/>
+                                            </p:txEl>
+                                          </p:spTgt>
+                                        </p:tgtEl>
+                                        <p:attrNameLst>
+                                          <p:attrName>style.visibility</p:attrName>
+                                        </p:attrNameLst>
+                                      </p:cBhvr>
+                                      <p:to>
+                                        <p:strVal val="visible"/>
+                                      </p:to>
+                                    </p:set>
+                                  </p:childTnLst>
+                                </p:cTn>
+                              </p:par>
+                            </p:childTnLst>
+                          </p:cTn>
+                        </p:par>
+                      </p:childTnLst>
+                    </p:cTn>
+                  </p:par>
+                  <p:par>
+                    <p:cTn id="81" fill="hold">
+                      <p:stCondLst>
+                        <p:cond delay="indefinite"/>
+                      </p:stCondLst>
+                      <p:childTnLst>
+                        <p:par>
+                          <p:cTn id="82" fill="hold">
+                            <p:stCondLst>
+                              <p:cond delay="0"/>
+                            </p:stCondLst>
+                            <p:childTnLst>
+                              <p:par>
+                                <p:cTn id="83" presetID="1" presetClass="entr" presetSubtype="0" fill="hold" nodeType="clickEffect">
+                                  <p:stCondLst>
+                                    <p:cond delay="0"/>
+                                  </p:stCondLst>
+                                  <p:childTnLst>
+                                    <p:set>
+                                      <p:cBhvr>
+                                        <p:cTn id="84" dur="1" fill="hold">
+                                          <p:stCondLst>
+                                            <p:cond delay="0"/>
+                                          </p:stCondLst>
+                                        </p:cTn>
+                                        <p:tgtEl>
+                                          <p:spTgt spid="2">
+                                            <p:txEl>
+                                              <p:pRg st="21" end="21"/>
+                                            </p:txEl>
+                                          </p:spTgt>
+                                        </p:tgtEl>
+                                        <p:attrNameLst>
+                                          <p:attrName>style.visibility</p:attrName>
+                                        </p:attrNameLst>
+                                      </p:cBhvr>
+                                      <p:to>
+                                        <p:strVal val="visible"/>
+                                      </p:to>
+                                    </p:set>
+                                  </p:childTnLst>
+                                </p:cTn>
+                              </p:par>
+                              <p:par>
+                                <p:cTn id="85" presetID="1" presetClass="entr" presetSubtype="0" fill="hold" nodeType="withEffect">
+                                  <p:stCondLst>
+                                    <p:cond delay="0"/>
+                                  </p:stCondLst>
+                                  <p:childTnLst>
+                                    <p:set>
+                                      <p:cBhvr>
+                                        <p:cTn id="86" dur="1" fill="hold">
+                                          <p:stCondLst>
+                                            <p:cond delay="0"/>
+                                          </p:stCondLst>
+                                        </p:cTn>
+                                        <p:tgtEl>
+                                          <p:spTgt spid="2">
+                                            <p:txEl>
+                                              <p:pRg st="22" end="22"/>
+                                            </p:txEl>
+                                          </p:spTgt>
+                                        </p:tgtEl>
+                                        <p:attrNameLst>
+                                          <p:attrName>style.visibility</p:attrName>
+                                        </p:attrNameLst>
+                                      </p:cBhvr>
+                                      <p:to>
+                                        <p:strVal val="visible"/>
+                                      </p:to>
+                                    </p:set>
+                                  </p:childTnLst>
+                                </p:cTn>
+                              </p:par>
+                              <p:par>
+                                <p:cTn id="87" presetID="1" presetClass="entr" presetSubtype="0" fill="hold" nodeType="withEffect">
+                                  <p:stCondLst>
+                                    <p:cond delay="0"/>
+                                  </p:stCondLst>
+                                  <p:childTnLst>
+                                    <p:set>
+                                      <p:cBhvr>
+                                        <p:cTn id="88" dur="1" fill="hold">
+                                          <p:stCondLst>
+                                            <p:cond delay="0"/>
+                                          </p:stCondLst>
+                                        </p:cTn>
+                                        <p:tgtEl>
+                                          <p:spTgt spid="2">
+                                            <p:txEl>
+                                              <p:pRg st="23" end="23"/>
+                                            </p:txEl>
+                                          </p:spTgt>
+                                        </p:tgtEl>
+                                        <p:attrNameLst>
+                                          <p:attrName>style.visibility</p:attrName>
+                                        </p:attrNameLst>
+                                      </p:cBhvr>
+                                      <p:to>
+                                        <p:strVal val="visible"/>
+                                      </p:to>
+                                    </p:set>
+                                  </p:childTnLst>
+                                </p:cTn>
+                              </p:par>
+                              <p:par>
+                                <p:cTn id="89" presetID="1" presetClass="entr" presetSubtype="0" fill="hold" nodeType="withEffect">
+                                  <p:stCondLst>
+                                    <p:cond delay="0"/>
+                                  </p:stCondLst>
+                                  <p:childTnLst>
+                                    <p:set>
+                                      <p:cBhvr>
+                                        <p:cTn id="90" dur="1" fill="hold">
+                                          <p:stCondLst>
+                                            <p:cond delay="0"/>
+                                          </p:stCondLst>
+                                        </p:cTn>
+                                        <p:tgtEl>
+                                          <p:spTgt spid="2">
+                                            <p:txEl>
+                                              <p:pRg st="26" end="26"/>
+                                            </p:txEl>
+                                          </p:spTgt>
+                                        </p:tgtEl>
+                                        <p:attrNameLst>
+                                          <p:attrName>style.visibility</p:attrName>
+                                        </p:attrNameLst>
+                                      </p:cBhvr>
+                                      <p:to>
+                                        <p:strVal val="visible"/>
+                                      </p:to>
+                                    </p:set>
+                                  </p:childTnLst>
+                                </p:cTn>
+                              </p:par>
+                              <p:par>
+                                <p:cTn id="91" presetID="1" presetClass="entr" presetSubtype="0" fill="hold" nodeType="withEffect">
+                                  <p:stCondLst>
+                                    <p:cond delay="0"/>
+                                  </p:stCondLst>
+                                  <p:childTnLst>
+                                    <p:set>
+                                      <p:cBhvr>
+                                        <p:cTn id="92" dur="1" fill="hold">
+                                          <p:stCondLst>
+                                            <p:cond delay="0"/>
+                                          </p:stCondLst>
+                                        </p:cTn>
+                                        <p:tgtEl>
+                                          <p:spTgt spid="2">
+                                            <p:txEl>
+                                              <p:pRg st="27" end="27"/>
+                                            </p:txEl>
+                                          </p:spTgt>
+                                        </p:tgtEl>
+                                        <p:attrNameLst>
+                                          <p:attrName>style.visibility</p:attrName>
+                                        </p:attrNameLst>
+                                      </p:cBhvr>
+                                      <p:to>
+                                        <p:strVal val="visible"/>
+                                      </p:to>
+                                    </p:set>
+                                  </p:childTnLst>
+                                </p:cTn>
+                              </p:par>
+                              <p:par>
+                                <p:cTn id="93" presetID="1" presetClass="entr" presetSubtype="0" fill="hold" nodeType="withEffect">
+                                  <p:stCondLst>
+                                    <p:cond delay="0"/>
+                                  </p:stCondLst>
+                                  <p:childTnLst>
+                                    <p:set>
+                                      <p:cBhvr>
+                                        <p:cTn id="94" dur="1" fill="hold">
+                                          <p:stCondLst>
+                                            <p:cond delay="0"/>
+                                          </p:stCondLst>
+                                        </p:cTn>
+                                        <p:tgtEl>
+                                          <p:spTgt spid="2">
+                                            <p:txEl>
+                                              <p:pRg st="28" end="28"/>
+                                            </p:txEl>
+                                          </p:spTgt>
+                                        </p:tgtEl>
+                                        <p:attrNameLst>
+                                          <p:attrName>style.visibility</p:attrName>
+                                        </p:attrNameLst>
+                                      </p:cBhvr>
+                                      <p:to>
+                                        <p:strVal val="visible"/>
+                                      </p:to>
+                                    </p:set>
+                                  </p:childTnLst>
+                                </p:cTn>
+                              </p:par>
+                              <p:par>
+                                <p:cTn id="95" presetID="1" presetClass="entr" presetSubtype="0" fill="hold" nodeType="withEffect">
+                                  <p:stCondLst>
+                                    <p:cond delay="0"/>
+                                  </p:stCondLst>
+                                  <p:childTnLst>
+                                    <p:set>
+                                      <p:cBhvr>
+                                        <p:cTn id="96" dur="1" fill="hold">
+                                          <p:stCondLst>
+                                            <p:cond delay="0"/>
+                                          </p:stCondLst>
+                                        </p:cTn>
+                                        <p:tgtEl>
+                                          <p:spTgt spid="2">
+                                            <p:txEl>
+                                              <p:pRg st="32" end="32"/>
+                                            </p:txEl>
+                                          </p:spTgt>
+                                        </p:tgtEl>
+                                        <p:attrNameLst>
+                                          <p:attrName>style.visibility</p:attrName>
+                                        </p:attrNameLst>
+                                      </p:cBhvr>
+                                      <p:to>
+                                        <p:strVal val="visible"/>
+                                      </p:to>
+                                    </p:set>
+                                  </p:childTnLst>
+                                </p:cTn>
+                              </p:par>
+                            </p:childTnLst>
+                          </p:cTn>
+                        </p:par>
+                      </p:childTnLst>
+                    </p:cTn>
+                  </p:par>
+                  <p:par>
+                    <p:cTn id="97" fill="hold">
+                      <p:stCondLst>
+                        <p:cond delay="indefinite"/>
+                      </p:stCondLst>
+                      <p:childTnLst>
+                        <p:par>
+                          <p:cTn id="98" fill="hold">
+                            <p:stCondLst>
+                              <p:cond delay="0"/>
+                            </p:stCondLst>
+                            <p:childTnLst>
+                              <p:par>
+                                <p:cTn id="99" presetID="1" presetClass="entr" presetSubtype="0" fill="hold" nodeType="clickEffect">
+                                  <p:stCondLst>
+                                    <p:cond delay="0"/>
+                                  </p:stCondLst>
+                                  <p:childTnLst>
+                                    <p:set>
+                                      <p:cBhvr>
+                                        <p:cTn id="100" dur="1" fill="hold">
+                                          <p:stCondLst>
+                                            <p:cond delay="0"/>
+                                          </p:stCondLst>
+                                        </p:cTn>
+                                        <p:tgtEl>
+                                          <p:spTgt spid="2">
+                                            <p:txEl>
+                                              <p:pRg st="24" end="24"/>
+                                            </p:txEl>
+                                          </p:spTgt>
+                                        </p:tgtEl>
+                                        <p:attrNameLst>
+                                          <p:attrName>style.visibility</p:attrName>
+                                        </p:attrNameLst>
+                                      </p:cBhvr>
+                                      <p:to>
+                                        <p:strVal val="visible"/>
+                                      </p:to>
+                                    </p:set>
+                                  </p:childTnLst>
+                                </p:cTn>
+                              </p:par>
+                              <p:par>
+                                <p:cTn id="101" presetID="1" presetClass="entr" presetSubtype="0" fill="hold" nodeType="withEffect">
+                                  <p:stCondLst>
+                                    <p:cond delay="0"/>
+                                  </p:stCondLst>
+                                  <p:childTnLst>
+                                    <p:set>
+                                      <p:cBhvr>
+                                        <p:cTn id="102" dur="1" fill="hold">
+                                          <p:stCondLst>
+                                            <p:cond delay="0"/>
+                                          </p:stCondLst>
+                                        </p:cTn>
+                                        <p:tgtEl>
+                                          <p:spTgt spid="2">
+                                            <p:txEl>
+                                              <p:pRg st="25" end="25"/>
+                                            </p:txEl>
+                                          </p:spTgt>
+                                        </p:tgtEl>
+                                        <p:attrNameLst>
+                                          <p:attrName>style.visibility</p:attrName>
+                                        </p:attrNameLst>
+                                      </p:cBhvr>
+                                      <p:to>
+                                        <p:strVal val="visible"/>
+                                      </p:to>
+                                    </p:set>
+                                  </p:childTnLst>
+                                </p:cTn>
+                              </p:par>
+                            </p:childTnLst>
+                          </p:cTn>
+                        </p:par>
+                      </p:childTnLst>
+                    </p:cTn>
+                  </p:par>
+                  <p:par>
+                    <p:cTn id="103" fill="hold">
+                      <p:stCondLst>
+                        <p:cond delay="indefinite"/>
+                      </p:stCondLst>
+                      <p:childTnLst>
+                        <p:par>
+                          <p:cTn id="104" fill="hold">
+                            <p:stCondLst>
+                              <p:cond delay="0"/>
+                            </p:stCondLst>
+                            <p:childTnLst>
+                              <p:par>
+                                <p:cTn id="105" presetID="1" presetClass="entr" presetSubtype="0" fill="hold" nodeType="clickEffect">
+                                  <p:stCondLst>
+                                    <p:cond delay="0"/>
+                                  </p:stCondLst>
+                                  <p:childTnLst>
+                                    <p:set>
+                                      <p:cBhvr>
+                                        <p:cTn id="106" dur="1" fill="hold">
+                                          <p:stCondLst>
+                                            <p:cond delay="0"/>
+                                          </p:stCondLst>
+                                        </p:cTn>
+                                        <p:tgtEl>
+                                          <p:spTgt spid="2">
+                                            <p:txEl>
+                                              <p:pRg st="29" end="29"/>
+                                            </p:txEl>
+                                          </p:spTgt>
+                                        </p:tgtEl>
+                                        <p:attrNameLst>
+                                          <p:attrName>style.visibility</p:attrName>
+                                        </p:attrNameLst>
+                                      </p:cBhvr>
+                                      <p:to>
+                                        <p:strVal val="visible"/>
+                                      </p:to>
+                                    </p:set>
+                                  </p:childTnLst>
+                                </p:cTn>
+                              </p:par>
+                              <p:par>
+                                <p:cTn id="107" presetID="1" presetClass="entr" presetSubtype="0" fill="hold" nodeType="withEffect">
+                                  <p:stCondLst>
+                                    <p:cond delay="0"/>
+                                  </p:stCondLst>
+                                  <p:childTnLst>
+                                    <p:set>
+                                      <p:cBhvr>
+                                        <p:cTn id="108" dur="1" fill="hold">
+                                          <p:stCondLst>
+                                            <p:cond delay="0"/>
+                                          </p:stCondLst>
+                                        </p:cTn>
+                                        <p:tgtEl>
+                                          <p:spTgt spid="2">
+                                            <p:txEl>
+                                              <p:pRg st="30" end="30"/>
+                                            </p:txEl>
+                                          </p:spTgt>
+                                        </p:tgtEl>
+                                        <p:attrNameLst>
+                                          <p:attrName>style.visibility</p:attrName>
+                                        </p:attrNameLst>
+                                      </p:cBhvr>
+                                      <p:to>
+                                        <p:strVal val="visible"/>
+                                      </p:to>
+                                    </p:set>
+                                  </p:childTnLst>
+                                </p:cTn>
+                              </p:par>
+                              <p:par>
+                                <p:cTn id="109" presetID="1" presetClass="entr" presetSubtype="0" fill="hold" nodeType="withEffect">
+                                  <p:stCondLst>
+                                    <p:cond delay="0"/>
+                                  </p:stCondLst>
+                                  <p:childTnLst>
+                                    <p:set>
+                                      <p:cBhvr>
+                                        <p:cTn id="110" dur="1" fill="hold">
+                                          <p:stCondLst>
+                                            <p:cond delay="0"/>
+                                          </p:stCondLst>
+                                        </p:cTn>
+                                        <p:tgtEl>
+                                          <p:spTgt spid="2">
+                                            <p:txEl>
+                                              <p:pRg st="31" end="31"/>
+                                            </p:txEl>
+                                          </p:spTgt>
+                                        </p:tgtEl>
+                                        <p:attrNameLst>
+                                          <p:attrName>style.visibility</p:attrName>
+                                        </p:attrNameLst>
+                                      </p:cBhvr>
+                                      <p:to>
+                                        <p:strVal val="visible"/>
+                                      </p:to>
+                                    </p:set>
+                                  </p:childTnLst>
+                                </p:cTn>
+                              </p:par>
+                            </p:childTnLst>
+                          </p:cTn>
+                        </p:par>
+                      </p:childTnLst>
+                    </p:cTn>
+                  </p:par>
+                  <p:par>
+                    <p:cTn id="111" fill="hold">
+                      <p:stCondLst>
+                        <p:cond delay="indefinite"/>
+                      </p:stCondLst>
+                      <p:childTnLst>
+                        <p:par>
+                          <p:cTn id="112" fill="hold">
+                            <p:stCondLst>
+                              <p:cond delay="0"/>
+                            </p:stCondLst>
+                            <p:childTnLst>
+                              <p:par>
+                                <p:cTn id="113" presetID="1" presetClass="entr" presetSubtype="0" fill="hold" nodeType="clickEffect">
+                                  <p:stCondLst>
+                                    <p:cond delay="0"/>
+                                  </p:stCondLst>
+                                  <p:childTnLst>
+                                    <p:set>
+                                      <p:cBhvr>
+                                        <p:cTn id="114" dur="1" fill="hold">
+                                          <p:stCondLst>
+                                            <p:cond delay="0"/>
+                                          </p:stCondLst>
+                                        </p:cTn>
+                                        <p:tgtEl>
+                                          <p:spTgt spid="2">
+                                            <p:txEl>
+                                              <p:pRg st="37" end="37"/>
+                                            </p:txEl>
+                                          </p:spTgt>
+                                        </p:tgtEl>
+                                        <p:attrNameLst>
+                                          <p:attrName>style.visibility</p:attrName>
+                                        </p:attrNameLst>
+                                      </p:cBhvr>
+                                      <p:to>
+                                        <p:strVal val="visible"/>
+                                      </p:to>
+                                    </p:set>
+                                  </p:childTnLst>
+                                </p:cTn>
+                              </p:par>
+                              <p:par>
+                                <p:cTn id="115" presetID="1" presetClass="entr" presetSubtype="0" fill="hold" nodeType="withEffect">
+                                  <p:stCondLst>
+                                    <p:cond delay="0"/>
+                                  </p:stCondLst>
+                                  <p:childTnLst>
+                                    <p:set>
+                                      <p:cBhvr>
+                                        <p:cTn id="116" dur="1" fill="hold">
+                                          <p:stCondLst>
+                                            <p:cond delay="0"/>
+                                          </p:stCondLst>
+                                        </p:cTn>
+                                        <p:tgtEl>
+                                          <p:spTgt spid="2">
+                                            <p:txEl>
+                                              <p:pRg st="38" end="38"/>
+                                            </p:txEl>
+                                          </p:spTgt>
+                                        </p:tgtEl>
+                                        <p:attrNameLst>
+                                          <p:attrName>style.visibility</p:attrName>
+                                        </p:attrNameLst>
+                                      </p:cBhvr>
+                                      <p:to>
+                                        <p:strVal val="visible"/>
+                                      </p:to>
+                                    </p:set>
+                                  </p:childTnLst>
+                                </p:cTn>
+                              </p:par>
+                              <p:par>
+                                <p:cTn id="117" presetID="1" presetClass="entr" presetSubtype="0" fill="hold" nodeType="withEffect">
+                                  <p:stCondLst>
+                                    <p:cond delay="0"/>
+                                  </p:stCondLst>
+                                  <p:childTnLst>
+                                    <p:set>
+                                      <p:cBhvr>
+                                        <p:cTn id="118" dur="1" fill="hold">
+                                          <p:stCondLst>
+                                            <p:cond delay="0"/>
+                                          </p:stCondLst>
+                                        </p:cTn>
+                                        <p:tgtEl>
+                                          <p:spTgt spid="2">
+                                            <p:txEl>
+                                              <p:pRg st="42" end="42"/>
+                                            </p:txEl>
+                                          </p:spTgt>
+                                        </p:tgtEl>
+                                        <p:attrNameLst>
+                                          <p:attrName>style.visibility</p:attrName>
+                                        </p:attrNameLst>
+                                      </p:cBhvr>
+                                      <p:to>
+                                        <p:strVal val="visible"/>
+                                      </p:to>
+                                    </p:set>
+                                  </p:childTnLst>
+                                </p:cTn>
+                              </p:par>
+                            </p:childTnLst>
+                          </p:cTn>
+                        </p:par>
+                      </p:childTnLst>
+                    </p:cTn>
+                  </p:par>
+                  <p:par>
+                    <p:cTn id="119" fill="hold">
+                      <p:stCondLst>
+                        <p:cond delay="indefinite"/>
+                      </p:stCondLst>
+                      <p:childTnLst>
+                        <p:par>
+                          <p:cTn id="120" fill="hold">
+                            <p:stCondLst>
+                              <p:cond delay="0"/>
+                            </p:stCondLst>
+                            <p:childTnLst>
+                              <p:par>
+                                <p:cTn id="121" presetID="1" presetClass="entr" presetSubtype="0" fill="hold" nodeType="clickEffect">
+                                  <p:stCondLst>
+                                    <p:cond delay="0"/>
+                                  </p:stCondLst>
+                                  <p:childTnLst>
+                                    <p:set>
+                                      <p:cBhvr>
+                                        <p:cTn id="122" dur="1" fill="hold">
+                                          <p:stCondLst>
+                                            <p:cond delay="0"/>
+                                          </p:stCondLst>
+                                        </p:cTn>
+                                        <p:tgtEl>
+                                          <p:spTgt spid="2">
+                                            <p:txEl>
+                                              <p:pRg st="39" end="39"/>
+                                            </p:txEl>
+                                          </p:spTgt>
+                                        </p:tgtEl>
+                                        <p:attrNameLst>
+                                          <p:attrName>style.visibility</p:attrName>
+                                        </p:attrNameLst>
+                                      </p:cBhvr>
+                                      <p:to>
+                                        <p:strVal val="visible"/>
+                                      </p:to>
+                                    </p:set>
+                                  </p:childTnLst>
+                                </p:cTn>
+                              </p:par>
+                              <p:par>
+                                <p:cTn id="123" presetID="1" presetClass="entr" presetSubtype="0" fill="hold" nodeType="withEffect">
+                                  <p:stCondLst>
+                                    <p:cond delay="0"/>
+                                  </p:stCondLst>
+                                  <p:childTnLst>
+                                    <p:set>
+                                      <p:cBhvr>
+                                        <p:cTn id="124" dur="1" fill="hold">
+                                          <p:stCondLst>
+                                            <p:cond delay="0"/>
+                                          </p:stCondLst>
+                                        </p:cTn>
+                                        <p:tgtEl>
+                                          <p:spTgt spid="2">
+                                            <p:txEl>
+                                              <p:pRg st="40" end="40"/>
+                                            </p:txEl>
+                                          </p:spTgt>
+                                        </p:tgtEl>
+                                        <p:attrNameLst>
+                                          <p:attrName>style.visibility</p:attrName>
+                                        </p:attrNameLst>
+                                      </p:cBhvr>
+                                      <p:to>
+                                        <p:strVal val="visible"/>
+                                      </p:to>
+                                    </p:set>
+                                  </p:childTnLst>
+                                </p:cTn>
+                              </p:par>
+                              <p:par>
+                                <p:cTn id="125" presetID="1" presetClass="entr" presetSubtype="0" fill="hold" nodeType="withEffect">
+                                  <p:stCondLst>
+                                    <p:cond delay="0"/>
+                                  </p:stCondLst>
+                                  <p:childTnLst>
+                                    <p:set>
+                                      <p:cBhvr>
+                                        <p:cTn id="126" dur="1" fill="hold">
+                                          <p:stCondLst>
+                                            <p:cond delay="0"/>
+                                          </p:stCondLst>
+                                        </p:cTn>
+                                        <p:tgtEl>
+                                          <p:spTgt spid="2">
+                                            <p:txEl>
+                                              <p:pRg st="41" end="41"/>
+                                            </p:txEl>
+                                          </p:spTgt>
+                                        </p:tgtEl>
+                                        <p:attrNameLst>
+                                          <p:attrName>style.visibility</p:attrName>
+                                        </p:attrNameLst>
+                                      </p:cBhvr>
+                                      <p:to>
+                                        <p:strVal val="visible"/>
+                                      </p:to>
+                                    </p:set>
+                                  </p:childTnLst>
+                                </p:cTn>
+                              </p:par>
+                            </p:childTnLst>
+                          </p:cTn>
+                        </p:par>
+                      </p:childTnLst>
+                    </p:cTn>
+                  </p:par>
+                  <p:par>
+                    <p:cTn id="127" fill="hold">
+                      <p:stCondLst>
+                        <p:cond delay="indefinite"/>
+                      </p:stCondLst>
+                      <p:childTnLst>
+                        <p:par>
+                          <p:cTn id="128" fill="hold">
+                            <p:stCondLst>
+                              <p:cond delay="0"/>
+                            </p:stCondLst>
+                            <p:childTnLst>
+                              <p:par>
+                                <p:cTn id="129" presetID="1" presetClass="entr" presetSubtype="0" fill="hold" nodeType="clickEffect">
+                                  <p:stCondLst>
+                                    <p:cond delay="0"/>
+                                  </p:stCondLst>
+                                  <p:childTnLst>
+                                    <p:set>
+                                      <p:cBhvr>
+                                        <p:cTn id="130" dur="1" fill="hold">
+                                          <p:stCondLst>
+                                            <p:cond delay="0"/>
+                                          </p:stCondLst>
+                                        </p:cTn>
+                                        <p:tgtEl>
+                                          <p:spTgt spid="2">
+                                            <p:txEl>
+                                              <p:pRg st="43" end="43"/>
+                                            </p:txEl>
+                                          </p:spTgt>
+                                        </p:tgtEl>
+                                        <p:attrNameLst>
+                                          <p:attrName>style.visibility</p:attrName>
+                                        </p:attrNameLst>
+                                      </p:cBhvr>
+                                      <p:to>
+                                        <p:strVal val="visible"/>
+                                      </p:to>
+                                    </p:set>
+                                  </p:childTnLst>
+                                </p:cTn>
+                              </p:par>
+                              <p:par>
+                                <p:cTn id="131" presetID="1" presetClass="entr" presetSubtype="0" fill="hold" nodeType="withEffect">
+                                  <p:stCondLst>
+                                    <p:cond delay="0"/>
+                                  </p:stCondLst>
+                                  <p:childTnLst>
+                                    <p:set>
+                                      <p:cBhvr>
+                                        <p:cTn id="132" dur="1" fill="hold">
+                                          <p:stCondLst>
+                                            <p:cond delay="0"/>
+                                          </p:stCondLst>
+                                        </p:cTn>
+                                        <p:tgtEl>
+                                          <p:spTgt spid="2">
+                                            <p:txEl>
+                                              <p:pRg st="44" end="44"/>
+                                            </p:txEl>
+                                          </p:spTgt>
+                                        </p:tgtEl>
+                                        <p:attrNameLst>
+                                          <p:attrName>style.visibility</p:attrName>
+                                        </p:attrNameLst>
+                                      </p:cBhvr>
+                                      <p:to>
+                                        <p:strVal val="visible"/>
+                                      </p:to>
+                                    </p:set>
+                                  </p:childTnLst>
+                                </p:cTn>
+                              </p:par>
+                              <p:par>
+                                <p:cTn id="133" presetID="1" presetClass="entr" presetSubtype="0" fill="hold" nodeType="withEffect">
+                                  <p:stCondLst>
+                                    <p:cond delay="0"/>
+                                  </p:stCondLst>
+                                  <p:childTnLst>
+                                    <p:set>
+                                      <p:cBhvr>
+                                        <p:cTn id="134" dur="1" fill="hold">
+                                          <p:stCondLst>
+                                            <p:cond delay="0"/>
+                                          </p:stCondLst>
+                                        </p:cTn>
+                                        <p:tgtEl>
+                                          <p:spTgt spid="2">
+                                            <p:txEl>
+                                              <p:pRg st="47" end="47"/>
+                                            </p:txEl>
+                                          </p:spTgt>
+                                        </p:tgtEl>
+                                        <p:attrNameLst>
+                                          <p:attrName>style.visibility</p:attrName>
+                                        </p:attrNameLst>
+                                      </p:cBhvr>
+                                      <p:to>
+                                        <p:strVal val="visible"/>
+                                      </p:to>
+                                    </p:set>
+                                  </p:childTnLst>
+                                </p:cTn>
+                              </p:par>
+                            </p:childTnLst>
+                          </p:cTn>
+                        </p:par>
+                      </p:childTnLst>
+                    </p:cTn>
+                  </p:par>
+                  <p:par>
+                    <p:cTn id="135" fill="hold">
+                      <p:stCondLst>
+                        <p:cond delay="indefinite"/>
+                      </p:stCondLst>
+                      <p:childTnLst>
+                        <p:par>
+                          <p:cTn id="136" fill="hold">
+                            <p:stCondLst>
+                              <p:cond delay="0"/>
+                            </p:stCondLst>
+                            <p:childTnLst>
+                              <p:par>
+                                <p:cTn id="137" presetID="1" presetClass="entr" presetSubtype="0" fill="hold" nodeType="clickEffect">
+                                  <p:stCondLst>
+                                    <p:cond delay="0"/>
+                                  </p:stCondLst>
+                                  <p:childTnLst>
+                                    <p:set>
+                                      <p:cBhvr>
+                                        <p:cTn id="138" dur="1" fill="hold">
+                                          <p:stCondLst>
+                                            <p:cond delay="0"/>
+                                          </p:stCondLst>
+                                        </p:cTn>
+                                        <p:tgtEl>
+                                          <p:spTgt spid="2">
+                                            <p:txEl>
+                                              <p:pRg st="45" end="45"/>
+                                            </p:txEl>
+                                          </p:spTgt>
+                                        </p:tgtEl>
+                                        <p:attrNameLst>
+                                          <p:attrName>style.visibility</p:attrName>
+                                        </p:attrNameLst>
+                                      </p:cBhvr>
+                                      <p:to>
+                                        <p:strVal val="visible"/>
+                                      </p:to>
+                                    </p:set>
+                                  </p:childTnLst>
+                                </p:cTn>
+                              </p:par>
+                              <p:par>
+                                <p:cTn id="139" presetID="1" presetClass="entr" presetSubtype="0" fill="hold" nodeType="withEffect">
+                                  <p:stCondLst>
+                                    <p:cond delay="0"/>
+                                  </p:stCondLst>
+                                  <p:childTnLst>
+                                    <p:set>
+                                      <p:cBhvr>
+                                        <p:cTn id="140" dur="1" fill="hold">
+                                          <p:stCondLst>
+                                            <p:cond delay="0"/>
+                                          </p:stCondLst>
+                                        </p:cTn>
+                                        <p:tgtEl>
+                                          <p:spTgt spid="2">
+                                            <p:txEl>
+                                              <p:pRg st="46" end="46"/>
+                                            </p:txEl>
+                                          </p:spTgt>
+                                        </p:tgtEl>
+                                        <p:attrNameLst>
+                                          <p:attrName>style.visibility</p:attrName>
+                                        </p:attrNameLst>
+                                      </p:cBhvr>
+                                      <p:to>
+                                        <p:strVal val="visible"/>
+                                      </p:to>
+                                    </p:set>
+                                  </p:childTnLst>
+                                </p:cTn>
+                              </p:par>
+                            </p:childTnLst>
+                          </p:cTn>
+                        </p:par>
+                      </p:childTnLst>
+                    </p:cTn>
+                  </p:par>
+                  <p:par>
+                    <p:cTn id="141" fill="hold">
+                      <p:stCondLst>
+                        <p:cond delay="indefinite"/>
+                      </p:stCondLst>
+                      <p:childTnLst>
+                        <p:par>
+                          <p:cTn id="142" fill="hold">
+                            <p:stCondLst>
+                              <p:cond delay="0"/>
+                            </p:stCondLst>
+                            <p:childTnLst>
+                              <p:par>
+                                <p:cTn id="143" presetID="1" presetClass="entr" presetSubtype="0" fill="hold" nodeType="clickEffect">
+                                  <p:stCondLst>
+                                    <p:cond delay="0"/>
+                                  </p:stCondLst>
+                                  <p:childTnLst>
+                                    <p:set>
+                                      <p:cBhvr>
+                                        <p:cTn id="144" dur="1" fill="hold">
+                                          <p:stCondLst>
+                                            <p:cond delay="0"/>
+                                          </p:stCondLst>
+                                        </p:cTn>
+                                        <p:tgtEl>
+                                          <p:spTgt spid="2">
+                                            <p:txEl>
+                                              <p:pRg st="49" end="49"/>
+                                            </p:txEl>
+                                          </p:spTgt>
+                                        </p:tgtEl>
+                                        <p:attrNameLst>
+                                          <p:attrName>style.visibility</p:attrName>
+                                        </p:attrNameLst>
+                                      </p:cBhvr>
+                                      <p:to>
+                                        <p:strVal val="visible"/>
+                                      </p:to>
+                                    </p:set>
+                                  </p:childTnLst>
+                                </p:cTn>
+                              </p:par>
+                              <p:par>
+                                <p:cTn id="145" presetID="1" presetClass="entr" presetSubtype="0" fill="hold" nodeType="withEffect">
+                                  <p:stCondLst>
+                                    <p:cond delay="0"/>
+                                  </p:stCondLst>
+                                  <p:childTnLst>
+                                    <p:set>
+                                      <p:cBhvr>
+                                        <p:cTn id="146" dur="1" fill="hold">
+                                          <p:stCondLst>
+                                            <p:cond delay="0"/>
+                                          </p:stCondLst>
+                                        </p:cTn>
+                                        <p:tgtEl>
+                                          <p:spTgt spid="2">
+                                            <p:txEl>
+                                              <p:pRg st="50" end="50"/>
+                                            </p:txEl>
+                                          </p:spTgt>
+                                        </p:tgtEl>
+                                        <p:attrNameLst>
+                                          <p:attrName>style.visibility</p:attrName>
+                                        </p:attrNameLst>
+                                      </p:cBhvr>
+                                      <p:to>
+                                        <p:strVal val="visible"/>
+                                      </p:to>
+                                    </p:set>
+                                  </p:childTnLst>
+                                </p:cTn>
+                              </p:par>
+                              <p:par>
+                                <p:cTn id="147" presetID="1" presetClass="entr" presetSubtype="0" fill="hold" nodeType="withEffect">
+                                  <p:stCondLst>
+                                    <p:cond delay="0"/>
+                                  </p:stCondLst>
+                                  <p:childTnLst>
+                                    <p:set>
+                                      <p:cBhvr>
+                                        <p:cTn id="148" dur="1" fill="hold">
+                                          <p:stCondLst>
+                                            <p:cond delay="0"/>
+                                          </p:stCondLst>
+                                        </p:cTn>
+                                        <p:tgtEl>
+                                          <p:spTgt spid="2">
+                                            <p:txEl>
+                                              <p:pRg st="55" end="55"/>
+                                            </p:txEl>
+                                          </p:spTgt>
+                                        </p:tgtEl>
+                                        <p:attrNameLst>
+                                          <p:attrName>style.visibility</p:attrName>
+                                        </p:attrNameLst>
+                                      </p:cBhvr>
+                                      <p:to>
+                                        <p:strVal val="visible"/>
+                                      </p:to>
+                                    </p:set>
+                                  </p:childTnLst>
+                                </p:cTn>
+                              </p:par>
+                              <p:par>
+                                <p:cTn id="149" presetID="1" presetClass="entr" presetSubtype="0" fill="hold" nodeType="withEffect">
+                                  <p:stCondLst>
+                                    <p:cond delay="0"/>
+                                  </p:stCondLst>
+                                  <p:childTnLst>
+                                    <p:set>
+                                      <p:cBhvr>
+                                        <p:cTn id="150" dur="1" fill="hold">
+                                          <p:stCondLst>
+                                            <p:cond delay="0"/>
+                                          </p:stCondLst>
+                                        </p:cTn>
+                                        <p:tgtEl>
+                                          <p:spTgt spid="2">
+                                            <p:txEl>
+                                              <p:pRg st="56" end="56"/>
+                                            </p:txEl>
+                                          </p:spTgt>
+                                        </p:tgtEl>
+                                        <p:attrNameLst>
+                                          <p:attrName>style.visibility</p:attrName>
+                                        </p:attrNameLst>
+                                      </p:cBhvr>
+                                      <p:to>
+                                        <p:strVal val="visible"/>
+                                      </p:to>
+                                    </p:set>
+                                  </p:childTnLst>
+                                </p:cTn>
+                              </p:par>
+                              <p:par>
+                                <p:cTn id="151" presetID="1" presetClass="entr" presetSubtype="0" fill="hold" nodeType="withEffect">
+                                  <p:stCondLst>
+                                    <p:cond delay="0"/>
+                                  </p:stCondLst>
+                                  <p:childTnLst>
+                                    <p:set>
+                                      <p:cBhvr>
+                                        <p:cTn id="152" dur="1" fill="hold">
+                                          <p:stCondLst>
+                                            <p:cond delay="0"/>
+                                          </p:stCondLst>
+                                        </p:cTn>
+                                        <p:tgtEl>
+                                          <p:spTgt spid="2">
+                                            <p:txEl>
+                                              <p:pRg st="57" end="57"/>
+                                            </p:txEl>
+                                          </p:spTgt>
+                                        </p:tgtEl>
+                                        <p:attrNameLst>
+                                          <p:attrName>style.visibility</p:attrName>
+                                        </p:attrNameLst>
+                                      </p:cBhvr>
+                                      <p:to>
+                                        <p:strVal val="visible"/>
+                                      </p:to>
+                                    </p:set>
+                                  </p:childTnLst>
+                                </p:cTn>
+                              </p:par>
+                              <p:par>
+                                <p:cTn id="153" presetID="1" presetClass="entr" presetSubtype="0" fill="hold" nodeType="withEffect">
+                                  <p:stCondLst>
+                                    <p:cond delay="0"/>
+                                  </p:stCondLst>
+                                  <p:childTnLst>
+                                    <p:set>
+                                      <p:cBhvr>
+                                        <p:cTn id="154" dur="1" fill="hold">
+                                          <p:stCondLst>
+                                            <p:cond delay="0"/>
+                                          </p:stCondLst>
+                                        </p:cTn>
+                                        <p:tgtEl>
+                                          <p:spTgt spid="2">
+                                            <p:txEl>
+                                              <p:pRg st="60" end="60"/>
+                                            </p:txEl>
+                                          </p:spTgt>
+                                        </p:tgtEl>
+                                        <p:attrNameLst>
+                                          <p:attrName>style.visibility</p:attrName>
+                                        </p:attrNameLst>
+                                      </p:cBhvr>
+                                      <p:to>
+                                        <p:strVal val="visible"/>
+                                      </p:to>
+                                    </p:set>
+                                  </p:childTnLst>
+                                </p:cTn>
+                              </p:par>
+                            </p:childTnLst>
+                          </p:cTn>
+                        </p:par>
+                      </p:childTnLst>
+                    </p:cTn>
+                  </p:par>
+                  <p:par>
+                    <p:cTn id="155" fill="hold">
+                      <p:stCondLst>
+                        <p:cond delay="indefinite"/>
+                      </p:stCondLst>
+                      <p:childTnLst>
+                        <p:par>
+                          <p:cTn id="156" fill="hold">
+                            <p:stCondLst>
+                              <p:cond delay="0"/>
+                            </p:stCondLst>
+                            <p:childTnLst>
+                              <p:par>
+                                <p:cTn id="157" presetID="1" presetClass="entr" presetSubtype="0" fill="hold" nodeType="clickEffect">
+                                  <p:stCondLst>
+                                    <p:cond delay="0"/>
+                                  </p:stCondLst>
+                                  <p:childTnLst>
+                                    <p:set>
+                                      <p:cBhvr>
+                                        <p:cTn id="158" dur="1" fill="hold">
+                                          <p:stCondLst>
+                                            <p:cond delay="0"/>
+                                          </p:stCondLst>
+                                        </p:cTn>
+                                        <p:tgtEl>
+                                          <p:spTgt spid="2">
+                                            <p:txEl>
+                                              <p:pRg st="51" end="51"/>
+                                            </p:txEl>
+                                          </p:spTgt>
+                                        </p:tgtEl>
+                                        <p:attrNameLst>
+                                          <p:attrName>style.visibility</p:attrName>
+                                        </p:attrNameLst>
+                                      </p:cBhvr>
+                                      <p:to>
+                                        <p:strVal val="visible"/>
+                                      </p:to>
+                                    </p:set>
+                                  </p:childTnLst>
+                                </p:cTn>
+                              </p:par>
+                              <p:par>
+                                <p:cTn id="159" presetID="1" presetClass="entr" presetSubtype="0" fill="hold" nodeType="withEffect">
+                                  <p:stCondLst>
+                                    <p:cond delay="0"/>
+                                  </p:stCondLst>
+                                  <p:childTnLst>
+                                    <p:set>
+                                      <p:cBhvr>
+                                        <p:cTn id="160" dur="1" fill="hold">
+                                          <p:stCondLst>
+                                            <p:cond delay="0"/>
+                                          </p:stCondLst>
+                                        </p:cTn>
+                                        <p:tgtEl>
+                                          <p:spTgt spid="2">
+                                            <p:txEl>
+                                              <p:pRg st="53" end="53"/>
+                                            </p:txEl>
+                                          </p:spTgt>
+                                        </p:tgtEl>
+                                        <p:attrNameLst>
+                                          <p:attrName>style.visibility</p:attrName>
+                                        </p:attrNameLst>
+                                      </p:cBhvr>
+                                      <p:to>
+                                        <p:strVal val="visible"/>
+                                      </p:to>
+                                    </p:set>
+                                  </p:childTnLst>
+                                </p:cTn>
+                              </p:par>
+                            </p:childTnLst>
+                          </p:cTn>
+                        </p:par>
+                      </p:childTnLst>
+                    </p:cTn>
+                  </p:par>
+                  <p:par>
+                    <p:cTn id="161" fill="hold">
+                      <p:stCondLst>
+                        <p:cond delay="indefinite"/>
+                      </p:stCondLst>
+                      <p:childTnLst>
+                        <p:par>
+                          <p:cTn id="162" fill="hold">
+                            <p:stCondLst>
+                              <p:cond delay="0"/>
+                            </p:stCondLst>
+                            <p:childTnLst>
+                              <p:par>
+                                <p:cTn id="163" presetID="1" presetClass="entr" presetSubtype="0" fill="hold" nodeType="clickEffect">
+                                  <p:stCondLst>
+                                    <p:cond delay="0"/>
+                                  </p:stCondLst>
+                                  <p:childTnLst>
+                                    <p:set>
+                                      <p:cBhvr>
+                                        <p:cTn id="164" dur="1" fill="hold">
+                                          <p:stCondLst>
+                                            <p:cond delay="0"/>
+                                          </p:stCondLst>
+                                        </p:cTn>
+                                        <p:tgtEl>
+                                          <p:spTgt spid="2">
+                                            <p:txEl>
+                                              <p:pRg st="52" end="52"/>
+                                            </p:txEl>
+                                          </p:spTgt>
+                                        </p:tgtEl>
+                                        <p:attrNameLst>
+                                          <p:attrName>style.visibility</p:attrName>
+                                        </p:attrNameLst>
+                                      </p:cBhvr>
+                                      <p:to>
+                                        <p:strVal val="visible"/>
+                                      </p:to>
+                                    </p:set>
+                                  </p:childTnLst>
+                                </p:cTn>
+                              </p:par>
+                            </p:childTnLst>
+                          </p:cTn>
+                        </p:par>
+                      </p:childTnLst>
+                    </p:cTn>
+                  </p:par>
+                  <p:par>
+                    <p:cTn id="165" fill="hold">
+                      <p:stCondLst>
+                        <p:cond delay="indefinite"/>
+                      </p:stCondLst>
+                      <p:childTnLst>
+                        <p:par>
+                          <p:cTn id="166" fill="hold">
+                            <p:stCondLst>
+                              <p:cond delay="0"/>
+                            </p:stCondLst>
+                            <p:childTnLst>
+                              <p:par>
+                                <p:cTn id="167" presetID="1" presetClass="entr" presetSubtype="0" fill="hold" nodeType="clickEffect">
+                                  <p:stCondLst>
+                                    <p:cond delay="0"/>
+                                  </p:stCondLst>
+                                  <p:childTnLst>
+                                    <p:set>
+                                      <p:cBhvr>
+                                        <p:cTn id="168" dur="1" fill="hold">
+                                          <p:stCondLst>
+                                            <p:cond delay="0"/>
+                                          </p:stCondLst>
+                                        </p:cTn>
+                                        <p:tgtEl>
+                                          <p:spTgt spid="2">
+                                            <p:txEl>
+                                              <p:pRg st="54" end="54"/>
+                                            </p:txEl>
+                                          </p:spTgt>
+                                        </p:tgtEl>
+                                        <p:attrNameLst>
+                                          <p:attrName>style.visibility</p:attrName>
+                                        </p:attrNameLst>
+                                      </p:cBhvr>
+                                      <p:to>
+                                        <p:strVal val="visible"/>
+                                      </p:to>
+                                    </p:set>
+                                  </p:childTnLst>
+                                </p:cTn>
+                              </p:par>
+                            </p:childTnLst>
+                          </p:cTn>
+                        </p:par>
+                      </p:childTnLst>
+                    </p:cTn>
+                  </p:par>
+                  <p:par>
+                    <p:cTn id="169" fill="hold">
+                      <p:stCondLst>
+                        <p:cond delay="indefinite"/>
+                      </p:stCondLst>
+                      <p:childTnLst>
+                        <p:par>
+                          <p:cTn id="170" fill="hold">
+                            <p:stCondLst>
+                              <p:cond delay="0"/>
+                            </p:stCondLst>
+                            <p:childTnLst>
+                              <p:par>
+                                <p:cTn id="171" presetID="1" presetClass="entr" presetSubtype="0" fill="hold" nodeType="clickEffect">
+                                  <p:stCondLst>
+                                    <p:cond delay="0"/>
+                                  </p:stCondLst>
+                                  <p:childTnLst>
+                                    <p:set>
+                                      <p:cBhvr>
+                                        <p:cTn id="172" dur="1" fill="hold">
+                                          <p:stCondLst>
+                                            <p:cond delay="0"/>
+                                          </p:stCondLst>
+                                        </p:cTn>
+                                        <p:tgtEl>
+                                          <p:spTgt spid="2">
+                                            <p:txEl>
+                                              <p:pRg st="58" end="58"/>
+                                            </p:txEl>
+                                          </p:spTgt>
+                                        </p:tgtEl>
+                                        <p:attrNameLst>
+                                          <p:attrName>style.visibility</p:attrName>
+                                        </p:attrNameLst>
+                                      </p:cBhvr>
+                                      <p:to>
+                                        <p:strVal val="visible"/>
+                                      </p:to>
+                                    </p:set>
+                                  </p:childTnLst>
+                                </p:cTn>
+                              </p:par>
+                              <p:par>
+                                <p:cTn id="173" presetID="1" presetClass="entr" presetSubtype="0" fill="hold" nodeType="withEffect">
+                                  <p:stCondLst>
+                                    <p:cond delay="0"/>
+                                  </p:stCondLst>
+                                  <p:childTnLst>
+                                    <p:set>
+                                      <p:cBhvr>
+                                        <p:cTn id="174" dur="1" fill="hold">
+                                          <p:stCondLst>
+                                            <p:cond delay="0"/>
+                                          </p:stCondLst>
+                                        </p:cTn>
+                                        <p:tgtEl>
+                                          <p:spTgt spid="2">
+                                            <p:txEl>
+                                              <p:pRg st="59" end="59"/>
+                                            </p:txEl>
+                                          </p:spTgt>
+                                        </p:tgtEl>
+                                        <p:attrNameLst>
+                                          <p:attrName>style.visibility</p:attrName>
+                                        </p:attrNameLst>
+                                      </p:cBhvr>
+                                      <p:to>
+                                        <p:strVal val="visible"/>
+                                      </p:to>
+                                    </p:set>
+                                  </p:childTnLst>
+                                </p:cTn>
+                              </p:par>
+                            </p:childTnLst>
+                          </p:cTn>
+                        </p:par>
+                      </p:childTnLst>
+                    </p:cTn>
+                  </p:par>
+                  <p:par>
+                    <p:cTn id="175" fill="hold">
+                      <p:stCondLst>
+                        <p:cond delay="indefinite"/>
+                      </p:stCondLst>
+                      <p:childTnLst>
+                        <p:par>
+                          <p:cTn id="176" fill="hold">
+                            <p:stCondLst>
+                              <p:cond delay="0"/>
+                            </p:stCondLst>
+                            <p:childTnLst>
+                              <p:par>
+                                <p:cTn id="177" presetID="1" presetClass="entr" presetSubtype="0" fill="hold" nodeType="clickEffect">
+                                  <p:stCondLst>
+                                    <p:cond delay="0"/>
+                                  </p:stCondLst>
+                                  <p:childTnLst>
+                                    <p:set>
+                                      <p:cBhvr>
+                                        <p:cTn id="178" dur="1" fill="hold">
+                                          <p:stCondLst>
+                                            <p:cond delay="0"/>
+                                          </p:stCondLst>
+                                        </p:cTn>
+                                        <p:tgtEl>
+                                          <p:spTgt spid="2">
+                                            <p:txEl>
+                                              <p:pRg st="63" end="63"/>
+                                            </p:txEl>
+                                          </p:spTgt>
+                                        </p:tgtEl>
+                                        <p:attrNameLst>
+                                          <p:attrName>style.visibility</p:attrName>
+                                        </p:attrNameLst>
+                                      </p:cBhvr>
+                                      <p:to>
+                                        <p:strVal val="visible"/>
+                                      </p:to>
+                                    </p:set>
+                                  </p:childTnLst>
+                                </p:cTn>
+                              </p:par>
+                              <p:par>
+                                <p:cTn id="179" presetID="1" presetClass="entr" presetSubtype="0" fill="hold" nodeType="withEffect">
+                                  <p:stCondLst>
+                                    <p:cond delay="0"/>
+                                  </p:stCondLst>
+                                  <p:childTnLst>
+                                    <p:set>
+                                      <p:cBhvr>
+                                        <p:cTn id="180" dur="1" fill="hold">
+                                          <p:stCondLst>
+                                            <p:cond delay="0"/>
+                                          </p:stCondLst>
+                                        </p:cTn>
+                                        <p:tgtEl>
+                                          <p:spTgt spid="2">
+                                            <p:txEl>
+                                              <p:pRg st="64" end="64"/>
+                                            </p:txEl>
+                                          </p:spTgt>
+                                        </p:tgtEl>
+                                        <p:attrNameLst>
+                                          <p:attrName>style.visibility</p:attrName>
+                                        </p:attrNameLst>
+                                      </p:cBhvr>
+                                      <p:to>
+                                        <p:strVal val="visible"/>
+                                      </p:to>
+                                    </p:set>
+                                  </p:childTnLst>
+                                </p:cTn>
+                              </p:par>
+                              <p:par>
+                                <p:cTn id="181" presetID="1" presetClass="entr" presetSubtype="0" fill="hold" nodeType="withEffect">
+                                  <p:stCondLst>
+                                    <p:cond delay="0"/>
+                                  </p:stCondLst>
+                                  <p:childTnLst>
+                                    <p:set>
+                                      <p:cBhvr>
+                                        <p:cTn id="182" dur="1" fill="hold">
+                                          <p:stCondLst>
+                                            <p:cond delay="0"/>
+                                          </p:stCondLst>
+                                        </p:cTn>
+                                        <p:tgtEl>
+                                          <p:spTgt spid="2">
+                                            <p:txEl>
+                                              <p:pRg st="65" end="65"/>
+                                            </p:txEl>
+                                          </p:spTgt>
+                                        </p:tgtEl>
+                                        <p:attrNameLst>
+                                          <p:attrName>style.visibility</p:attrName>
+                                        </p:attrNameLst>
+                                      </p:cBhvr>
+                                      <p:to>
+                                        <p:strVal val="visible"/>
+                                      </p:to>
+                                    </p:set>
+                                  </p:childTnLst>
+                                </p:cTn>
+                              </p:par>
+                            </p:childTnLst>
+                          </p:cTn>
+                        </p:par>
+                      </p:childTnLst>
+                    </p:cTn>
+                  </p:par>
+                  <p:par>
+                    <p:cTn id="183" fill="hold">
+                      <p:stCondLst>
+                        <p:cond delay="indefinite"/>
+                      </p:stCondLst>
+                      <p:childTnLst>
+                        <p:par>
+                          <p:cTn id="184" fill="hold">
+                            <p:stCondLst>
+                              <p:cond delay="0"/>
+                            </p:stCondLst>
+                            <p:childTnLst>
+                              <p:par>
+                                <p:cTn id="185" presetID="1" presetClass="entr" presetSubtype="0" fill="hold" nodeType="clickEffect">
+                                  <p:stCondLst>
+                                    <p:cond delay="0"/>
+                                  </p:stCondLst>
+                                  <p:childTnLst>
+                                    <p:set>
+                                      <p:cBhvr>
+                                        <p:cTn id="186" dur="1" fill="hold">
+                                          <p:stCondLst>
+                                            <p:cond delay="0"/>
+                                          </p:stCondLst>
+                                        </p:cTn>
+                                        <p:tgtEl>
+                                          <p:spTgt spid="2">
+                                            <p:txEl>
+                                              <p:pRg st="67" end="67"/>
+                                            </p:txEl>
+                                          </p:spTgt>
+                                        </p:tgtEl>
+                                        <p:attrNameLst>
+                                          <p:attrName>style.visibility</p:attrName>
+                                        </p:attrNameLst>
+                                      </p:cBhvr>
+                                      <p:to>
+                                        <p:strVal val="visible"/>
+                                      </p:to>
+                                    </p:set>
+                                  </p:childTnLst>
+                                </p:cTn>
+                              </p:par>
+                              <p:par>
+                                <p:cTn id="187" presetID="1" presetClass="entr" presetSubtype="0" fill="hold" nodeType="withEffect">
+                                  <p:stCondLst>
+                                    <p:cond delay="0"/>
+                                  </p:stCondLst>
+                                  <p:childTnLst>
+                                    <p:set>
+                                      <p:cBhvr>
+                                        <p:cTn id="188" dur="1" fill="hold">
+                                          <p:stCondLst>
+                                            <p:cond delay="0"/>
+                                          </p:stCondLst>
+                                        </p:cTn>
+                                        <p:tgtEl>
+                                          <p:spTgt spid="2">
+                                            <p:txEl>
+                                              <p:pRg st="68" end="68"/>
+                                            </p:txEl>
+                                          </p:spTgt>
+                                        </p:tgtEl>
+                                        <p:attrNameLst>
+                                          <p:attrName>style.visibility</p:attrName>
+                                        </p:attrNameLst>
+                                      </p:cBhvr>
+                                      <p:to>
+                                        <p:strVal val="visible"/>
+                                      </p:to>
+                                    </p:set>
+                                  </p:childTnLst>
+                                </p:cTn>
+                              </p:par>
+                            </p:childTnLst>
+                          </p:cTn>
+                        </p:par>
+                      </p:childTnLst>
+                    </p:cTn>
+                  </p:par>
+                  <p:par>
+                    <p:cTn id="189" fill="hold">
+                      <p:stCondLst>
+                        <p:cond delay="indefinite"/>
+                      </p:stCondLst>
+                      <p:childTnLst>
+                        <p:par>
+                          <p:cTn id="190" fill="hold">
+                            <p:stCondLst>
+                              <p:cond delay="0"/>
+                            </p:stCondLst>
+                            <p:childTnLst>
+                              <p:par>
+                                <p:cTn id="191" presetID="1" presetClass="entr" presetSubtype="0" fill="hold" nodeType="clickEffect">
+                                  <p:stCondLst>
+                                    <p:cond delay="0"/>
+                                  </p:stCondLst>
+                                  <p:childTnLst>
+                                    <p:set>
+                                      <p:cBhvr>
+                                        <p:cTn id="192" dur="1" fill="hold">
+                                          <p:stCondLst>
+                                            <p:cond delay="0"/>
+                                          </p:stCondLst>
+                                        </p:cTn>
+                                        <p:tgtEl>
+                                          <p:spTgt spid="2">
+                                            <p:txEl>
+                                              <p:pRg st="69" end="69"/>
+                                            </p:txEl>
+                                          </p:spTgt>
+                                        </p:tgtEl>
+                                        <p:attrNameLst>
+                                          <p:attrName>style.visibility</p:attrName>
+                                        </p:attrNameLst>
+                                      </p:cBhvr>
+                                      <p:to>
+                                        <p:strVal val="visible"/>
+                                      </p:to>
+                                    </p:set>
+                                  </p:childTnLst>
+                                </p:cTn>
+                              </p:par>
+                            </p:childTnLst>
+                          </p:cTn>
+                        </p:par>
+                      </p:childTnLst>
+                    </p:cTn>
+                  </p:par>
+                </p:childTnLst>
+              </p:cTn>
+              <p:prevCondLst>
+                <p:cond evt="onPrev" delay="0">
+                  <p:tgtEl>
+                    <p:sldTgt/>
+                  </p:tgtEl>
+                </p:cond>
+              </p:prevCondLst>
+              <p:nextCondLst>
+                <p:cond evt="onNext" delay="0">
+                  <p:tgtEl>
+                    <p:sldTgt/>
+                  </p:tgtEl>
+                </p:cond>
+              </p:nextCondLst>
+            </p:seq>
+          </p:childTnLst>
+        </p:cTn>
+      </p:par>
+    </p:tnLst>
+    <p:bldLst>
+      <p:bldP spid="2" grpId="0" animBg="1"/>
+    </p:bldLst>
+  </p:timing>
+</p:sld>
+</file>
+
 <file path=ppt/slides/slide3.xml><?xml version="1.0" encoding="utf-8"?>
 <p:sld xmlns:a="http://schemas.openxmlformats.org/drawingml/2006/main" xmlns:r="http://schemas.openxmlformats.org/officeDocument/2006/relationships" xmlns:p="http://schemas.openxmlformats.org/presentationml/2006/main">
   <p:cSld>
@@ -42588,8 +48226,8 @@
         </p:nvSpPr>
         <p:spPr>
           <a:xfrm>
-            <a:off x="1631504" y="836712"/>
-            <a:ext cx="9361040" cy="4154984"/>
+            <a:off x="1631504" y="620688"/>
+            <a:ext cx="9361040" cy="5447645"/>
           </a:xfrm>
           <a:prstGeom prst="rect">
             <a:avLst/>
@@ -42621,6 +48259,155 @@
             <a:spAutoFit/>
           </a:bodyPr>
           <a:lstStyle/>
+          <a:p>
+            <a:r>
+              <a:rPr lang="en-US" altLang="zh-CN" sz="1200" dirty="0">
+                <a:solidFill>
+                  <a:srgbClr val="0000FF"/>
+                </a:solidFill>
+                <a:latin typeface="Consolas" panose="020B0609020204030204" pitchFamily="49" charset="0"/>
+              </a:rPr>
+              <a:t>struct</a:t>
+            </a:r>
+            <a:r>
+              <a:rPr lang="en-US" altLang="zh-CN" sz="1200" dirty="0">
+                <a:solidFill>
+                  <a:srgbClr val="000000"/>
+                </a:solidFill>
+                <a:latin typeface="Consolas" panose="020B0609020204030204" pitchFamily="49" charset="0"/>
+              </a:rPr>
+              <a:t> Task</a:t>
+            </a:r>
+          </a:p>
+          <a:p>
+            <a:r>
+              <a:rPr lang="en-US" altLang="zh-CN" sz="1200" dirty="0">
+                <a:solidFill>
+                  <a:srgbClr val="000000"/>
+                </a:solidFill>
+                <a:latin typeface="Consolas" panose="020B0609020204030204" pitchFamily="49" charset="0"/>
+              </a:rPr>
+              <a:t>{</a:t>
+            </a:r>
+          </a:p>
+          <a:p>
+            <a:pPr lvl="1"/>
+            <a:r>
+              <a:rPr lang="en-US" altLang="zh-CN" sz="1200" dirty="0">
+                <a:solidFill>
+                  <a:srgbClr val="0000FF"/>
+                </a:solidFill>
+                <a:latin typeface="Consolas" panose="020B0609020204030204" pitchFamily="49" charset="0"/>
+              </a:rPr>
+              <a:t>int</a:t>
+            </a:r>
+            <a:r>
+              <a:rPr lang="en-US" altLang="zh-CN" sz="1200" dirty="0">
+                <a:solidFill>
+                  <a:srgbClr val="000000"/>
+                </a:solidFill>
+                <a:latin typeface="Consolas" panose="020B0609020204030204" pitchFamily="49" charset="0"/>
+              </a:rPr>
+              <a:t> Id;</a:t>
+            </a:r>
+          </a:p>
+          <a:p>
+            <a:pPr lvl="1"/>
+            <a:r>
+              <a:rPr lang="en-US" altLang="zh-CN" sz="1200" dirty="0">
+                <a:solidFill>
+                  <a:srgbClr val="0000FF"/>
+                </a:solidFill>
+                <a:latin typeface="Consolas" panose="020B0609020204030204" pitchFamily="49" charset="0"/>
+              </a:rPr>
+              <a:t>int</a:t>
+            </a:r>
+            <a:r>
+              <a:rPr lang="en-US" altLang="zh-CN" sz="1200" dirty="0">
+                <a:solidFill>
+                  <a:srgbClr val="000000"/>
+                </a:solidFill>
+                <a:latin typeface="Consolas" panose="020B0609020204030204" pitchFamily="49" charset="0"/>
+              </a:rPr>
+              <a:t> </a:t>
+            </a:r>
+            <a:r>
+              <a:rPr lang="en-US" altLang="zh-CN" sz="1200" dirty="0" err="1">
+                <a:solidFill>
+                  <a:srgbClr val="000000"/>
+                </a:solidFill>
+                <a:latin typeface="Consolas" panose="020B0609020204030204" pitchFamily="49" charset="0"/>
+              </a:rPr>
+              <a:t>StartTime</a:t>
+            </a:r>
+            <a:r>
+              <a:rPr lang="en-US" altLang="zh-CN" sz="1200" dirty="0">
+                <a:solidFill>
+                  <a:srgbClr val="000000"/>
+                </a:solidFill>
+                <a:latin typeface="Consolas" panose="020B0609020204030204" pitchFamily="49" charset="0"/>
+              </a:rPr>
+              <a:t>;</a:t>
+            </a:r>
+          </a:p>
+          <a:p>
+            <a:pPr lvl="1"/>
+            <a:r>
+              <a:rPr lang="en-US" altLang="zh-CN" sz="1200" dirty="0">
+                <a:solidFill>
+                  <a:srgbClr val="0000FF"/>
+                </a:solidFill>
+                <a:latin typeface="Consolas" panose="020B0609020204030204" pitchFamily="49" charset="0"/>
+              </a:rPr>
+              <a:t>int</a:t>
+            </a:r>
+            <a:r>
+              <a:rPr lang="en-US" altLang="zh-CN" sz="1200" dirty="0">
+                <a:solidFill>
+                  <a:srgbClr val="000000"/>
+                </a:solidFill>
+                <a:latin typeface="Consolas" panose="020B0609020204030204" pitchFamily="49" charset="0"/>
+              </a:rPr>
+              <a:t> </a:t>
+            </a:r>
+            <a:r>
+              <a:rPr lang="en-US" altLang="zh-CN" sz="1200" dirty="0" err="1">
+                <a:solidFill>
+                  <a:srgbClr val="000000"/>
+                </a:solidFill>
+                <a:latin typeface="Consolas" panose="020B0609020204030204" pitchFamily="49" charset="0"/>
+              </a:rPr>
+              <a:t>OverTime</a:t>
+            </a:r>
+            <a:r>
+              <a:rPr lang="en-US" altLang="zh-CN" sz="1200" dirty="0">
+                <a:solidFill>
+                  <a:srgbClr val="000000"/>
+                </a:solidFill>
+                <a:latin typeface="Consolas" panose="020B0609020204030204" pitchFamily="49" charset="0"/>
+              </a:rPr>
+              <a:t>;</a:t>
+            </a:r>
+          </a:p>
+          <a:p>
+            <a:r>
+              <a:rPr lang="en-US" altLang="zh-CN" sz="1200" dirty="0">
+                <a:solidFill>
+                  <a:srgbClr val="000000"/>
+                </a:solidFill>
+                <a:latin typeface="Consolas" panose="020B0609020204030204" pitchFamily="49" charset="0"/>
+              </a:rPr>
+              <a:t>};</a:t>
+            </a:r>
+          </a:p>
+          <a:p>
+            <a:endParaRPr lang="en-US" altLang="zh-CN" sz="1200" dirty="0">
+              <a:solidFill>
+                <a:srgbClr val="000000"/>
+              </a:solidFill>
+              <a:latin typeface="Consolas" panose="020B0609020204030204" pitchFamily="49" charset="0"/>
+            </a:endParaRPr>
+          </a:p>
           <a:p>
             <a:r>
               <a:rPr lang="en-US" altLang="zh-CN" sz="1200" dirty="0">
@@ -43446,7 +49233,7 @@
                                         <p:tgtEl>
                                           <p:spTgt spid="3">
                                             <p:txEl>
-                                              <p:pRg st="3" end="3"/>
+                                              <p:pRg st="10" end="10"/>
                                             </p:txEl>
                                           </p:spTgt>
                                         </p:tgtEl>
@@ -43477,7 +49264,7 @@
                                         <p:tgtEl>
                                           <p:spTgt spid="3">
                                             <p:txEl>
-                                              <p:pRg st="4" end="4"/>
+                                              <p:pRg st="11" end="11"/>
                                             </p:txEl>
                                           </p:spTgt>
                                         </p:tgtEl>
@@ -43508,7 +49295,7 @@
                                         <p:tgtEl>
                                           <p:spTgt spid="3">
                                             <p:txEl>
-                                              <p:pRg st="6" end="6"/>
+                                              <p:pRg st="13" end="13"/>
                                             </p:txEl>
                                           </p:spTgt>
                                         </p:tgtEl>
@@ -43557,7 +49344,7 @@
                                         <p:tgtEl>
                                           <p:spTgt spid="3">
                                             <p:txEl>
-                                              <p:pRg st="5" end="5"/>
+                                              <p:pRg st="12" end="12"/>
                                             </p:txEl>
                                           </p:spTgt>
                                         </p:tgtEl>
@@ -43606,7 +49393,7 @@
                                         <p:tgtEl>
                                           <p:spTgt spid="3">
                                             <p:txEl>
-                                              <p:pRg st="7" end="7"/>
+                                              <p:pRg st="14" end="14"/>
                                             </p:txEl>
                                           </p:spTgt>
                                         </p:tgtEl>
@@ -43655,7 +49442,7 @@
                                         <p:tgtEl>
                                           <p:spTgt spid="3">
                                             <p:txEl>
-                                              <p:pRg st="8" end="8"/>
+                                              <p:pRg st="15" end="15"/>
                                             </p:txEl>
                                           </p:spTgt>
                                         </p:tgtEl>
@@ -43686,7 +49473,7 @@
                                         <p:tgtEl>
                                           <p:spTgt spid="3">
                                             <p:txEl>
-                                              <p:pRg st="9" end="9"/>
+                                              <p:pRg st="16" end="16"/>
                                             </p:txEl>
                                           </p:spTgt>
                                         </p:tgtEl>
@@ -43717,7 +49504,7 @@
                                         <p:tgtEl>
                                           <p:spTgt spid="3">
                                             <p:txEl>
-                                              <p:pRg st="16" end="16"/>
+                                              <p:pRg st="23" end="23"/>
                                             </p:txEl>
                                           </p:spTgt>
                                         </p:tgtEl>
@@ -43766,7 +49553,7 @@
                                         <p:tgtEl>
                                           <p:spTgt spid="3">
                                             <p:txEl>
-                                              <p:pRg st="10" end="10"/>
+                                              <p:pRg st="17" end="17"/>
                                             </p:txEl>
                                           </p:spTgt>
                                         </p:tgtEl>
@@ -43797,7 +49584,7 @@
                                         <p:tgtEl>
                                           <p:spTgt spid="3">
                                             <p:txEl>
-                                              <p:pRg st="13" end="13"/>
+                                              <p:pRg st="20" end="20"/>
                                             </p:txEl>
                                           </p:spTgt>
                                         </p:tgtEl>
@@ -43846,7 +49633,7 @@
                                         <p:tgtEl>
                                           <p:spTgt spid="3">
                                             <p:txEl>
-                                              <p:pRg st="11" end="11"/>
+                                              <p:pRg st="18" end="18"/>
                                             </p:txEl>
                                           </p:spTgt>
                                         </p:tgtEl>
@@ -43895,7 +49682,7 @@
                                         <p:tgtEl>
                                           <p:spTgt spid="3">
                                             <p:txEl>
-                                              <p:pRg st="14" end="14"/>
+                                              <p:pRg st="21" end="21"/>
                                             </p:txEl>
                                           </p:spTgt>
                                         </p:tgtEl>
@@ -43926,7 +49713,7 @@
                                         <p:tgtEl>
                                           <p:spTgt spid="3">
                                             <p:txEl>
-                                              <p:pRg st="15" end="15"/>
+                                              <p:pRg st="22" end="22"/>
                                             </p:txEl>
                                           </p:spTgt>
                                         </p:tgtEl>
@@ -43975,7 +49762,7 @@
                                         <p:tgtEl>
                                           <p:spTgt spid="3">
                                             <p:txEl>
-                                              <p:pRg st="18" end="18"/>
+                                              <p:pRg st="25" end="25"/>
                                             </p:txEl>
                                           </p:spTgt>
                                         </p:tgtEl>
